--- a/presentation/intelligente_robotik.pptx
+++ b/presentation/intelligente_robotik.pptx
@@ -6,13 +6,23 @@
     <p:sldMasterId id="2147483668" r:id="rId5"/>
   </p:sldMasterIdLst>
   <p:notesMasterIdLst>
-    <p:notesMasterId r:id="rId10"/>
+    <p:notesMasterId r:id="rId20"/>
   </p:notesMasterIdLst>
   <p:sldIdLst>
     <p:sldId id="256" r:id="rId6"/>
-    <p:sldId id="271" r:id="rId7"/>
-    <p:sldId id="283" r:id="rId8"/>
-    <p:sldId id="276" r:id="rId9"/>
+    <p:sldId id="283" r:id="rId7"/>
+    <p:sldId id="284" r:id="rId8"/>
+    <p:sldId id="285" r:id="rId9"/>
+    <p:sldId id="287" r:id="rId10"/>
+    <p:sldId id="288" r:id="rId11"/>
+    <p:sldId id="289" r:id="rId12"/>
+    <p:sldId id="290" r:id="rId13"/>
+    <p:sldId id="291" r:id="rId14"/>
+    <p:sldId id="292" r:id="rId15"/>
+    <p:sldId id="293" r:id="rId16"/>
+    <p:sldId id="294" r:id="rId17"/>
+    <p:sldId id="295" r:id="rId18"/>
+    <p:sldId id="286" r:id="rId19"/>
   </p:sldIdLst>
   <p:sldSz cx="12192000" cy="6858000"/>
   <p:notesSz cx="6858000" cy="9144000"/>
@@ -215,7 +225,7 @@
           <a:p>
             <a:fld id="{8A39E342-F6A9-4F29-9B27-B9C233E73F2C}" type="datetimeFigureOut">
               <a:rPr lang="de-DE" smtClean="0"/>
-              <a:t>19.12.2024</a:t>
+              <a:t>20.12.2024</a:t>
             </a:fld>
             <a:endParaRPr lang="de-DE"/>
           </a:p>
@@ -621,7 +631,7 @@
             <a:fld id="{54E47B7E-1879-468C-AC6C-74FE3DD743D1}" type="datetime1">
               <a:rPr lang="de-DE" smtClean="0"/>
               <a:pPr/>
-              <a:t>19.12.2024</a:t>
+              <a:t>20.12.2024</a:t>
             </a:fld>
             <a:endParaRPr lang="de-DE" dirty="0"/>
           </a:p>
@@ -1428,7 +1438,7 @@
             <a:fld id="{54E47B7E-1879-468C-AC6C-74FE3DD743D1}" type="datetime1">
               <a:rPr lang="de-DE" smtClean="0"/>
               <a:pPr/>
-              <a:t>19.12.2024</a:t>
+              <a:t>20.12.2024</a:t>
             </a:fld>
             <a:endParaRPr lang="de-DE" dirty="0"/>
           </a:p>
@@ -4919,14 +4929,14 @@
           </a:ln>
           <a:extLst>
             <a:ext uri="{909E8E84-426E-40dd-AFC4-6F175D3DCCD1}">
-              <a14:hiddenFill xmlns="" xmlns:a14="http://schemas.microsoft.com/office/drawing/2010/main">
+              <a14:hiddenFill xmlns:a14="http://schemas.microsoft.com/office/drawing/2010/main" xmlns="">
                 <a:solidFill>
                   <a:srgbClr val="FFFFFF"/>
                 </a:solidFill>
               </a14:hiddenFill>
             </a:ext>
             <a:ext uri="{91240B29-F687-4f45-9708-019B960494DF}">
-              <a14:hiddenLine xmlns="" xmlns:a14="http://schemas.microsoft.com/office/drawing/2010/main" w="9525">
+              <a14:hiddenLine xmlns:a14="http://schemas.microsoft.com/office/drawing/2010/main" xmlns="" w="9525">
                 <a:solidFill>
                   <a:srgbClr val="000000"/>
                 </a:solidFill>
@@ -4936,7 +4946,7 @@
               </a14:hiddenLine>
             </a:ext>
             <a:ext uri="{FAA26D3D-D897-4be2-8F04-BA451C77F1D7}">
-              <ma14:placeholderFlag xmlns="" xmlns:ma14="http://schemas.microsoft.com/office/mac/drawingml/2011/main" val="1"/>
+              <ma14:placeholderFlag xmlns:ma14="http://schemas.microsoft.com/office/mac/drawingml/2011/main" xmlns="" val="1"/>
             </a:ext>
           </a:extLst>
         </p:spPr>
@@ -4980,14 +4990,14 @@
           </a:ln>
           <a:extLst>
             <a:ext uri="{909E8E84-426E-40dd-AFC4-6F175D3DCCD1}">
-              <a14:hiddenFill xmlns="" xmlns:a14="http://schemas.microsoft.com/office/drawing/2010/main">
+              <a14:hiddenFill xmlns:a14="http://schemas.microsoft.com/office/drawing/2010/main" xmlns="">
                 <a:solidFill>
                   <a:srgbClr val="FFFFFF"/>
                 </a:solidFill>
               </a14:hiddenFill>
             </a:ext>
             <a:ext uri="{91240B29-F687-4f45-9708-019B960494DF}">
-              <a14:hiddenLine xmlns="" xmlns:a14="http://schemas.microsoft.com/office/drawing/2010/main" w="9525">
+              <a14:hiddenLine xmlns:a14="http://schemas.microsoft.com/office/drawing/2010/main" xmlns="" w="9525">
                 <a:solidFill>
                   <a:srgbClr val="000000"/>
                 </a:solidFill>
@@ -4997,7 +5007,7 @@
               </a14:hiddenLine>
             </a:ext>
             <a:ext uri="{FAA26D3D-D897-4be2-8F04-BA451C77F1D7}">
-              <ma14:placeholderFlag xmlns="" xmlns:ma14="http://schemas.microsoft.com/office/mac/drawingml/2011/main" val="1"/>
+              <ma14:placeholderFlag xmlns:ma14="http://schemas.microsoft.com/office/mac/drawingml/2011/main" xmlns="" val="1"/>
             </a:ext>
           </a:extLst>
         </p:spPr>
@@ -5121,14 +5131,14 @@
           </a:ln>
           <a:extLst>
             <a:ext uri="{909E8E84-426E-40dd-AFC4-6F175D3DCCD1}">
-              <a14:hiddenFill xmlns="" xmlns:a14="http://schemas.microsoft.com/office/drawing/2010/main">
+              <a14:hiddenFill xmlns:a14="http://schemas.microsoft.com/office/drawing/2010/main" xmlns="">
                 <a:solidFill>
                   <a:srgbClr val="FFFFFF"/>
                 </a:solidFill>
               </a14:hiddenFill>
             </a:ext>
             <a:ext uri="{91240B29-F687-4f45-9708-019B960494DF}">
-              <a14:hiddenLine xmlns="" xmlns:a14="http://schemas.microsoft.com/office/drawing/2010/main" w="9525">
+              <a14:hiddenLine xmlns:a14="http://schemas.microsoft.com/office/drawing/2010/main" xmlns="" w="9525">
                 <a:solidFill>
                   <a:srgbClr val="000000"/>
                 </a:solidFill>
@@ -6186,7 +6196,7 @@
           <a:p>
             <a:r>
               <a:rPr lang="de-DE" dirty="0"/>
-              <a:t>Navigation in simulierter </a:t>
+              <a:t>(Reinforcement-basierte)Navigation in simulierter </a:t>
             </a:r>
             <a:r>
               <a:rPr lang="de-DE" dirty="0" err="1"/>
@@ -6297,7 +6307,7 @@
 </p:sld>
 </file>
 
-<file path=ppt/slides/slide2.xml><?xml version="1.0" encoding="utf-8"?>
+<file path=ppt/slides/slide10.xml><?xml version="1.0" encoding="utf-8"?>
 <p:sld xmlns:a="http://schemas.openxmlformats.org/drawingml/2006/main" xmlns:r="http://schemas.openxmlformats.org/officeDocument/2006/relationships" xmlns:p="http://schemas.openxmlformats.org/presentationml/2006/main">
   <p:cSld>
     <p:spTree>
@@ -6305,7 +6315,7 @@
         <p:cNvPr id="1" name="">
           <a:extLst>
             <a:ext uri="{FF2B5EF4-FFF2-40B4-BE49-F238E27FC236}">
-              <a16:creationId xmlns:a16="http://schemas.microsoft.com/office/drawing/2014/main" id="{D4953D91-2CCD-8F5B-A1E9-A8D89F9F91A7}"/>
+              <a16:creationId xmlns:a16="http://schemas.microsoft.com/office/drawing/2014/main" id="{4F170E83-16D0-2D9B-6890-D3EC2B35564A}"/>
             </a:ext>
           </a:extLst>
         </p:cNvPr>
@@ -6322,159 +6332,200 @@
       </p:grpSpPr>
       <p:sp>
         <p:nvSpPr>
-          <p:cNvPr id="2" name="Textplatzhalter 1">
+          <p:cNvPr id="2" name="Textfeld 1">
             <a:extLst>
               <a:ext uri="{FF2B5EF4-FFF2-40B4-BE49-F238E27FC236}">
-                <a16:creationId xmlns:a16="http://schemas.microsoft.com/office/drawing/2014/main" id="{F8FB66FE-105E-AE39-43B8-5016143784B2}"/>
+                <a16:creationId xmlns:a16="http://schemas.microsoft.com/office/drawing/2014/main" id="{BADB349E-5F0F-CEDC-3916-DC08DC307644}"/>
               </a:ext>
             </a:extLst>
           </p:cNvPr>
-          <p:cNvSpPr>
-            <a:spLocks noGrp="1"/>
-          </p:cNvSpPr>
-          <p:nvPr>
-            <p:ph type="body" sz="quarter" idx="19"/>
-          </p:nvPr>
-        </p:nvSpPr>
-        <p:spPr>
-          <a:xfrm>
-            <a:off x="879670" y="1766888"/>
-            <a:ext cx="8781460" cy="4741200"/>
-          </a:xfrm>
-        </p:spPr>
-        <p:txBody>
-          <a:bodyPr wrap="square" anchor="t">
+          <p:cNvSpPr txBox="1"/>
+          <p:nvPr/>
+        </p:nvSpPr>
+        <p:spPr bwMode="auto">
+          <a:xfrm>
+            <a:off x="860326" y="1913165"/>
+            <a:ext cx="4758064" cy="4343400"/>
+          </a:xfrm>
+          <a:prstGeom prst="rect">
+            <a:avLst/>
+          </a:prstGeom>
+          <a:noFill/>
+          <a:ln>
+            <a:noFill/>
+          </a:ln>
+          <a:extLst>
+            <a:ext uri="{909E8E84-426E-40dd-AFC4-6F175D3DCCD1}">
+              <a14:hiddenFill xmlns="" xmlns:a14="http://schemas.microsoft.com/office/drawing/2010/main">
+                <a:solidFill>
+                  <a:srgbClr val="FFFFFF"/>
+                </a:solidFill>
+              </a14:hiddenFill>
+            </a:ext>
+            <a:ext uri="{91240B29-F687-4f45-9708-019B960494DF}">
+              <a14:hiddenLine xmlns="" xmlns:a14="http://schemas.microsoft.com/office/drawing/2010/main" w="9525">
+                <a:solidFill>
+                  <a:srgbClr val="000000"/>
+                </a:solidFill>
+                <a:miter lim="800000"/>
+                <a:headEnd/>
+                <a:tailEnd/>
+              </a14:hiddenLine>
+            </a:ext>
+            <a:ext uri="{FAA26D3D-D897-4be2-8F04-BA451C77F1D7}">
+              <ma14:placeholderFlag xmlns="" xmlns:ma14="http://schemas.microsoft.com/office/mac/drawingml/2011/main" val="1"/>
+            </a:ext>
+          </a:extLst>
+        </p:spPr>
+        <p:txBody>
+          <a:bodyPr vert="horz" wrap="square" lIns="0" tIns="0" rIns="0" bIns="0" numCol="1" rtlCol="0" anchor="t" anchorCtr="0" compatLnSpc="1">
+            <a:prstTxWarp prst="textNoShape">
+              <a:avLst/>
+            </a:prstTxWarp>
             <a:normAutofit/>
           </a:bodyPr>
           <a:lstStyle/>
           <a:p>
-            <a:pPr marL="228600" indent="-228600">
+            <a:pPr indent="360000" defTabSz="457200" fontAlgn="base">
               <a:lnSpc>
-                <a:spcPct val="140000"/>
+                <a:spcPct val="150000"/>
               </a:lnSpc>
               <a:spcAft>
                 <a:spcPts val="600"/>
               </a:spcAft>
-              <a:buAutoNum type="arabicPeriod"/>
+              <a:buSzPct val="100000"/>
+              <a:buBlip>
+                <a:blip r:embed="rId2"/>
+              </a:buBlip>
             </a:pPr>
             <a:r>
-              <a:rPr lang="de-DE" b="1" dirty="0"/>
-              <a:t>Einleitung</a:t>
-            </a:r>
-          </a:p>
-          <a:p>
-            <a:pPr marL="228600" indent="-228600">
+              <a:rPr lang="de-DE" sz="1600" b="1" kern="0" dirty="0">
+                <a:ea typeface="ＭＳ Ｐゴシック" charset="0"/>
+              </a:rPr>
+              <a:t>Implementierung</a:t>
+            </a:r>
+          </a:p>
+          <a:p>
+            <a:pPr lvl="1" indent="360000" defTabSz="457200" fontAlgn="base">
               <a:lnSpc>
-                <a:spcPct val="140000"/>
+                <a:spcPct val="150000"/>
               </a:lnSpc>
               <a:spcAft>
                 <a:spcPts val="600"/>
               </a:spcAft>
-              <a:buAutoNum type="arabicPeriod"/>
+              <a:buSzPct val="100000"/>
+              <a:buBlip>
+                <a:blip r:embed="rId2"/>
+              </a:buBlip>
             </a:pPr>
             <a:r>
-              <a:rPr lang="de-DE" b="1" dirty="0"/>
-              <a:t>Umsetzung</a:t>
-            </a:r>
-          </a:p>
-          <a:p>
-            <a:pPr marL="971550" lvl="1" indent="-228600">
+              <a:rPr lang="de-DE" sz="1600" b="1" kern="0" dirty="0">
+                <a:ea typeface="ＭＳ Ｐゴシック" charset="0"/>
+              </a:rPr>
+              <a:t>Noch mehr Maps für Variation</a:t>
+            </a:r>
+          </a:p>
+          <a:p>
+            <a:pPr indent="360000" defTabSz="457200" fontAlgn="base">
               <a:lnSpc>
-                <a:spcPct val="140000"/>
+                <a:spcPct val="150000"/>
               </a:lnSpc>
               <a:spcAft>
                 <a:spcPts val="600"/>
               </a:spcAft>
-              <a:buAutoNum type="arabicPeriod"/>
+              <a:buSzPct val="100000"/>
+              <a:buBlip>
+                <a:blip r:embed="rId2"/>
+              </a:buBlip>
             </a:pPr>
             <a:r>
-              <a:rPr lang="de-DE" b="1" dirty="0"/>
-              <a:t>Data </a:t>
-            </a:r>
-            <a:r>
-              <a:rPr lang="de-DE" b="1" dirty="0" err="1"/>
-              <a:t>Preparation</a:t>
-            </a:r>
-            <a:endParaRPr lang="de-DE" b="1" dirty="0"/>
-          </a:p>
-          <a:p>
-            <a:pPr marL="971550" lvl="1" indent="-228600">
+              <a:rPr lang="de-DE" sz="1600" b="1" kern="0" dirty="0">
+                <a:ea typeface="ＭＳ Ｐゴシック" charset="0"/>
+              </a:rPr>
+              <a:t>Auswertung</a:t>
+            </a:r>
+          </a:p>
+          <a:p>
+            <a:pPr lvl="1" indent="360000" defTabSz="457200" fontAlgn="base">
               <a:lnSpc>
-                <a:spcPct val="140000"/>
+                <a:spcPct val="150000"/>
               </a:lnSpc>
               <a:spcAft>
                 <a:spcPts val="600"/>
               </a:spcAft>
-              <a:buAutoNum type="arabicPeriod"/>
+              <a:buSzPct val="100000"/>
+              <a:buBlip>
+                <a:blip r:embed="rId2"/>
+              </a:buBlip>
             </a:pPr>
             <a:r>
-              <a:rPr lang="de-DE" b="1" dirty="0"/>
-              <a:t>Model Development</a:t>
-            </a:r>
-          </a:p>
-          <a:p>
-            <a:pPr marL="971550" lvl="1" indent="-228600">
+              <a:rPr lang="de-DE" sz="1600" b="1" kern="0" dirty="0">
+                <a:ea typeface="ＭＳ Ｐゴシック" charset="0"/>
+              </a:rPr>
+              <a:t>Visualisierung</a:t>
+            </a:r>
+          </a:p>
+          <a:p>
+            <a:pPr lvl="1" indent="360000" defTabSz="457200" fontAlgn="base">
               <a:lnSpc>
-                <a:spcPct val="140000"/>
+                <a:spcPct val="150000"/>
               </a:lnSpc>
               <a:spcAft>
                 <a:spcPts val="600"/>
               </a:spcAft>
-              <a:buAutoNum type="arabicPeriod"/>
+              <a:buSzPct val="100000"/>
+              <a:buBlip>
+                <a:blip r:embed="rId2"/>
+              </a:buBlip>
             </a:pPr>
             <a:r>
-              <a:rPr lang="de-DE" b="1" dirty="0"/>
-              <a:t>Google Cloud: Setup</a:t>
-            </a:r>
-          </a:p>
-          <a:p>
-            <a:pPr marL="971550" lvl="1" indent="-228600">
+              <a:rPr lang="de-DE" sz="1600" b="1" kern="0" dirty="0">
+                <a:ea typeface="ＭＳ Ｐゴシック" charset="0"/>
+              </a:rPr>
+              <a:t>Vergleich der Ergebnisse</a:t>
+            </a:r>
+          </a:p>
+          <a:p>
+            <a:pPr lvl="1" indent="360000" defTabSz="457200" fontAlgn="base">
               <a:lnSpc>
-                <a:spcPct val="140000"/>
+                <a:spcPct val="150000"/>
               </a:lnSpc>
               <a:spcAft>
                 <a:spcPts val="600"/>
               </a:spcAft>
-              <a:buAutoNum type="arabicPeriod"/>
+              <a:buSzPct val="100000"/>
+              <a:buBlip>
+                <a:blip r:embed="rId2"/>
+              </a:buBlip>
             </a:pPr>
             <a:r>
-              <a:rPr lang="de-DE" b="1" dirty="0"/>
-              <a:t>Google Cloud: Modell </a:t>
-            </a:r>
-            <a:r>
-              <a:rPr lang="de-DE" b="1" dirty="0" err="1"/>
-              <a:t>Deployment</a:t>
-            </a:r>
-            <a:endParaRPr lang="de-DE" b="1" dirty="0"/>
-          </a:p>
-          <a:p>
-            <a:pPr marL="971550" lvl="1" indent="-228600">
+              <a:rPr lang="de-DE" sz="1600" b="1" kern="0" dirty="0" err="1">
+                <a:ea typeface="ＭＳ Ｐゴシック" charset="0"/>
+              </a:rPr>
+              <a:t>Erkentnisse</a:t>
+            </a:r>
+            <a:endParaRPr lang="de-DE" sz="1600" b="1" kern="0" dirty="0">
+              <a:ea typeface="ＭＳ Ｐゴシック" charset="0"/>
+            </a:endParaRPr>
+          </a:p>
+          <a:p>
+            <a:pPr lvl="1" indent="360000" defTabSz="457200" fontAlgn="base">
               <a:lnSpc>
-                <a:spcPct val="140000"/>
+                <a:spcPct val="150000"/>
               </a:lnSpc>
               <a:spcAft>
                 <a:spcPts val="600"/>
               </a:spcAft>
-              <a:buAutoNum type="arabicPeriod"/>
+              <a:buSzPct val="100000"/>
+              <a:buBlip>
+                <a:blip r:embed="rId2"/>
+              </a:buBlip>
             </a:pPr>
             <a:r>
-              <a:rPr lang="de-DE" b="1" dirty="0"/>
-              <a:t>Pipeline-Automation (optional)</a:t>
-            </a:r>
-          </a:p>
-          <a:p>
-            <a:pPr marL="228600" indent="-228600">
-              <a:lnSpc>
-                <a:spcPct val="140000"/>
-              </a:lnSpc>
-              <a:spcAft>
-                <a:spcPts val="600"/>
-              </a:spcAft>
-              <a:buAutoNum type="arabicPeriod"/>
-            </a:pPr>
-            <a:r>
-              <a:rPr lang="de-DE" b="1" dirty="0"/>
-              <a:t>Fazit und Ausblick</a:t>
+              <a:rPr lang="de-DE" sz="1600" b="1" kern="0" dirty="0">
+                <a:ea typeface="ＭＳ Ｐゴシック" charset="0"/>
+              </a:rPr>
+              <a:t>Präsentation vorbereiten</a:t>
             </a:r>
           </a:p>
         </p:txBody>
@@ -6484,7 +6535,7 @@
           <p:cNvPr id="5" name="Titel 4">
             <a:extLst>
               <a:ext uri="{FF2B5EF4-FFF2-40B4-BE49-F238E27FC236}">
-                <a16:creationId xmlns:a16="http://schemas.microsoft.com/office/drawing/2014/main" id="{1DAAD1A2-6D78-79A7-22B4-03720D63760D}"/>
+                <a16:creationId xmlns:a16="http://schemas.microsoft.com/office/drawing/2014/main" id="{7FD87F60-5A92-80C3-B583-06F666BCEC3D}"/>
               </a:ext>
             </a:extLst>
           </p:cNvPr>
@@ -6502,7 +6553,10 @@
           </a:xfrm>
         </p:spPr>
         <p:txBody>
-          <a:bodyPr wrap="square" anchor="ctr">
+          <a:bodyPr vert="horz" wrap="square" lIns="0" tIns="0" rIns="0" bIns="0" numCol="1" rtlCol="0" anchor="ctr" anchorCtr="0" compatLnSpc="1">
+            <a:prstTxWarp prst="textNoShape">
+              <a:avLst/>
+            </a:prstTxWarp>
             <a:normAutofit/>
           </a:bodyPr>
           <a:lstStyle/>
@@ -6513,18 +6567,22 @@
               </a:lnSpc>
             </a:pPr>
             <a:r>
-              <a:rPr lang="de-DE" dirty="0"/>
-              <a:t>Agenda</a:t>
-            </a:r>
-          </a:p>
-        </p:txBody>
-      </p:sp>
-      <p:sp>
-        <p:nvSpPr>
-          <p:cNvPr id="1048" name="Subtitle 3">
+              <a:rPr lang="de-DE" i="1" dirty="0">
+                <a:latin typeface="+mj-lt"/>
+                <a:ea typeface="ＭＳ Ｐゴシック" charset="0"/>
+                <a:cs typeface="ＭＳ Ｐゴシック" charset="0"/>
+              </a:rPr>
+              <a:t>Implementierung &amp; Auswertung</a:t>
+            </a:r>
+          </a:p>
+        </p:txBody>
+      </p:sp>
+      <p:sp>
+        <p:nvSpPr>
+          <p:cNvPr id="1080" name="Subtitle 4">
             <a:extLst>
               <a:ext uri="{FF2B5EF4-FFF2-40B4-BE49-F238E27FC236}">
-                <a16:creationId xmlns:a16="http://schemas.microsoft.com/office/drawing/2014/main" id="{BCABFDEA-41CC-9962-77B6-606E7D3C9EE0}"/>
+                <a16:creationId xmlns:a16="http://schemas.microsoft.com/office/drawing/2014/main" id="{C4527639-F2FE-10D6-2E5F-47A5C9958325}"/>
               </a:ext>
             </a:extLst>
           </p:cNvPr>
@@ -6542,6 +6600,49 @@
           </a:xfrm>
         </p:spPr>
         <p:txBody>
+          <a:bodyPr vert="horz" wrap="square" lIns="0" tIns="0" rIns="0" bIns="0" numCol="1" anchor="t" anchorCtr="0" compatLnSpc="1">
+            <a:prstTxWarp prst="textNoShape">
+              <a:avLst/>
+            </a:prstTxWarp>
+            <a:normAutofit/>
+          </a:bodyPr>
+          <a:lstStyle/>
+          <a:p>
+            <a:pPr>
+              <a:spcAft>
+                <a:spcPts val="600"/>
+              </a:spcAft>
+            </a:pPr>
+            <a:r>
+              <a:rPr lang="en-US" dirty="0"/>
+              <a:t>Truong &amp; Saad </a:t>
+            </a:r>
+          </a:p>
+        </p:txBody>
+      </p:sp>
+      <p:sp>
+        <p:nvSpPr>
+          <p:cNvPr id="1087" name="Text Placeholder 5">
+            <a:extLst>
+              <a:ext uri="{FF2B5EF4-FFF2-40B4-BE49-F238E27FC236}">
+                <a16:creationId xmlns:a16="http://schemas.microsoft.com/office/drawing/2014/main" id="{F89388BF-C8CB-3F73-B799-C1C4E303C4A5}"/>
+              </a:ext>
+            </a:extLst>
+          </p:cNvPr>
+          <p:cNvSpPr>
+            <a:spLocks noGrp="1"/>
+          </p:cNvSpPr>
+          <p:nvPr>
+            <p:ph type="body" sz="quarter" idx="17"/>
+          </p:nvPr>
+        </p:nvSpPr>
+        <p:spPr>
+          <a:xfrm>
+            <a:off x="6308422" y="6398644"/>
+            <a:ext cx="5380801" cy="112766"/>
+          </a:xfrm>
+        </p:spPr>
+        <p:txBody>
           <a:bodyPr/>
           <a:lstStyle/>
           <a:p>
@@ -6554,7 +6655,7 @@
           <p:cNvPr id="7" name="Foliennummernplatzhalter 6">
             <a:extLst>
               <a:ext uri="{FF2B5EF4-FFF2-40B4-BE49-F238E27FC236}">
-                <a16:creationId xmlns:a16="http://schemas.microsoft.com/office/drawing/2014/main" id="{AF3A0A29-57FD-F723-D4D1-D407FA12D551}"/>
+                <a16:creationId xmlns:a16="http://schemas.microsoft.com/office/drawing/2014/main" id="{AAE0DA2F-A4BF-F762-1EA2-B197092F45A5}"/>
               </a:ext>
             </a:extLst>
           </p:cNvPr>
@@ -6562,7 +6663,7 @@
             <a:spLocks noGrp="1"/>
           </p:cNvSpPr>
           <p:nvPr>
-            <p:ph type="sldNum" sz="quarter" idx="20"/>
+            <p:ph type="sldNum" sz="quarter" idx="21"/>
           </p:nvPr>
         </p:nvSpPr>
         <p:spPr>
@@ -6572,7 +6673,7 @@
           </a:xfrm>
         </p:spPr>
         <p:txBody>
-          <a:bodyPr anchor="t">
+          <a:bodyPr vert="horz" lIns="0" tIns="0" rIns="0" bIns="0" rtlCol="0" anchor="t" anchorCtr="0">
             <a:normAutofit/>
           </a:bodyPr>
           <a:lstStyle/>
@@ -6584,23 +6685,202 @@
               <a:defRPr/>
             </a:pPr>
             <a:fld id="{20549947-ECEE-CD4E-8E00-25DB9EFCD1C0}" type="slidenum">
-              <a:rPr lang="de-DE" smtClean="0"/>
+              <a:rPr lang="de-DE" kern="1200" baseline="0">
+                <a:latin typeface="Arial"/>
+                <a:ea typeface="+mn-ea"/>
+                <a:cs typeface="+mn-cs"/>
+              </a:rPr>
               <a:pPr>
                 <a:spcAft>
                   <a:spcPts val="600"/>
                 </a:spcAft>
                 <a:defRPr/>
               </a:pPr>
-              <a:t>2</a:t>
+              <a:t>10</a:t>
             </a:fld>
+            <a:endParaRPr lang="de-DE" kern="1200" baseline="0">
+              <a:latin typeface="Arial"/>
+              <a:ea typeface="+mn-ea"/>
+              <a:cs typeface="+mn-cs"/>
+            </a:endParaRPr>
+          </a:p>
+        </p:txBody>
+      </p:sp>
+      <p:sp>
+        <p:nvSpPr>
+          <p:cNvPr id="6" name="AutoShape 2" descr="An Introduction to Q-Learning: A Tutorial For Beginners | DataCamp">
+            <a:extLst>
+              <a:ext uri="{FF2B5EF4-FFF2-40B4-BE49-F238E27FC236}">
+                <a16:creationId xmlns:a16="http://schemas.microsoft.com/office/drawing/2014/main" id="{876BB013-BDAA-EE59-953B-4722B1AADFB0}"/>
+              </a:ext>
+            </a:extLst>
+          </p:cNvPr>
+          <p:cNvSpPr>
+            <a:spLocks noChangeAspect="1" noChangeArrowheads="1"/>
+          </p:cNvSpPr>
+          <p:nvPr/>
+        </p:nvSpPr>
+        <p:spPr bwMode="auto">
+          <a:xfrm>
+            <a:off x="5943600" y="3276600"/>
+            <a:ext cx="304800" cy="304800"/>
+          </a:xfrm>
+          <a:prstGeom prst="rect">
+            <a:avLst/>
+          </a:prstGeom>
+          <a:noFill/>
+          <a:extLst>
+            <a:ext uri="{909E8E84-426E-40DD-AFC4-6F175D3DCCD1}">
+              <a14:hiddenFill xmlns:a14="http://schemas.microsoft.com/office/drawing/2010/main">
+                <a:solidFill>
+                  <a:srgbClr val="FFFFFF"/>
+                </a:solidFill>
+              </a14:hiddenFill>
+            </a:ext>
+          </a:extLst>
+        </p:spPr>
+        <p:txBody>
+          <a:bodyPr vert="horz" wrap="square" lIns="91440" tIns="45720" rIns="91440" bIns="45720" numCol="1" anchor="t" anchorCtr="0" compatLnSpc="1">
+            <a:prstTxWarp prst="textNoShape">
+              <a:avLst/>
+            </a:prstTxWarp>
+          </a:bodyPr>
+          <a:lstStyle/>
+          <a:p>
             <a:endParaRPr lang="de-DE"/>
           </a:p>
         </p:txBody>
       </p:sp>
+      <p:sp>
+        <p:nvSpPr>
+          <p:cNvPr id="8" name="AutoShape 4" descr="An Introduction to Q-Learning: A Tutorial For Beginners | DataCamp">
+            <a:extLst>
+              <a:ext uri="{FF2B5EF4-FFF2-40B4-BE49-F238E27FC236}">
+                <a16:creationId xmlns:a16="http://schemas.microsoft.com/office/drawing/2014/main" id="{D3D2549A-0C7F-138D-F803-BB601EB99B55}"/>
+              </a:ext>
+            </a:extLst>
+          </p:cNvPr>
+          <p:cNvSpPr>
+            <a:spLocks noChangeAspect="1" noChangeArrowheads="1"/>
+          </p:cNvSpPr>
+          <p:nvPr/>
+        </p:nvSpPr>
+        <p:spPr bwMode="auto">
+          <a:xfrm>
+            <a:off x="6096000" y="3429000"/>
+            <a:ext cx="304800" cy="304800"/>
+          </a:xfrm>
+          <a:prstGeom prst="rect">
+            <a:avLst/>
+          </a:prstGeom>
+          <a:noFill/>
+          <a:extLst>
+            <a:ext uri="{909E8E84-426E-40DD-AFC4-6F175D3DCCD1}">
+              <a14:hiddenFill xmlns:a14="http://schemas.microsoft.com/office/drawing/2010/main">
+                <a:solidFill>
+                  <a:srgbClr val="FFFFFF"/>
+                </a:solidFill>
+              </a14:hiddenFill>
+            </a:ext>
+          </a:extLst>
+        </p:spPr>
+        <p:txBody>
+          <a:bodyPr vert="horz" wrap="square" lIns="91440" tIns="45720" rIns="91440" bIns="45720" numCol="1" anchor="t" anchorCtr="0" compatLnSpc="1">
+            <a:prstTxWarp prst="textNoShape">
+              <a:avLst/>
+            </a:prstTxWarp>
+          </a:bodyPr>
+          <a:lstStyle/>
+          <a:p>
+            <a:endParaRPr lang="de-DE"/>
+          </a:p>
+        </p:txBody>
+      </p:sp>
+      <p:sp>
+        <p:nvSpPr>
+          <p:cNvPr id="10" name="AutoShape 6" descr="Q Learning Header">
+            <a:extLst>
+              <a:ext uri="{FF2B5EF4-FFF2-40B4-BE49-F238E27FC236}">
+                <a16:creationId xmlns:a16="http://schemas.microsoft.com/office/drawing/2014/main" id="{8AE52B10-B9E5-E9C4-1BAB-4393891F1E4E}"/>
+              </a:ext>
+            </a:extLst>
+          </p:cNvPr>
+          <p:cNvSpPr>
+            <a:spLocks noChangeAspect="1" noChangeArrowheads="1"/>
+          </p:cNvSpPr>
+          <p:nvPr/>
+        </p:nvSpPr>
+        <p:spPr bwMode="auto">
+          <a:xfrm>
+            <a:off x="6248400" y="3581400"/>
+            <a:ext cx="304800" cy="304800"/>
+          </a:xfrm>
+          <a:prstGeom prst="rect">
+            <a:avLst/>
+          </a:prstGeom>
+          <a:noFill/>
+          <a:extLst>
+            <a:ext uri="{909E8E84-426E-40DD-AFC4-6F175D3DCCD1}">
+              <a14:hiddenFill xmlns:a14="http://schemas.microsoft.com/office/drawing/2010/main">
+                <a:solidFill>
+                  <a:srgbClr val="FFFFFF"/>
+                </a:solidFill>
+              </a14:hiddenFill>
+            </a:ext>
+          </a:extLst>
+        </p:spPr>
+        <p:txBody>
+          <a:bodyPr vert="horz" wrap="square" lIns="91440" tIns="45720" rIns="91440" bIns="45720" numCol="1" anchor="t" anchorCtr="0" compatLnSpc="1">
+            <a:prstTxWarp prst="textNoShape">
+              <a:avLst/>
+            </a:prstTxWarp>
+          </a:bodyPr>
+          <a:lstStyle/>
+          <a:p>
+            <a:endParaRPr lang="de-DE" dirty="0"/>
+          </a:p>
+        </p:txBody>
+      </p:sp>
+      <p:pic>
+        <p:nvPicPr>
+          <p:cNvPr id="4" name="Grafik 3" descr="Ein Bild, das Text, Screenshot, Zahl, Schrift enthält.&#10;&#10;Automatisch generierte Beschreibung">
+            <a:extLst>
+              <a:ext uri="{FF2B5EF4-FFF2-40B4-BE49-F238E27FC236}">
+                <a16:creationId xmlns:a16="http://schemas.microsoft.com/office/drawing/2014/main" id="{E0C4CC75-7346-F171-509E-91985B9D1A64}"/>
+              </a:ext>
+            </a:extLst>
+          </p:cNvPr>
+          <p:cNvPicPr>
+            <a:picLocks noChangeAspect="1"/>
+          </p:cNvPicPr>
+          <p:nvPr/>
+        </p:nvPicPr>
+        <p:blipFill>
+          <a:blip r:embed="rId3">
+            <a:extLst>
+              <a:ext uri="{28A0092B-C50C-407E-A947-70E740481C1C}">
+                <a14:useLocalDpi xmlns:a14="http://schemas.microsoft.com/office/drawing/2010/main" val="0"/>
+              </a:ext>
+            </a:extLst>
+          </a:blip>
+          <a:stretch>
+            <a:fillRect/>
+          </a:stretch>
+        </p:blipFill>
+        <p:spPr>
+          <a:xfrm>
+            <a:off x="5412922" y="1957387"/>
+            <a:ext cx="5562600" cy="2943225"/>
+          </a:xfrm>
+          <a:prstGeom prst="rect">
+            <a:avLst/>
+          </a:prstGeom>
+        </p:spPr>
+      </p:pic>
     </p:spTree>
     <p:extLst>
       <p:ext uri="{BB962C8B-B14F-4D97-AF65-F5344CB8AC3E}">
-        <p14:creationId xmlns:p14="http://schemas.microsoft.com/office/powerpoint/2010/main" val="404896077"/>
+        <p14:creationId xmlns:p14="http://schemas.microsoft.com/office/powerpoint/2010/main" val="2963492525"/>
       </p:ext>
     </p:extLst>
   </p:cSld>
@@ -6610,7 +6890,1323 @@
 </p:sld>
 </file>
 
-<file path=ppt/slides/slide3.xml><?xml version="1.0" encoding="utf-8"?>
+<file path=ppt/slides/slide11.xml><?xml version="1.0" encoding="utf-8"?>
+<p:sld xmlns:a="http://schemas.openxmlformats.org/drawingml/2006/main" xmlns:r="http://schemas.openxmlformats.org/officeDocument/2006/relationships" xmlns:p="http://schemas.openxmlformats.org/presentationml/2006/main">
+  <p:cSld>
+    <p:spTree>
+      <p:nvGrpSpPr>
+        <p:cNvPr id="1" name="">
+          <a:extLst>
+            <a:ext uri="{FF2B5EF4-FFF2-40B4-BE49-F238E27FC236}">
+              <a16:creationId xmlns:a16="http://schemas.microsoft.com/office/drawing/2014/main" id="{9563B9A6-26A8-EFD4-BF01-1646C3427582}"/>
+            </a:ext>
+          </a:extLst>
+        </p:cNvPr>
+        <p:cNvGrpSpPr/>
+        <p:nvPr/>
+      </p:nvGrpSpPr>
+      <p:grpSpPr>
+        <a:xfrm>
+          <a:off x="0" y="0"/>
+          <a:ext cx="0" cy="0"/>
+          <a:chOff x="0" y="0"/>
+          <a:chExt cx="0" cy="0"/>
+        </a:xfrm>
+      </p:grpSpPr>
+      <p:sp>
+        <p:nvSpPr>
+          <p:cNvPr id="5" name="Titel 4">
+            <a:extLst>
+              <a:ext uri="{FF2B5EF4-FFF2-40B4-BE49-F238E27FC236}">
+                <a16:creationId xmlns:a16="http://schemas.microsoft.com/office/drawing/2014/main" id="{2221A686-9F71-8856-2DD3-D4AA1935B25C}"/>
+              </a:ext>
+            </a:extLst>
+          </p:cNvPr>
+          <p:cNvSpPr>
+            <a:spLocks noGrp="1"/>
+          </p:cNvSpPr>
+          <p:nvPr>
+            <p:ph type="title"/>
+          </p:nvPr>
+        </p:nvSpPr>
+        <p:spPr>
+          <a:xfrm>
+            <a:off x="393600" y="406800"/>
+            <a:ext cx="9753600" cy="327600"/>
+          </a:xfrm>
+        </p:spPr>
+        <p:txBody>
+          <a:bodyPr vert="horz" wrap="square" lIns="0" tIns="0" rIns="0" bIns="0" numCol="1" rtlCol="0" anchor="ctr" anchorCtr="0" compatLnSpc="1">
+            <a:prstTxWarp prst="textNoShape">
+              <a:avLst/>
+            </a:prstTxWarp>
+            <a:normAutofit/>
+          </a:bodyPr>
+          <a:lstStyle/>
+          <a:p>
+            <a:pPr>
+              <a:lnSpc>
+                <a:spcPct val="90000"/>
+              </a:lnSpc>
+            </a:pPr>
+            <a:r>
+              <a:rPr lang="de-DE" i="1" dirty="0">
+                <a:latin typeface="+mj-lt"/>
+                <a:ea typeface="ＭＳ Ｐゴシック" charset="0"/>
+                <a:cs typeface="ＭＳ Ｐゴシック" charset="0"/>
+              </a:rPr>
+              <a:t>Auswertung</a:t>
+            </a:r>
+          </a:p>
+        </p:txBody>
+      </p:sp>
+      <p:sp>
+        <p:nvSpPr>
+          <p:cNvPr id="1080" name="Subtitle 4">
+            <a:extLst>
+              <a:ext uri="{FF2B5EF4-FFF2-40B4-BE49-F238E27FC236}">
+                <a16:creationId xmlns:a16="http://schemas.microsoft.com/office/drawing/2014/main" id="{077EDB1E-6A18-2A52-088B-2126FAA7D16B}"/>
+              </a:ext>
+            </a:extLst>
+          </p:cNvPr>
+          <p:cNvSpPr>
+            <a:spLocks noGrp="1"/>
+          </p:cNvSpPr>
+          <p:nvPr>
+            <p:ph type="subTitle" idx="1"/>
+          </p:nvPr>
+        </p:nvSpPr>
+        <p:spPr>
+          <a:xfrm>
+            <a:off x="393600" y="745067"/>
+            <a:ext cx="9753600" cy="342054"/>
+          </a:xfrm>
+        </p:spPr>
+        <p:txBody>
+          <a:bodyPr vert="horz" wrap="square" lIns="0" tIns="0" rIns="0" bIns="0" numCol="1" anchor="t" anchorCtr="0" compatLnSpc="1">
+            <a:prstTxWarp prst="textNoShape">
+              <a:avLst/>
+            </a:prstTxWarp>
+            <a:normAutofit/>
+          </a:bodyPr>
+          <a:lstStyle/>
+          <a:p>
+            <a:pPr>
+              <a:spcAft>
+                <a:spcPts val="600"/>
+              </a:spcAft>
+            </a:pPr>
+            <a:r>
+              <a:rPr lang="en-US" dirty="0"/>
+              <a:t>Truong &amp; Saad </a:t>
+            </a:r>
+          </a:p>
+        </p:txBody>
+      </p:sp>
+      <p:sp>
+        <p:nvSpPr>
+          <p:cNvPr id="1087" name="Text Placeholder 5">
+            <a:extLst>
+              <a:ext uri="{FF2B5EF4-FFF2-40B4-BE49-F238E27FC236}">
+                <a16:creationId xmlns:a16="http://schemas.microsoft.com/office/drawing/2014/main" id="{AAFAA8D5-469D-F04F-E96C-23ADAC9B0615}"/>
+              </a:ext>
+            </a:extLst>
+          </p:cNvPr>
+          <p:cNvSpPr>
+            <a:spLocks noGrp="1"/>
+          </p:cNvSpPr>
+          <p:nvPr>
+            <p:ph type="body" sz="quarter" idx="17"/>
+          </p:nvPr>
+        </p:nvSpPr>
+        <p:spPr>
+          <a:xfrm>
+            <a:off x="6308422" y="6398644"/>
+            <a:ext cx="5380801" cy="112766"/>
+          </a:xfrm>
+        </p:spPr>
+        <p:txBody>
+          <a:bodyPr/>
+          <a:lstStyle/>
+          <a:p>
+            <a:endParaRPr lang="en-US"/>
+          </a:p>
+        </p:txBody>
+      </p:sp>
+      <p:sp>
+        <p:nvSpPr>
+          <p:cNvPr id="7" name="Foliennummernplatzhalter 6">
+            <a:extLst>
+              <a:ext uri="{FF2B5EF4-FFF2-40B4-BE49-F238E27FC236}">
+                <a16:creationId xmlns:a16="http://schemas.microsoft.com/office/drawing/2014/main" id="{1CDEC92C-8B1B-397B-BA57-B3C7E36A9554}"/>
+              </a:ext>
+            </a:extLst>
+          </p:cNvPr>
+          <p:cNvSpPr>
+            <a:spLocks noGrp="1"/>
+          </p:cNvSpPr>
+          <p:nvPr>
+            <p:ph type="sldNum" sz="quarter" idx="21"/>
+          </p:nvPr>
+        </p:nvSpPr>
+        <p:spPr>
+          <a:xfrm>
+            <a:off x="393700" y="6627813"/>
+            <a:ext cx="255588" cy="207962"/>
+          </a:xfrm>
+        </p:spPr>
+        <p:txBody>
+          <a:bodyPr vert="horz" lIns="0" tIns="0" rIns="0" bIns="0" rtlCol="0" anchor="t" anchorCtr="0">
+            <a:normAutofit/>
+          </a:bodyPr>
+          <a:lstStyle/>
+          <a:p>
+            <a:pPr>
+              <a:spcAft>
+                <a:spcPts val="600"/>
+              </a:spcAft>
+              <a:defRPr/>
+            </a:pPr>
+            <a:fld id="{20549947-ECEE-CD4E-8E00-25DB9EFCD1C0}" type="slidenum">
+              <a:rPr lang="de-DE" kern="1200" baseline="0">
+                <a:latin typeface="Arial"/>
+                <a:ea typeface="+mn-ea"/>
+                <a:cs typeface="+mn-cs"/>
+              </a:rPr>
+              <a:pPr>
+                <a:spcAft>
+                  <a:spcPts val="600"/>
+                </a:spcAft>
+                <a:defRPr/>
+              </a:pPr>
+              <a:t>11</a:t>
+            </a:fld>
+            <a:endParaRPr lang="de-DE" kern="1200" baseline="0">
+              <a:latin typeface="Arial"/>
+              <a:ea typeface="+mn-ea"/>
+              <a:cs typeface="+mn-cs"/>
+            </a:endParaRPr>
+          </a:p>
+        </p:txBody>
+      </p:sp>
+      <p:sp>
+        <p:nvSpPr>
+          <p:cNvPr id="6" name="AutoShape 2" descr="An Introduction to Q-Learning: A Tutorial For Beginners | DataCamp">
+            <a:extLst>
+              <a:ext uri="{FF2B5EF4-FFF2-40B4-BE49-F238E27FC236}">
+                <a16:creationId xmlns:a16="http://schemas.microsoft.com/office/drawing/2014/main" id="{B206E6D8-DDB9-E60B-F3B7-8162EDB3D89B}"/>
+              </a:ext>
+            </a:extLst>
+          </p:cNvPr>
+          <p:cNvSpPr>
+            <a:spLocks noChangeAspect="1" noChangeArrowheads="1"/>
+          </p:cNvSpPr>
+          <p:nvPr/>
+        </p:nvSpPr>
+        <p:spPr bwMode="auto">
+          <a:xfrm>
+            <a:off x="5943600" y="3276600"/>
+            <a:ext cx="304800" cy="304800"/>
+          </a:xfrm>
+          <a:prstGeom prst="rect">
+            <a:avLst/>
+          </a:prstGeom>
+          <a:noFill/>
+          <a:extLst>
+            <a:ext uri="{909E8E84-426E-40DD-AFC4-6F175D3DCCD1}">
+              <a14:hiddenFill xmlns:a14="http://schemas.microsoft.com/office/drawing/2010/main">
+                <a:solidFill>
+                  <a:srgbClr val="FFFFFF"/>
+                </a:solidFill>
+              </a14:hiddenFill>
+            </a:ext>
+          </a:extLst>
+        </p:spPr>
+        <p:txBody>
+          <a:bodyPr vert="horz" wrap="square" lIns="91440" tIns="45720" rIns="91440" bIns="45720" numCol="1" anchor="t" anchorCtr="0" compatLnSpc="1">
+            <a:prstTxWarp prst="textNoShape">
+              <a:avLst/>
+            </a:prstTxWarp>
+          </a:bodyPr>
+          <a:lstStyle/>
+          <a:p>
+            <a:endParaRPr lang="de-DE"/>
+          </a:p>
+        </p:txBody>
+      </p:sp>
+      <p:sp>
+        <p:nvSpPr>
+          <p:cNvPr id="8" name="AutoShape 4" descr="An Introduction to Q-Learning: A Tutorial For Beginners | DataCamp">
+            <a:extLst>
+              <a:ext uri="{FF2B5EF4-FFF2-40B4-BE49-F238E27FC236}">
+                <a16:creationId xmlns:a16="http://schemas.microsoft.com/office/drawing/2014/main" id="{C0055A81-96A0-21BF-2A68-1BCFF88DD144}"/>
+              </a:ext>
+            </a:extLst>
+          </p:cNvPr>
+          <p:cNvSpPr>
+            <a:spLocks noChangeAspect="1" noChangeArrowheads="1"/>
+          </p:cNvSpPr>
+          <p:nvPr/>
+        </p:nvSpPr>
+        <p:spPr bwMode="auto">
+          <a:xfrm>
+            <a:off x="6096000" y="3429000"/>
+            <a:ext cx="304800" cy="304800"/>
+          </a:xfrm>
+          <a:prstGeom prst="rect">
+            <a:avLst/>
+          </a:prstGeom>
+          <a:noFill/>
+          <a:extLst>
+            <a:ext uri="{909E8E84-426E-40DD-AFC4-6F175D3DCCD1}">
+              <a14:hiddenFill xmlns:a14="http://schemas.microsoft.com/office/drawing/2010/main">
+                <a:solidFill>
+                  <a:srgbClr val="FFFFFF"/>
+                </a:solidFill>
+              </a14:hiddenFill>
+            </a:ext>
+          </a:extLst>
+        </p:spPr>
+        <p:txBody>
+          <a:bodyPr vert="horz" wrap="square" lIns="91440" tIns="45720" rIns="91440" bIns="45720" numCol="1" anchor="t" anchorCtr="0" compatLnSpc="1">
+            <a:prstTxWarp prst="textNoShape">
+              <a:avLst/>
+            </a:prstTxWarp>
+          </a:bodyPr>
+          <a:lstStyle/>
+          <a:p>
+            <a:endParaRPr lang="de-DE"/>
+          </a:p>
+        </p:txBody>
+      </p:sp>
+      <p:sp>
+        <p:nvSpPr>
+          <p:cNvPr id="10" name="AutoShape 6" descr="Q Learning Header">
+            <a:extLst>
+              <a:ext uri="{FF2B5EF4-FFF2-40B4-BE49-F238E27FC236}">
+                <a16:creationId xmlns:a16="http://schemas.microsoft.com/office/drawing/2014/main" id="{0E00321D-F2AE-E88D-BF31-8E41D8BE3536}"/>
+              </a:ext>
+            </a:extLst>
+          </p:cNvPr>
+          <p:cNvSpPr>
+            <a:spLocks noChangeAspect="1" noChangeArrowheads="1"/>
+          </p:cNvSpPr>
+          <p:nvPr/>
+        </p:nvSpPr>
+        <p:spPr bwMode="auto">
+          <a:xfrm>
+            <a:off x="6248400" y="3581400"/>
+            <a:ext cx="304800" cy="304800"/>
+          </a:xfrm>
+          <a:prstGeom prst="rect">
+            <a:avLst/>
+          </a:prstGeom>
+          <a:noFill/>
+          <a:extLst>
+            <a:ext uri="{909E8E84-426E-40DD-AFC4-6F175D3DCCD1}">
+              <a14:hiddenFill xmlns:a14="http://schemas.microsoft.com/office/drawing/2010/main">
+                <a:solidFill>
+                  <a:srgbClr val="FFFFFF"/>
+                </a:solidFill>
+              </a14:hiddenFill>
+            </a:ext>
+          </a:extLst>
+        </p:spPr>
+        <p:txBody>
+          <a:bodyPr vert="horz" wrap="square" lIns="91440" tIns="45720" rIns="91440" bIns="45720" numCol="1" anchor="t" anchorCtr="0" compatLnSpc="1">
+            <a:prstTxWarp prst="textNoShape">
+              <a:avLst/>
+            </a:prstTxWarp>
+          </a:bodyPr>
+          <a:lstStyle/>
+          <a:p>
+            <a:endParaRPr lang="de-DE" dirty="0"/>
+          </a:p>
+        </p:txBody>
+      </p:sp>
+    </p:spTree>
+    <p:extLst>
+      <p:ext uri="{BB962C8B-B14F-4D97-AF65-F5344CB8AC3E}">
+        <p14:creationId xmlns:p14="http://schemas.microsoft.com/office/powerpoint/2010/main" val="675173388"/>
+      </p:ext>
+    </p:extLst>
+  </p:cSld>
+  <p:clrMapOvr>
+    <a:masterClrMapping/>
+  </p:clrMapOvr>
+</p:sld>
+</file>
+
+<file path=ppt/slides/slide12.xml><?xml version="1.0" encoding="utf-8"?>
+<p:sld xmlns:a="http://schemas.openxmlformats.org/drawingml/2006/main" xmlns:r="http://schemas.openxmlformats.org/officeDocument/2006/relationships" xmlns:p="http://schemas.openxmlformats.org/presentationml/2006/main">
+  <p:cSld>
+    <p:spTree>
+      <p:nvGrpSpPr>
+        <p:cNvPr id="1" name="">
+          <a:extLst>
+            <a:ext uri="{FF2B5EF4-FFF2-40B4-BE49-F238E27FC236}">
+              <a16:creationId xmlns:a16="http://schemas.microsoft.com/office/drawing/2014/main" id="{B51140CD-7740-B90F-7592-E9447B0C47D4}"/>
+            </a:ext>
+          </a:extLst>
+        </p:cNvPr>
+        <p:cNvGrpSpPr/>
+        <p:nvPr/>
+      </p:nvGrpSpPr>
+      <p:grpSpPr>
+        <a:xfrm>
+          <a:off x="0" y="0"/>
+          <a:ext cx="0" cy="0"/>
+          <a:chOff x="0" y="0"/>
+          <a:chExt cx="0" cy="0"/>
+        </a:xfrm>
+      </p:grpSpPr>
+      <p:sp>
+        <p:nvSpPr>
+          <p:cNvPr id="5" name="Titel 4">
+            <a:extLst>
+              <a:ext uri="{FF2B5EF4-FFF2-40B4-BE49-F238E27FC236}">
+                <a16:creationId xmlns:a16="http://schemas.microsoft.com/office/drawing/2014/main" id="{8A110F1E-FAAB-50BF-D814-2C478584F770}"/>
+              </a:ext>
+            </a:extLst>
+          </p:cNvPr>
+          <p:cNvSpPr>
+            <a:spLocks noGrp="1"/>
+          </p:cNvSpPr>
+          <p:nvPr>
+            <p:ph type="title"/>
+          </p:nvPr>
+        </p:nvSpPr>
+        <p:spPr>
+          <a:xfrm>
+            <a:off x="393600" y="406800"/>
+            <a:ext cx="9753600" cy="327600"/>
+          </a:xfrm>
+        </p:spPr>
+        <p:txBody>
+          <a:bodyPr vert="horz" wrap="square" lIns="0" tIns="0" rIns="0" bIns="0" numCol="1" rtlCol="0" anchor="ctr" anchorCtr="0" compatLnSpc="1">
+            <a:prstTxWarp prst="textNoShape">
+              <a:avLst/>
+            </a:prstTxWarp>
+            <a:normAutofit/>
+          </a:bodyPr>
+          <a:lstStyle/>
+          <a:p>
+            <a:pPr>
+              <a:lnSpc>
+                <a:spcPct val="90000"/>
+              </a:lnSpc>
+            </a:pPr>
+            <a:r>
+              <a:rPr lang="de-DE" i="1" dirty="0">
+                <a:latin typeface="+mj-lt"/>
+                <a:ea typeface="ＭＳ Ｐゴシック" charset="0"/>
+                <a:cs typeface="ＭＳ Ｐゴシック" charset="0"/>
+              </a:rPr>
+              <a:t>Auswertung</a:t>
+            </a:r>
+          </a:p>
+        </p:txBody>
+      </p:sp>
+      <p:sp>
+        <p:nvSpPr>
+          <p:cNvPr id="1080" name="Subtitle 4">
+            <a:extLst>
+              <a:ext uri="{FF2B5EF4-FFF2-40B4-BE49-F238E27FC236}">
+                <a16:creationId xmlns:a16="http://schemas.microsoft.com/office/drawing/2014/main" id="{632BA357-532A-CDEF-0EAD-ADA7EEE02321}"/>
+              </a:ext>
+            </a:extLst>
+          </p:cNvPr>
+          <p:cNvSpPr>
+            <a:spLocks noGrp="1"/>
+          </p:cNvSpPr>
+          <p:nvPr>
+            <p:ph type="subTitle" idx="1"/>
+          </p:nvPr>
+        </p:nvSpPr>
+        <p:spPr>
+          <a:xfrm>
+            <a:off x="393600" y="745067"/>
+            <a:ext cx="9753600" cy="342054"/>
+          </a:xfrm>
+        </p:spPr>
+        <p:txBody>
+          <a:bodyPr vert="horz" wrap="square" lIns="0" tIns="0" rIns="0" bIns="0" numCol="1" anchor="t" anchorCtr="0" compatLnSpc="1">
+            <a:prstTxWarp prst="textNoShape">
+              <a:avLst/>
+            </a:prstTxWarp>
+            <a:normAutofit/>
+          </a:bodyPr>
+          <a:lstStyle/>
+          <a:p>
+            <a:pPr>
+              <a:spcAft>
+                <a:spcPts val="600"/>
+              </a:spcAft>
+            </a:pPr>
+            <a:r>
+              <a:rPr lang="en-US" dirty="0"/>
+              <a:t>Truong &amp; Saad </a:t>
+            </a:r>
+          </a:p>
+        </p:txBody>
+      </p:sp>
+      <p:sp>
+        <p:nvSpPr>
+          <p:cNvPr id="1087" name="Text Placeholder 5">
+            <a:extLst>
+              <a:ext uri="{FF2B5EF4-FFF2-40B4-BE49-F238E27FC236}">
+                <a16:creationId xmlns:a16="http://schemas.microsoft.com/office/drawing/2014/main" id="{55D128A2-40D1-F30C-E316-145D579F95A4}"/>
+              </a:ext>
+            </a:extLst>
+          </p:cNvPr>
+          <p:cNvSpPr>
+            <a:spLocks noGrp="1"/>
+          </p:cNvSpPr>
+          <p:nvPr>
+            <p:ph type="body" sz="quarter" idx="17"/>
+          </p:nvPr>
+        </p:nvSpPr>
+        <p:spPr>
+          <a:xfrm>
+            <a:off x="6308422" y="6398644"/>
+            <a:ext cx="5380801" cy="112766"/>
+          </a:xfrm>
+        </p:spPr>
+        <p:txBody>
+          <a:bodyPr/>
+          <a:lstStyle/>
+          <a:p>
+            <a:endParaRPr lang="en-US"/>
+          </a:p>
+        </p:txBody>
+      </p:sp>
+      <p:sp>
+        <p:nvSpPr>
+          <p:cNvPr id="7" name="Foliennummernplatzhalter 6">
+            <a:extLst>
+              <a:ext uri="{FF2B5EF4-FFF2-40B4-BE49-F238E27FC236}">
+                <a16:creationId xmlns:a16="http://schemas.microsoft.com/office/drawing/2014/main" id="{5C16826C-C64A-C12A-F8CA-C2897FF435BC}"/>
+              </a:ext>
+            </a:extLst>
+          </p:cNvPr>
+          <p:cNvSpPr>
+            <a:spLocks noGrp="1"/>
+          </p:cNvSpPr>
+          <p:nvPr>
+            <p:ph type="sldNum" sz="quarter" idx="21"/>
+          </p:nvPr>
+        </p:nvSpPr>
+        <p:spPr>
+          <a:xfrm>
+            <a:off x="393700" y="6627813"/>
+            <a:ext cx="255588" cy="207962"/>
+          </a:xfrm>
+        </p:spPr>
+        <p:txBody>
+          <a:bodyPr vert="horz" lIns="0" tIns="0" rIns="0" bIns="0" rtlCol="0" anchor="t" anchorCtr="0">
+            <a:normAutofit/>
+          </a:bodyPr>
+          <a:lstStyle/>
+          <a:p>
+            <a:pPr>
+              <a:spcAft>
+                <a:spcPts val="600"/>
+              </a:spcAft>
+              <a:defRPr/>
+            </a:pPr>
+            <a:fld id="{20549947-ECEE-CD4E-8E00-25DB9EFCD1C0}" type="slidenum">
+              <a:rPr lang="de-DE" kern="1200" baseline="0">
+                <a:latin typeface="Arial"/>
+                <a:ea typeface="+mn-ea"/>
+                <a:cs typeface="+mn-cs"/>
+              </a:rPr>
+              <a:pPr>
+                <a:spcAft>
+                  <a:spcPts val="600"/>
+                </a:spcAft>
+                <a:defRPr/>
+              </a:pPr>
+              <a:t>12</a:t>
+            </a:fld>
+            <a:endParaRPr lang="de-DE" kern="1200" baseline="0">
+              <a:latin typeface="Arial"/>
+              <a:ea typeface="+mn-ea"/>
+              <a:cs typeface="+mn-cs"/>
+            </a:endParaRPr>
+          </a:p>
+        </p:txBody>
+      </p:sp>
+      <p:sp>
+        <p:nvSpPr>
+          <p:cNvPr id="6" name="AutoShape 2" descr="An Introduction to Q-Learning: A Tutorial For Beginners | DataCamp">
+            <a:extLst>
+              <a:ext uri="{FF2B5EF4-FFF2-40B4-BE49-F238E27FC236}">
+                <a16:creationId xmlns:a16="http://schemas.microsoft.com/office/drawing/2014/main" id="{4EB48F45-94DD-F427-C5E2-748007934679}"/>
+              </a:ext>
+            </a:extLst>
+          </p:cNvPr>
+          <p:cNvSpPr>
+            <a:spLocks noChangeAspect="1" noChangeArrowheads="1"/>
+          </p:cNvSpPr>
+          <p:nvPr/>
+        </p:nvSpPr>
+        <p:spPr bwMode="auto">
+          <a:xfrm>
+            <a:off x="5943600" y="3276600"/>
+            <a:ext cx="304800" cy="304800"/>
+          </a:xfrm>
+          <a:prstGeom prst="rect">
+            <a:avLst/>
+          </a:prstGeom>
+          <a:noFill/>
+          <a:extLst>
+            <a:ext uri="{909E8E84-426E-40DD-AFC4-6F175D3DCCD1}">
+              <a14:hiddenFill xmlns:a14="http://schemas.microsoft.com/office/drawing/2010/main">
+                <a:solidFill>
+                  <a:srgbClr val="FFFFFF"/>
+                </a:solidFill>
+              </a14:hiddenFill>
+            </a:ext>
+          </a:extLst>
+        </p:spPr>
+        <p:txBody>
+          <a:bodyPr vert="horz" wrap="square" lIns="91440" tIns="45720" rIns="91440" bIns="45720" numCol="1" anchor="t" anchorCtr="0" compatLnSpc="1">
+            <a:prstTxWarp prst="textNoShape">
+              <a:avLst/>
+            </a:prstTxWarp>
+          </a:bodyPr>
+          <a:lstStyle/>
+          <a:p>
+            <a:endParaRPr lang="de-DE"/>
+          </a:p>
+        </p:txBody>
+      </p:sp>
+      <p:sp>
+        <p:nvSpPr>
+          <p:cNvPr id="8" name="AutoShape 4" descr="An Introduction to Q-Learning: A Tutorial For Beginners | DataCamp">
+            <a:extLst>
+              <a:ext uri="{FF2B5EF4-FFF2-40B4-BE49-F238E27FC236}">
+                <a16:creationId xmlns:a16="http://schemas.microsoft.com/office/drawing/2014/main" id="{9D8094B5-B2C4-208F-715F-DF11D632C8DA}"/>
+              </a:ext>
+            </a:extLst>
+          </p:cNvPr>
+          <p:cNvSpPr>
+            <a:spLocks noChangeAspect="1" noChangeArrowheads="1"/>
+          </p:cNvSpPr>
+          <p:nvPr/>
+        </p:nvSpPr>
+        <p:spPr bwMode="auto">
+          <a:xfrm>
+            <a:off x="6096000" y="3429000"/>
+            <a:ext cx="304800" cy="304800"/>
+          </a:xfrm>
+          <a:prstGeom prst="rect">
+            <a:avLst/>
+          </a:prstGeom>
+          <a:noFill/>
+          <a:extLst>
+            <a:ext uri="{909E8E84-426E-40DD-AFC4-6F175D3DCCD1}">
+              <a14:hiddenFill xmlns:a14="http://schemas.microsoft.com/office/drawing/2010/main">
+                <a:solidFill>
+                  <a:srgbClr val="FFFFFF"/>
+                </a:solidFill>
+              </a14:hiddenFill>
+            </a:ext>
+          </a:extLst>
+        </p:spPr>
+        <p:txBody>
+          <a:bodyPr vert="horz" wrap="square" lIns="91440" tIns="45720" rIns="91440" bIns="45720" numCol="1" anchor="t" anchorCtr="0" compatLnSpc="1">
+            <a:prstTxWarp prst="textNoShape">
+              <a:avLst/>
+            </a:prstTxWarp>
+          </a:bodyPr>
+          <a:lstStyle/>
+          <a:p>
+            <a:endParaRPr lang="de-DE"/>
+          </a:p>
+        </p:txBody>
+      </p:sp>
+      <p:sp>
+        <p:nvSpPr>
+          <p:cNvPr id="10" name="AutoShape 6" descr="Q Learning Header">
+            <a:extLst>
+              <a:ext uri="{FF2B5EF4-FFF2-40B4-BE49-F238E27FC236}">
+                <a16:creationId xmlns:a16="http://schemas.microsoft.com/office/drawing/2014/main" id="{2DECD8E3-5A21-65D7-871C-B07144BC532F}"/>
+              </a:ext>
+            </a:extLst>
+          </p:cNvPr>
+          <p:cNvSpPr>
+            <a:spLocks noChangeAspect="1" noChangeArrowheads="1"/>
+          </p:cNvSpPr>
+          <p:nvPr/>
+        </p:nvSpPr>
+        <p:spPr bwMode="auto">
+          <a:xfrm>
+            <a:off x="6248400" y="3581400"/>
+            <a:ext cx="304800" cy="304800"/>
+          </a:xfrm>
+          <a:prstGeom prst="rect">
+            <a:avLst/>
+          </a:prstGeom>
+          <a:noFill/>
+          <a:extLst>
+            <a:ext uri="{909E8E84-426E-40DD-AFC4-6F175D3DCCD1}">
+              <a14:hiddenFill xmlns:a14="http://schemas.microsoft.com/office/drawing/2010/main">
+                <a:solidFill>
+                  <a:srgbClr val="FFFFFF"/>
+                </a:solidFill>
+              </a14:hiddenFill>
+            </a:ext>
+          </a:extLst>
+        </p:spPr>
+        <p:txBody>
+          <a:bodyPr vert="horz" wrap="square" lIns="91440" tIns="45720" rIns="91440" bIns="45720" numCol="1" anchor="t" anchorCtr="0" compatLnSpc="1">
+            <a:prstTxWarp prst="textNoShape">
+              <a:avLst/>
+            </a:prstTxWarp>
+          </a:bodyPr>
+          <a:lstStyle/>
+          <a:p>
+            <a:endParaRPr lang="de-DE" dirty="0"/>
+          </a:p>
+        </p:txBody>
+      </p:sp>
+    </p:spTree>
+    <p:extLst>
+      <p:ext uri="{BB962C8B-B14F-4D97-AF65-F5344CB8AC3E}">
+        <p14:creationId xmlns:p14="http://schemas.microsoft.com/office/powerpoint/2010/main" val="680803865"/>
+      </p:ext>
+    </p:extLst>
+  </p:cSld>
+  <p:clrMapOvr>
+    <a:masterClrMapping/>
+  </p:clrMapOvr>
+</p:sld>
+</file>
+
+<file path=ppt/slides/slide13.xml><?xml version="1.0" encoding="utf-8"?>
+<p:sld xmlns:a="http://schemas.openxmlformats.org/drawingml/2006/main" xmlns:r="http://schemas.openxmlformats.org/officeDocument/2006/relationships" xmlns:p="http://schemas.openxmlformats.org/presentationml/2006/main">
+  <p:cSld>
+    <p:spTree>
+      <p:nvGrpSpPr>
+        <p:cNvPr id="1" name="">
+          <a:extLst>
+            <a:ext uri="{FF2B5EF4-FFF2-40B4-BE49-F238E27FC236}">
+              <a16:creationId xmlns:a16="http://schemas.microsoft.com/office/drawing/2014/main" id="{9A17431A-DA90-7D94-BC14-DBFC1FDD91B4}"/>
+            </a:ext>
+          </a:extLst>
+        </p:cNvPr>
+        <p:cNvGrpSpPr/>
+        <p:nvPr/>
+      </p:nvGrpSpPr>
+      <p:grpSpPr>
+        <a:xfrm>
+          <a:off x="0" y="0"/>
+          <a:ext cx="0" cy="0"/>
+          <a:chOff x="0" y="0"/>
+          <a:chExt cx="0" cy="0"/>
+        </a:xfrm>
+      </p:grpSpPr>
+      <p:sp>
+        <p:nvSpPr>
+          <p:cNvPr id="5" name="Titel 4">
+            <a:extLst>
+              <a:ext uri="{FF2B5EF4-FFF2-40B4-BE49-F238E27FC236}">
+                <a16:creationId xmlns:a16="http://schemas.microsoft.com/office/drawing/2014/main" id="{C1D6B5EA-5DBC-00F7-C61C-7EC597DF5A4C}"/>
+              </a:ext>
+            </a:extLst>
+          </p:cNvPr>
+          <p:cNvSpPr>
+            <a:spLocks noGrp="1"/>
+          </p:cNvSpPr>
+          <p:nvPr>
+            <p:ph type="title"/>
+          </p:nvPr>
+        </p:nvSpPr>
+        <p:spPr>
+          <a:xfrm>
+            <a:off x="393600" y="406800"/>
+            <a:ext cx="9753600" cy="327600"/>
+          </a:xfrm>
+        </p:spPr>
+        <p:txBody>
+          <a:bodyPr vert="horz" wrap="square" lIns="0" tIns="0" rIns="0" bIns="0" numCol="1" rtlCol="0" anchor="ctr" anchorCtr="0" compatLnSpc="1">
+            <a:prstTxWarp prst="textNoShape">
+              <a:avLst/>
+            </a:prstTxWarp>
+            <a:normAutofit/>
+          </a:bodyPr>
+          <a:lstStyle/>
+          <a:p>
+            <a:pPr>
+              <a:lnSpc>
+                <a:spcPct val="90000"/>
+              </a:lnSpc>
+            </a:pPr>
+            <a:r>
+              <a:rPr lang="de-DE" i="1" dirty="0">
+                <a:latin typeface="+mj-lt"/>
+                <a:ea typeface="ＭＳ Ｐゴシック" charset="0"/>
+                <a:cs typeface="ＭＳ Ｐゴシック" charset="0"/>
+              </a:rPr>
+              <a:t>Auswertung</a:t>
+            </a:r>
+          </a:p>
+        </p:txBody>
+      </p:sp>
+      <p:sp>
+        <p:nvSpPr>
+          <p:cNvPr id="1080" name="Subtitle 4">
+            <a:extLst>
+              <a:ext uri="{FF2B5EF4-FFF2-40B4-BE49-F238E27FC236}">
+                <a16:creationId xmlns:a16="http://schemas.microsoft.com/office/drawing/2014/main" id="{6299E935-E5E6-8358-7073-8E1348828792}"/>
+              </a:ext>
+            </a:extLst>
+          </p:cNvPr>
+          <p:cNvSpPr>
+            <a:spLocks noGrp="1"/>
+          </p:cNvSpPr>
+          <p:nvPr>
+            <p:ph type="subTitle" idx="1"/>
+          </p:nvPr>
+        </p:nvSpPr>
+        <p:spPr>
+          <a:xfrm>
+            <a:off x="393600" y="745067"/>
+            <a:ext cx="9753600" cy="342054"/>
+          </a:xfrm>
+        </p:spPr>
+        <p:txBody>
+          <a:bodyPr vert="horz" wrap="square" lIns="0" tIns="0" rIns="0" bIns="0" numCol="1" anchor="t" anchorCtr="0" compatLnSpc="1">
+            <a:prstTxWarp prst="textNoShape">
+              <a:avLst/>
+            </a:prstTxWarp>
+            <a:normAutofit/>
+          </a:bodyPr>
+          <a:lstStyle/>
+          <a:p>
+            <a:pPr>
+              <a:spcAft>
+                <a:spcPts val="600"/>
+              </a:spcAft>
+            </a:pPr>
+            <a:r>
+              <a:rPr lang="en-US" dirty="0"/>
+              <a:t>Truong &amp; Saad </a:t>
+            </a:r>
+          </a:p>
+        </p:txBody>
+      </p:sp>
+      <p:sp>
+        <p:nvSpPr>
+          <p:cNvPr id="1087" name="Text Placeholder 5">
+            <a:extLst>
+              <a:ext uri="{FF2B5EF4-FFF2-40B4-BE49-F238E27FC236}">
+                <a16:creationId xmlns:a16="http://schemas.microsoft.com/office/drawing/2014/main" id="{EFE7F236-2515-9842-671C-8CB8108F1F9A}"/>
+              </a:ext>
+            </a:extLst>
+          </p:cNvPr>
+          <p:cNvSpPr>
+            <a:spLocks noGrp="1"/>
+          </p:cNvSpPr>
+          <p:nvPr>
+            <p:ph type="body" sz="quarter" idx="17"/>
+          </p:nvPr>
+        </p:nvSpPr>
+        <p:spPr>
+          <a:xfrm>
+            <a:off x="6308422" y="6398644"/>
+            <a:ext cx="5380801" cy="112766"/>
+          </a:xfrm>
+        </p:spPr>
+        <p:txBody>
+          <a:bodyPr/>
+          <a:lstStyle/>
+          <a:p>
+            <a:endParaRPr lang="en-US"/>
+          </a:p>
+        </p:txBody>
+      </p:sp>
+      <p:sp>
+        <p:nvSpPr>
+          <p:cNvPr id="7" name="Foliennummernplatzhalter 6">
+            <a:extLst>
+              <a:ext uri="{FF2B5EF4-FFF2-40B4-BE49-F238E27FC236}">
+                <a16:creationId xmlns:a16="http://schemas.microsoft.com/office/drawing/2014/main" id="{7E091574-91CA-6B88-C234-319C414F8BB5}"/>
+              </a:ext>
+            </a:extLst>
+          </p:cNvPr>
+          <p:cNvSpPr>
+            <a:spLocks noGrp="1"/>
+          </p:cNvSpPr>
+          <p:nvPr>
+            <p:ph type="sldNum" sz="quarter" idx="21"/>
+          </p:nvPr>
+        </p:nvSpPr>
+        <p:spPr>
+          <a:xfrm>
+            <a:off x="393700" y="6627813"/>
+            <a:ext cx="255588" cy="207962"/>
+          </a:xfrm>
+        </p:spPr>
+        <p:txBody>
+          <a:bodyPr vert="horz" lIns="0" tIns="0" rIns="0" bIns="0" rtlCol="0" anchor="t" anchorCtr="0">
+            <a:normAutofit/>
+          </a:bodyPr>
+          <a:lstStyle/>
+          <a:p>
+            <a:pPr>
+              <a:spcAft>
+                <a:spcPts val="600"/>
+              </a:spcAft>
+              <a:defRPr/>
+            </a:pPr>
+            <a:fld id="{20549947-ECEE-CD4E-8E00-25DB9EFCD1C0}" type="slidenum">
+              <a:rPr lang="de-DE" kern="1200" baseline="0">
+                <a:latin typeface="Arial"/>
+                <a:ea typeface="+mn-ea"/>
+                <a:cs typeface="+mn-cs"/>
+              </a:rPr>
+              <a:pPr>
+                <a:spcAft>
+                  <a:spcPts val="600"/>
+                </a:spcAft>
+                <a:defRPr/>
+              </a:pPr>
+              <a:t>13</a:t>
+            </a:fld>
+            <a:endParaRPr lang="de-DE" kern="1200" baseline="0">
+              <a:latin typeface="Arial"/>
+              <a:ea typeface="+mn-ea"/>
+              <a:cs typeface="+mn-cs"/>
+            </a:endParaRPr>
+          </a:p>
+        </p:txBody>
+      </p:sp>
+      <p:sp>
+        <p:nvSpPr>
+          <p:cNvPr id="6" name="AutoShape 2" descr="An Introduction to Q-Learning: A Tutorial For Beginners | DataCamp">
+            <a:extLst>
+              <a:ext uri="{FF2B5EF4-FFF2-40B4-BE49-F238E27FC236}">
+                <a16:creationId xmlns:a16="http://schemas.microsoft.com/office/drawing/2014/main" id="{F1FB5A3F-F350-AECD-A551-1F6DFC861591}"/>
+              </a:ext>
+            </a:extLst>
+          </p:cNvPr>
+          <p:cNvSpPr>
+            <a:spLocks noChangeAspect="1" noChangeArrowheads="1"/>
+          </p:cNvSpPr>
+          <p:nvPr/>
+        </p:nvSpPr>
+        <p:spPr bwMode="auto">
+          <a:xfrm>
+            <a:off x="5943600" y="3276600"/>
+            <a:ext cx="304800" cy="304800"/>
+          </a:xfrm>
+          <a:prstGeom prst="rect">
+            <a:avLst/>
+          </a:prstGeom>
+          <a:noFill/>
+          <a:extLst>
+            <a:ext uri="{909E8E84-426E-40DD-AFC4-6F175D3DCCD1}">
+              <a14:hiddenFill xmlns:a14="http://schemas.microsoft.com/office/drawing/2010/main">
+                <a:solidFill>
+                  <a:srgbClr val="FFFFFF"/>
+                </a:solidFill>
+              </a14:hiddenFill>
+            </a:ext>
+          </a:extLst>
+        </p:spPr>
+        <p:txBody>
+          <a:bodyPr vert="horz" wrap="square" lIns="91440" tIns="45720" rIns="91440" bIns="45720" numCol="1" anchor="t" anchorCtr="0" compatLnSpc="1">
+            <a:prstTxWarp prst="textNoShape">
+              <a:avLst/>
+            </a:prstTxWarp>
+          </a:bodyPr>
+          <a:lstStyle/>
+          <a:p>
+            <a:endParaRPr lang="de-DE"/>
+          </a:p>
+        </p:txBody>
+      </p:sp>
+      <p:sp>
+        <p:nvSpPr>
+          <p:cNvPr id="8" name="AutoShape 4" descr="An Introduction to Q-Learning: A Tutorial For Beginners | DataCamp">
+            <a:extLst>
+              <a:ext uri="{FF2B5EF4-FFF2-40B4-BE49-F238E27FC236}">
+                <a16:creationId xmlns:a16="http://schemas.microsoft.com/office/drawing/2014/main" id="{6CC0B889-107F-7311-8217-4891994BB8AD}"/>
+              </a:ext>
+            </a:extLst>
+          </p:cNvPr>
+          <p:cNvSpPr>
+            <a:spLocks noChangeAspect="1" noChangeArrowheads="1"/>
+          </p:cNvSpPr>
+          <p:nvPr/>
+        </p:nvSpPr>
+        <p:spPr bwMode="auto">
+          <a:xfrm>
+            <a:off x="6096000" y="3429000"/>
+            <a:ext cx="304800" cy="304800"/>
+          </a:xfrm>
+          <a:prstGeom prst="rect">
+            <a:avLst/>
+          </a:prstGeom>
+          <a:noFill/>
+          <a:extLst>
+            <a:ext uri="{909E8E84-426E-40DD-AFC4-6F175D3DCCD1}">
+              <a14:hiddenFill xmlns:a14="http://schemas.microsoft.com/office/drawing/2010/main">
+                <a:solidFill>
+                  <a:srgbClr val="FFFFFF"/>
+                </a:solidFill>
+              </a14:hiddenFill>
+            </a:ext>
+          </a:extLst>
+        </p:spPr>
+        <p:txBody>
+          <a:bodyPr vert="horz" wrap="square" lIns="91440" tIns="45720" rIns="91440" bIns="45720" numCol="1" anchor="t" anchorCtr="0" compatLnSpc="1">
+            <a:prstTxWarp prst="textNoShape">
+              <a:avLst/>
+            </a:prstTxWarp>
+          </a:bodyPr>
+          <a:lstStyle/>
+          <a:p>
+            <a:endParaRPr lang="de-DE"/>
+          </a:p>
+        </p:txBody>
+      </p:sp>
+      <p:sp>
+        <p:nvSpPr>
+          <p:cNvPr id="10" name="AutoShape 6" descr="Q Learning Header">
+            <a:extLst>
+              <a:ext uri="{FF2B5EF4-FFF2-40B4-BE49-F238E27FC236}">
+                <a16:creationId xmlns:a16="http://schemas.microsoft.com/office/drawing/2014/main" id="{A7EF4060-2B66-FA5D-3594-1EF759F304E8}"/>
+              </a:ext>
+            </a:extLst>
+          </p:cNvPr>
+          <p:cNvSpPr>
+            <a:spLocks noChangeAspect="1" noChangeArrowheads="1"/>
+          </p:cNvSpPr>
+          <p:nvPr/>
+        </p:nvSpPr>
+        <p:spPr bwMode="auto">
+          <a:xfrm>
+            <a:off x="6248400" y="3581400"/>
+            <a:ext cx="304800" cy="304800"/>
+          </a:xfrm>
+          <a:prstGeom prst="rect">
+            <a:avLst/>
+          </a:prstGeom>
+          <a:noFill/>
+          <a:extLst>
+            <a:ext uri="{909E8E84-426E-40DD-AFC4-6F175D3DCCD1}">
+              <a14:hiddenFill xmlns:a14="http://schemas.microsoft.com/office/drawing/2010/main">
+                <a:solidFill>
+                  <a:srgbClr val="FFFFFF"/>
+                </a:solidFill>
+              </a14:hiddenFill>
+            </a:ext>
+          </a:extLst>
+        </p:spPr>
+        <p:txBody>
+          <a:bodyPr vert="horz" wrap="square" lIns="91440" tIns="45720" rIns="91440" bIns="45720" numCol="1" anchor="t" anchorCtr="0" compatLnSpc="1">
+            <a:prstTxWarp prst="textNoShape">
+              <a:avLst/>
+            </a:prstTxWarp>
+          </a:bodyPr>
+          <a:lstStyle/>
+          <a:p>
+            <a:endParaRPr lang="de-DE" dirty="0"/>
+          </a:p>
+        </p:txBody>
+      </p:sp>
+    </p:spTree>
+    <p:extLst>
+      <p:ext uri="{BB962C8B-B14F-4D97-AF65-F5344CB8AC3E}">
+        <p14:creationId xmlns:p14="http://schemas.microsoft.com/office/powerpoint/2010/main" val="3909464728"/>
+      </p:ext>
+    </p:extLst>
+  </p:cSld>
+  <p:clrMapOvr>
+    <a:masterClrMapping/>
+  </p:clrMapOvr>
+</p:sld>
+</file>
+
+<file path=ppt/slides/slide14.xml><?xml version="1.0" encoding="utf-8"?>
+<p:sld xmlns:a="http://schemas.openxmlformats.org/drawingml/2006/main" xmlns:r="http://schemas.openxmlformats.org/officeDocument/2006/relationships" xmlns:p="http://schemas.openxmlformats.org/presentationml/2006/main">
+  <p:cSld>
+    <p:spTree>
+      <p:nvGrpSpPr>
+        <p:cNvPr id="1" name="">
+          <a:extLst>
+            <a:ext uri="{FF2B5EF4-FFF2-40B4-BE49-F238E27FC236}">
+              <a16:creationId xmlns:a16="http://schemas.microsoft.com/office/drawing/2014/main" id="{A5D53B39-0202-EEC6-77C8-90E4DD047AA2}"/>
+            </a:ext>
+          </a:extLst>
+        </p:cNvPr>
+        <p:cNvGrpSpPr/>
+        <p:nvPr/>
+      </p:nvGrpSpPr>
+      <p:grpSpPr>
+        <a:xfrm>
+          <a:off x="0" y="0"/>
+          <a:ext cx="0" cy="0"/>
+          <a:chOff x="0" y="0"/>
+          <a:chExt cx="0" cy="0"/>
+        </a:xfrm>
+      </p:grpSpPr>
+      <p:sp>
+        <p:nvSpPr>
+          <p:cNvPr id="5" name="Titel 4">
+            <a:extLst>
+              <a:ext uri="{FF2B5EF4-FFF2-40B4-BE49-F238E27FC236}">
+                <a16:creationId xmlns:a16="http://schemas.microsoft.com/office/drawing/2014/main" id="{B16FEB43-5C5A-AC64-4D33-6605B127F979}"/>
+              </a:ext>
+            </a:extLst>
+          </p:cNvPr>
+          <p:cNvSpPr>
+            <a:spLocks noGrp="1"/>
+          </p:cNvSpPr>
+          <p:nvPr>
+            <p:ph type="title"/>
+          </p:nvPr>
+        </p:nvSpPr>
+        <p:spPr>
+          <a:xfrm>
+            <a:off x="393600" y="406800"/>
+            <a:ext cx="9753600" cy="327600"/>
+          </a:xfrm>
+        </p:spPr>
+        <p:txBody>
+          <a:bodyPr vert="horz" wrap="square" lIns="0" tIns="0" rIns="0" bIns="0" numCol="1" rtlCol="0" anchor="ctr" anchorCtr="0" compatLnSpc="1">
+            <a:prstTxWarp prst="textNoShape">
+              <a:avLst/>
+            </a:prstTxWarp>
+            <a:normAutofit/>
+          </a:bodyPr>
+          <a:lstStyle/>
+          <a:p>
+            <a:pPr>
+              <a:lnSpc>
+                <a:spcPct val="90000"/>
+              </a:lnSpc>
+            </a:pPr>
+            <a:r>
+              <a:rPr lang="de-DE" dirty="0"/>
+              <a:t>Danke</a:t>
+            </a:r>
+            <a:endParaRPr lang="de-DE" i="1" dirty="0">
+              <a:latin typeface="+mj-lt"/>
+              <a:ea typeface="ＭＳ Ｐゴシック" charset="0"/>
+              <a:cs typeface="ＭＳ Ｐゴシック" charset="0"/>
+            </a:endParaRPr>
+          </a:p>
+        </p:txBody>
+      </p:sp>
+      <p:sp>
+        <p:nvSpPr>
+          <p:cNvPr id="1080" name="Subtitle 4">
+            <a:extLst>
+              <a:ext uri="{FF2B5EF4-FFF2-40B4-BE49-F238E27FC236}">
+                <a16:creationId xmlns:a16="http://schemas.microsoft.com/office/drawing/2014/main" id="{265F3CA6-6EFC-AEE2-D43D-3D0B7377E207}"/>
+              </a:ext>
+            </a:extLst>
+          </p:cNvPr>
+          <p:cNvSpPr>
+            <a:spLocks noGrp="1"/>
+          </p:cNvSpPr>
+          <p:nvPr>
+            <p:ph type="subTitle" idx="1"/>
+          </p:nvPr>
+        </p:nvSpPr>
+        <p:spPr>
+          <a:xfrm>
+            <a:off x="393600" y="745067"/>
+            <a:ext cx="9753600" cy="342054"/>
+          </a:xfrm>
+        </p:spPr>
+        <p:txBody>
+          <a:bodyPr/>
+          <a:lstStyle/>
+          <a:p>
+            <a:r>
+              <a:rPr lang="en-US" dirty="0"/>
+              <a:t>Saad &amp; Truong</a:t>
+            </a:r>
+          </a:p>
+        </p:txBody>
+      </p:sp>
+      <p:sp>
+        <p:nvSpPr>
+          <p:cNvPr id="1082" name="Text Placeholder 5">
+            <a:extLst>
+              <a:ext uri="{FF2B5EF4-FFF2-40B4-BE49-F238E27FC236}">
+                <a16:creationId xmlns:a16="http://schemas.microsoft.com/office/drawing/2014/main" id="{55567583-5B4B-1379-DD84-B49F52678EC5}"/>
+              </a:ext>
+            </a:extLst>
+          </p:cNvPr>
+          <p:cNvSpPr>
+            <a:spLocks noGrp="1"/>
+          </p:cNvSpPr>
+          <p:nvPr>
+            <p:ph type="body" sz="quarter" idx="17"/>
+          </p:nvPr>
+        </p:nvSpPr>
+        <p:spPr>
+          <a:xfrm>
+            <a:off x="6308422" y="6398644"/>
+            <a:ext cx="5380801" cy="112766"/>
+          </a:xfrm>
+        </p:spPr>
+        <p:txBody>
+          <a:bodyPr/>
+          <a:lstStyle/>
+          <a:p>
+            <a:endParaRPr lang="en-US"/>
+          </a:p>
+        </p:txBody>
+      </p:sp>
+      <p:sp>
+        <p:nvSpPr>
+          <p:cNvPr id="7" name="Foliennummernplatzhalter 6">
+            <a:extLst>
+              <a:ext uri="{FF2B5EF4-FFF2-40B4-BE49-F238E27FC236}">
+                <a16:creationId xmlns:a16="http://schemas.microsoft.com/office/drawing/2014/main" id="{71351D5A-7B98-EE93-C2E5-336292463139}"/>
+              </a:ext>
+            </a:extLst>
+          </p:cNvPr>
+          <p:cNvSpPr>
+            <a:spLocks noGrp="1"/>
+          </p:cNvSpPr>
+          <p:nvPr>
+            <p:ph type="sldNum" sz="quarter" idx="21"/>
+          </p:nvPr>
+        </p:nvSpPr>
+        <p:spPr>
+          <a:xfrm>
+            <a:off x="393700" y="6627813"/>
+            <a:ext cx="255588" cy="207962"/>
+          </a:xfrm>
+        </p:spPr>
+        <p:txBody>
+          <a:bodyPr vert="horz" lIns="0" tIns="0" rIns="0" bIns="0" rtlCol="0" anchor="t" anchorCtr="0">
+            <a:normAutofit/>
+          </a:bodyPr>
+          <a:lstStyle/>
+          <a:p>
+            <a:pPr>
+              <a:spcAft>
+                <a:spcPts val="600"/>
+              </a:spcAft>
+              <a:defRPr/>
+            </a:pPr>
+            <a:fld id="{20549947-ECEE-CD4E-8E00-25DB9EFCD1C0}" type="slidenum">
+              <a:rPr lang="de-DE" kern="1200" baseline="0">
+                <a:latin typeface="Arial"/>
+                <a:ea typeface="+mn-ea"/>
+                <a:cs typeface="+mn-cs"/>
+              </a:rPr>
+              <a:pPr>
+                <a:spcAft>
+                  <a:spcPts val="600"/>
+                </a:spcAft>
+                <a:defRPr/>
+              </a:pPr>
+              <a:t>14</a:t>
+            </a:fld>
+            <a:endParaRPr lang="de-DE" kern="1200" baseline="0">
+              <a:latin typeface="Arial"/>
+              <a:ea typeface="+mn-ea"/>
+              <a:cs typeface="+mn-cs"/>
+            </a:endParaRPr>
+          </a:p>
+        </p:txBody>
+      </p:sp>
+      <p:pic>
+        <p:nvPicPr>
+          <p:cNvPr id="4" name="Grafik 3" descr="Ein Bild, das Text, Screenshot, Schrift enthält.&#10;&#10;Automatisch generierte Beschreibung">
+            <a:extLst>
+              <a:ext uri="{FF2B5EF4-FFF2-40B4-BE49-F238E27FC236}">
+                <a16:creationId xmlns:a16="http://schemas.microsoft.com/office/drawing/2014/main" id="{96DD959F-77F1-1AA4-CB47-1F9F27D348CF}"/>
+              </a:ext>
+            </a:extLst>
+          </p:cNvPr>
+          <p:cNvPicPr>
+            <a:picLocks noChangeAspect="1"/>
+          </p:cNvPicPr>
+          <p:nvPr/>
+        </p:nvPicPr>
+        <p:blipFill>
+          <a:blip r:embed="rId2">
+            <a:extLst>
+              <a:ext uri="{28A0092B-C50C-407E-A947-70E740481C1C}">
+                <a14:useLocalDpi xmlns:a14="http://schemas.microsoft.com/office/drawing/2010/main" val="0"/>
+              </a:ext>
+            </a:extLst>
+          </a:blip>
+          <a:stretch>
+            <a:fillRect/>
+          </a:stretch>
+        </p:blipFill>
+        <p:spPr>
+          <a:xfrm>
+            <a:off x="594405" y="1733548"/>
+            <a:ext cx="5501595" cy="3067051"/>
+          </a:xfrm>
+          <a:prstGeom prst="rect">
+            <a:avLst/>
+          </a:prstGeom>
+        </p:spPr>
+      </p:pic>
+      <p:pic>
+        <p:nvPicPr>
+          <p:cNvPr id="9" name="Grafik 8" descr="Ein Bild, das Text, Screenshot, Schrift, Diagramm enthält.&#10;&#10;Automatisch generierte Beschreibung">
+            <a:extLst>
+              <a:ext uri="{FF2B5EF4-FFF2-40B4-BE49-F238E27FC236}">
+                <a16:creationId xmlns:a16="http://schemas.microsoft.com/office/drawing/2014/main" id="{B261E75C-FED2-8DFA-DD00-B94D3EB5FE85}"/>
+              </a:ext>
+            </a:extLst>
+          </p:cNvPr>
+          <p:cNvPicPr>
+            <a:picLocks noChangeAspect="1"/>
+          </p:cNvPicPr>
+          <p:nvPr/>
+        </p:nvPicPr>
+        <p:blipFill>
+          <a:blip r:embed="rId3">
+            <a:extLst>
+              <a:ext uri="{28A0092B-C50C-407E-A947-70E740481C1C}">
+                <a14:useLocalDpi xmlns:a14="http://schemas.microsoft.com/office/drawing/2010/main" val="0"/>
+              </a:ext>
+            </a:extLst>
+          </a:blip>
+          <a:stretch>
+            <a:fillRect/>
+          </a:stretch>
+        </p:blipFill>
+        <p:spPr>
+          <a:xfrm>
+            <a:off x="6398229" y="1733547"/>
+            <a:ext cx="5506752" cy="3067051"/>
+          </a:xfrm>
+          <a:prstGeom prst="rect">
+            <a:avLst/>
+          </a:prstGeom>
+        </p:spPr>
+      </p:pic>
+    </p:spTree>
+    <p:extLst>
+      <p:ext uri="{BB962C8B-B14F-4D97-AF65-F5344CB8AC3E}">
+        <p14:creationId xmlns:p14="http://schemas.microsoft.com/office/powerpoint/2010/main" val="3927238682"/>
+      </p:ext>
+    </p:extLst>
+  </p:cSld>
+  <p:clrMapOvr>
+    <a:masterClrMapping/>
+  </p:clrMapOvr>
+</p:sld>
+</file>
+
+<file path=ppt/slides/slide2.xml><?xml version="1.0" encoding="utf-8"?>
 <p:sld xmlns:a="http://schemas.openxmlformats.org/drawingml/2006/main" xmlns:r="http://schemas.openxmlformats.org/officeDocument/2006/relationships" xmlns:p="http://schemas.openxmlformats.org/presentationml/2006/main">
   <p:cSld>
     <p:spTree>
@@ -6635,10 +8231,10 @@
       </p:grpSpPr>
       <p:pic>
         <p:nvPicPr>
-          <p:cNvPr id="1026" name="Picture 2" descr="An example of a&#10;numerical distribution of a baseline and tartget datasets.">
+          <p:cNvPr id="3" name="Picture 2" descr="Ein Bild, das Clipart, Grafiken, Animierter Cartoon, Animation enthält.&#10;&#10;Automatisch generierte Beschreibung">
             <a:extLst>
               <a:ext uri="{FF2B5EF4-FFF2-40B4-BE49-F238E27FC236}">
-                <a16:creationId xmlns:a16="http://schemas.microsoft.com/office/drawing/2014/main" id="{1916A004-2B5F-17A4-B468-C85BCF1116DF}"/>
+                <a16:creationId xmlns:a16="http://schemas.microsoft.com/office/drawing/2014/main" id="{D8ABDD8B-677A-B947-7607-DFCCAC8019FE}"/>
               </a:ext>
             </a:extLst>
           </p:cNvPr>
@@ -6655,13 +8251,14 @@
               </a:ext>
             </a:extLst>
           </a:blip>
-          <a:srcRect r="16053" b="2"/>
-          <a:stretch/>
+          <a:stretch>
+            <a:fillRect/>
+          </a:stretch>
         </p:blipFill>
         <p:spPr bwMode="auto">
           <a:xfrm>
-            <a:off x="6946983" y="2235359"/>
-            <a:ext cx="4103678" cy="3407912"/>
+            <a:off x="6308421" y="3252590"/>
+            <a:ext cx="5380801" cy="1506624"/>
           </a:xfrm>
           <a:prstGeom prst="rect">
             <a:avLst/>
@@ -6692,7 +8289,7 @@
         </p:nvSpPr>
         <p:spPr bwMode="auto">
           <a:xfrm>
-            <a:off x="649288" y="1569435"/>
+            <a:off x="632884" y="1771655"/>
             <a:ext cx="5401253" cy="4739759"/>
           </a:xfrm>
           <a:prstGeom prst="rect">
@@ -6704,14 +8301,14 @@
           </a:ln>
           <a:extLst>
             <a:ext uri="{909E8E84-426E-40dd-AFC4-6F175D3DCCD1}">
-              <a14:hiddenFill xmlns:a14="http://schemas.microsoft.com/office/drawing/2010/main" xmlns="">
+              <a14:hiddenFill xmlns="" xmlns:a14="http://schemas.microsoft.com/office/drawing/2010/main">
                 <a:solidFill>
                   <a:srgbClr val="FFFFFF"/>
                 </a:solidFill>
               </a14:hiddenFill>
             </a:ext>
             <a:ext uri="{91240B29-F687-4f45-9708-019B960494DF}">
-              <a14:hiddenLine xmlns:a14="http://schemas.microsoft.com/office/drawing/2010/main" xmlns="" w="9525">
+              <a14:hiddenLine xmlns="" xmlns:a14="http://schemas.microsoft.com/office/drawing/2010/main" w="9525">
                 <a:solidFill>
                   <a:srgbClr val="000000"/>
                 </a:solidFill>
@@ -6721,7 +8318,7 @@
               </a14:hiddenLine>
             </a:ext>
             <a:ext uri="{FAA26D3D-D897-4be2-8F04-BA451C77F1D7}">
-              <ma14:placeholderFlag xmlns:ma14="http://schemas.microsoft.com/office/mac/drawingml/2011/main" xmlns="" val="1"/>
+              <ma14:placeholderFlag xmlns="" xmlns:ma14="http://schemas.microsoft.com/office/mac/drawingml/2011/main" val="1"/>
             </a:ext>
           </a:extLst>
         </p:spPr>
@@ -6750,11 +8347,23 @@
               <a:rPr lang="de-DE" sz="1600" b="1" kern="0" dirty="0">
                 <a:ea typeface="ＭＳ Ｐゴシック" charset="0"/>
               </a:rPr>
-              <a:t>Fazit</a:t>
-            </a:r>
-          </a:p>
-          <a:p>
-            <a:pPr marL="457200" lvl="2" indent="360000" defTabSz="457200" fontAlgn="base">
+              <a:t>Warum </a:t>
+            </a:r>
+            <a:r>
+              <a:rPr lang="de-DE" sz="1600" b="1" kern="0" dirty="0" err="1">
+                <a:ea typeface="ＭＳ Ｐゴシック" charset="0"/>
+              </a:rPr>
+              <a:t>PyGame</a:t>
+            </a:r>
+            <a:r>
+              <a:rPr lang="de-DE" sz="1600" b="1" kern="0" dirty="0">
+                <a:ea typeface="ＭＳ Ｐゴシック" charset="0"/>
+              </a:rPr>
+              <a:t>?</a:t>
+            </a:r>
+          </a:p>
+          <a:p>
+            <a:pPr lvl="1" indent="360000" defTabSz="457200" fontAlgn="base">
               <a:lnSpc>
                 <a:spcPct val="150000"/>
               </a:lnSpc>
@@ -6767,14 +8376,20 @@
               </a:buBlip>
             </a:pPr>
             <a:r>
-              <a:rPr lang="de-DE" sz="1600" kern="0" dirty="0">
+              <a:rPr lang="de-DE" sz="1600" b="1" kern="0" dirty="0" err="1">
                 <a:ea typeface="ＭＳ Ｐゴシック" charset="0"/>
               </a:rPr>
-              <a:t>Effektive Automatisierung und Wiederholbarkeit</a:t>
-            </a:r>
-          </a:p>
-          <a:p>
-            <a:pPr marL="457200" lvl="2" indent="360000" defTabSz="457200" fontAlgn="base">
+              <a:t>Lightweighted</a:t>
+            </a:r>
+            <a:r>
+              <a:rPr lang="de-DE" sz="1600" b="1" kern="0" dirty="0">
+                <a:ea typeface="ＭＳ Ｐゴシック" charset="0"/>
+              </a:rPr>
+              <a:t> Library für Spiele-Entwicklung</a:t>
+            </a:r>
+          </a:p>
+          <a:p>
+            <a:pPr lvl="1" indent="360000" defTabSz="457200" fontAlgn="base">
               <a:lnSpc>
                 <a:spcPct val="150000"/>
               </a:lnSpc>
@@ -6787,46 +8402,11 @@
               </a:buBlip>
             </a:pPr>
             <a:r>
-              <a:rPr lang="de-DE" sz="1600" kern="0" dirty="0">
+              <a:rPr lang="de-DE" sz="1600" b="1" kern="0" dirty="0">
                 <a:ea typeface="ＭＳ Ｐゴシック" charset="0"/>
               </a:rPr>
-              <a:t>Theoretisch durch mehr </a:t>
-            </a:r>
-            <a:r>
-              <a:rPr lang="de-DE" sz="1600" kern="0" dirty="0" err="1">
-                <a:ea typeface="ＭＳ Ｐゴシック" charset="0"/>
-              </a:rPr>
-              <a:t>Quota</a:t>
-            </a:r>
-            <a:r>
-              <a:rPr lang="de-DE" sz="1600" kern="0" dirty="0">
-                <a:ea typeface="ＭＳ Ｐゴシック" charset="0"/>
-              </a:rPr>
-              <a:t> stark skalierbar</a:t>
-            </a:r>
-          </a:p>
-          <a:p>
-            <a:pPr marL="457200" lvl="2" indent="360000" defTabSz="457200" fontAlgn="base">
-              <a:lnSpc>
-                <a:spcPct val="150000"/>
-              </a:lnSpc>
-              <a:spcAft>
-                <a:spcPts val="600"/>
-              </a:spcAft>
-              <a:buSzPct val="100000"/>
-              <a:buBlip>
-                <a:blip r:embed="rId3"/>
-              </a:buBlip>
-            </a:pPr>
-            <a:r>
-              <a:rPr lang="de-DE" sz="1600" kern="0" dirty="0" err="1">
-                <a:ea typeface="ＭＳ Ｐゴシック" charset="0"/>
-              </a:rPr>
-              <a:t>Modellversionierung</a:t>
-            </a:r>
-            <a:endParaRPr lang="de-DE" sz="1600" kern="0" dirty="0">
-              <a:ea typeface="ＭＳ Ｐゴシック" charset="0"/>
-            </a:endParaRPr>
+              <a:t>Unterstützt schnelle Visualisierung und Interaktion</a:t>
+            </a:r>
           </a:p>
           <a:p>
             <a:pPr indent="360000" defTabSz="457200" fontAlgn="base">
@@ -6841,12 +8421,15 @@
                 <a:blip r:embed="rId3"/>
               </a:buBlip>
             </a:pPr>
-            <a:endParaRPr lang="de-DE" sz="1600" b="1" kern="0" dirty="0">
-              <a:ea typeface="ＭＳ Ｐゴシック" charset="0"/>
-            </a:endParaRPr>
-          </a:p>
-          <a:p>
-            <a:pPr indent="360000" defTabSz="457200" fontAlgn="base">
+            <a:r>
+              <a:rPr lang="de-DE" sz="1600" b="1" kern="0" dirty="0">
+                <a:ea typeface="ＭＳ Ｐゴシック" charset="0"/>
+              </a:rPr>
+              <a:t>Erste Algorithmen</a:t>
+            </a:r>
+          </a:p>
+          <a:p>
+            <a:pPr lvl="1" indent="360000" defTabSz="457200" fontAlgn="base">
               <a:lnSpc>
                 <a:spcPct val="150000"/>
               </a:lnSpc>
@@ -6862,11 +8445,11 @@
               <a:rPr lang="de-DE" sz="1600" b="1" kern="0" dirty="0">
                 <a:ea typeface="ＭＳ Ｐゴシック" charset="0"/>
               </a:rPr>
-              <a:t>Ausblick</a:t>
-            </a:r>
-          </a:p>
-          <a:p>
-            <a:pPr marL="457200" lvl="2" indent="360000" defTabSz="457200" fontAlgn="base">
+              <a:t>A* Algorithmus und Dijkstra</a:t>
+            </a:r>
+          </a:p>
+          <a:p>
+            <a:pPr lvl="1" indent="360000" defTabSz="457200" fontAlgn="base">
               <a:lnSpc>
                 <a:spcPct val="150000"/>
               </a:lnSpc>
@@ -6879,14 +8462,281 @@
               </a:buBlip>
             </a:pPr>
             <a:r>
-              <a:rPr lang="de-DE" sz="1600" kern="0" dirty="0">
+              <a:rPr lang="de-DE" sz="1600" b="1" kern="0" dirty="0">
                 <a:ea typeface="ＭＳ Ｐゴシック" charset="0"/>
               </a:rPr>
-              <a:t>Integration von Monitoring und Modellüberwachung</a:t>
-            </a:r>
-          </a:p>
-          <a:p>
-            <a:pPr marL="457200" lvl="2" indent="360000" defTabSz="457200" fontAlgn="base">
+              <a:t>Q-Learning und Deep Q-Learning</a:t>
+            </a:r>
+          </a:p>
+        </p:txBody>
+      </p:sp>
+      <p:sp>
+        <p:nvSpPr>
+          <p:cNvPr id="5" name="Titel 4">
+            <a:extLst>
+              <a:ext uri="{FF2B5EF4-FFF2-40B4-BE49-F238E27FC236}">
+                <a16:creationId xmlns:a16="http://schemas.microsoft.com/office/drawing/2014/main" id="{0333FAC5-36A1-FFDD-3F20-96B8199D3804}"/>
+              </a:ext>
+            </a:extLst>
+          </p:cNvPr>
+          <p:cNvSpPr>
+            <a:spLocks noGrp="1"/>
+          </p:cNvSpPr>
+          <p:nvPr>
+            <p:ph type="title"/>
+          </p:nvPr>
+        </p:nvSpPr>
+        <p:spPr>
+          <a:xfrm>
+            <a:off x="393600" y="406800"/>
+            <a:ext cx="9753600" cy="327600"/>
+          </a:xfrm>
+        </p:spPr>
+        <p:txBody>
+          <a:bodyPr vert="horz" wrap="square" lIns="0" tIns="0" rIns="0" bIns="0" numCol="1" rtlCol="0" anchor="ctr" anchorCtr="0" compatLnSpc="1">
+            <a:prstTxWarp prst="textNoShape">
+              <a:avLst/>
+            </a:prstTxWarp>
+            <a:normAutofit/>
+          </a:bodyPr>
+          <a:lstStyle/>
+          <a:p>
+            <a:pPr>
+              <a:lnSpc>
+                <a:spcPct val="90000"/>
+              </a:lnSpc>
+            </a:pPr>
+            <a:r>
+              <a:rPr lang="de-DE" i="1">
+                <a:latin typeface="+mj-lt"/>
+                <a:ea typeface="ＭＳ Ｐゴシック" charset="0"/>
+                <a:cs typeface="ＭＳ Ｐゴシック" charset="0"/>
+              </a:rPr>
+              <a:t>Pygame</a:t>
+            </a:r>
+            <a:r>
+              <a:rPr lang="de-DE" i="1" dirty="0">
+                <a:latin typeface="+mj-lt"/>
+                <a:ea typeface="ＭＳ Ｐゴシック" charset="0"/>
+                <a:cs typeface="ＭＳ Ｐゴシック" charset="0"/>
+              </a:rPr>
+              <a:t> &amp; Algorithmen</a:t>
+            </a:r>
+          </a:p>
+        </p:txBody>
+      </p:sp>
+      <p:sp>
+        <p:nvSpPr>
+          <p:cNvPr id="1080" name="Subtitle 4">
+            <a:extLst>
+              <a:ext uri="{FF2B5EF4-FFF2-40B4-BE49-F238E27FC236}">
+                <a16:creationId xmlns:a16="http://schemas.microsoft.com/office/drawing/2014/main" id="{710117E7-235E-A3B4-8614-F5CF8B15CC3E}"/>
+              </a:ext>
+            </a:extLst>
+          </p:cNvPr>
+          <p:cNvSpPr>
+            <a:spLocks noGrp="1"/>
+          </p:cNvSpPr>
+          <p:nvPr>
+            <p:ph type="subTitle" idx="1"/>
+          </p:nvPr>
+        </p:nvSpPr>
+        <p:spPr>
+          <a:xfrm>
+            <a:off x="393600" y="745067"/>
+            <a:ext cx="9753600" cy="342054"/>
+          </a:xfrm>
+        </p:spPr>
+        <p:txBody>
+          <a:bodyPr/>
+          <a:lstStyle/>
+          <a:p>
+            <a:r>
+              <a:rPr lang="en-US" dirty="0"/>
+              <a:t>Truong</a:t>
+            </a:r>
+          </a:p>
+        </p:txBody>
+      </p:sp>
+      <p:sp>
+        <p:nvSpPr>
+          <p:cNvPr id="1082" name="Text Placeholder 5">
+            <a:extLst>
+              <a:ext uri="{FF2B5EF4-FFF2-40B4-BE49-F238E27FC236}">
+                <a16:creationId xmlns:a16="http://schemas.microsoft.com/office/drawing/2014/main" id="{C41371BB-DFD0-0AE4-9A67-B8344CD8F291}"/>
+              </a:ext>
+            </a:extLst>
+          </p:cNvPr>
+          <p:cNvSpPr>
+            <a:spLocks noGrp="1"/>
+          </p:cNvSpPr>
+          <p:nvPr>
+            <p:ph type="body" sz="quarter" idx="17"/>
+          </p:nvPr>
+        </p:nvSpPr>
+        <p:spPr>
+          <a:xfrm>
+            <a:off x="6308422" y="6398644"/>
+            <a:ext cx="5380801" cy="112766"/>
+          </a:xfrm>
+        </p:spPr>
+        <p:txBody>
+          <a:bodyPr/>
+          <a:lstStyle/>
+          <a:p>
+            <a:endParaRPr lang="en-US"/>
+          </a:p>
+        </p:txBody>
+      </p:sp>
+      <p:sp>
+        <p:nvSpPr>
+          <p:cNvPr id="7" name="Foliennummernplatzhalter 6">
+            <a:extLst>
+              <a:ext uri="{FF2B5EF4-FFF2-40B4-BE49-F238E27FC236}">
+                <a16:creationId xmlns:a16="http://schemas.microsoft.com/office/drawing/2014/main" id="{8B57E60E-E7DF-E8B1-9C2B-5F5C7FDA49AC}"/>
+              </a:ext>
+            </a:extLst>
+          </p:cNvPr>
+          <p:cNvSpPr>
+            <a:spLocks noGrp="1"/>
+          </p:cNvSpPr>
+          <p:nvPr>
+            <p:ph type="sldNum" sz="quarter" idx="21"/>
+          </p:nvPr>
+        </p:nvSpPr>
+        <p:spPr>
+          <a:xfrm>
+            <a:off x="393700" y="6627813"/>
+            <a:ext cx="255588" cy="207962"/>
+          </a:xfrm>
+        </p:spPr>
+        <p:txBody>
+          <a:bodyPr vert="horz" lIns="0" tIns="0" rIns="0" bIns="0" rtlCol="0" anchor="t" anchorCtr="0">
+            <a:normAutofit/>
+          </a:bodyPr>
+          <a:lstStyle/>
+          <a:p>
+            <a:pPr>
+              <a:spcAft>
+                <a:spcPts val="600"/>
+              </a:spcAft>
+              <a:defRPr/>
+            </a:pPr>
+            <a:fld id="{20549947-ECEE-CD4E-8E00-25DB9EFCD1C0}" type="slidenum">
+              <a:rPr lang="de-DE" kern="1200" baseline="0">
+                <a:latin typeface="Arial"/>
+                <a:ea typeface="+mn-ea"/>
+                <a:cs typeface="+mn-cs"/>
+              </a:rPr>
+              <a:pPr>
+                <a:spcAft>
+                  <a:spcPts val="600"/>
+                </a:spcAft>
+                <a:defRPr/>
+              </a:pPr>
+              <a:t>2</a:t>
+            </a:fld>
+            <a:endParaRPr lang="de-DE" kern="1200" baseline="0">
+              <a:latin typeface="Arial"/>
+              <a:ea typeface="+mn-ea"/>
+              <a:cs typeface="+mn-cs"/>
+            </a:endParaRPr>
+          </a:p>
+        </p:txBody>
+      </p:sp>
+    </p:spTree>
+    <p:extLst>
+      <p:ext uri="{BB962C8B-B14F-4D97-AF65-F5344CB8AC3E}">
+        <p14:creationId xmlns:p14="http://schemas.microsoft.com/office/powerpoint/2010/main" val="3639027862"/>
+      </p:ext>
+    </p:extLst>
+  </p:cSld>
+  <p:clrMapOvr>
+    <a:masterClrMapping/>
+  </p:clrMapOvr>
+</p:sld>
+</file>
+
+<file path=ppt/slides/slide3.xml><?xml version="1.0" encoding="utf-8"?>
+<p:sld xmlns:a="http://schemas.openxmlformats.org/drawingml/2006/main" xmlns:r="http://schemas.openxmlformats.org/officeDocument/2006/relationships" xmlns:p="http://schemas.openxmlformats.org/presentationml/2006/main">
+  <p:cSld>
+    <p:spTree>
+      <p:nvGrpSpPr>
+        <p:cNvPr id="1" name="">
+          <a:extLst>
+            <a:ext uri="{FF2B5EF4-FFF2-40B4-BE49-F238E27FC236}">
+              <a16:creationId xmlns:a16="http://schemas.microsoft.com/office/drawing/2014/main" id="{DBD8FC8F-F393-8372-5AB9-9E173A3BFB66}"/>
+            </a:ext>
+          </a:extLst>
+        </p:cNvPr>
+        <p:cNvGrpSpPr/>
+        <p:nvPr/>
+      </p:nvGrpSpPr>
+      <p:grpSpPr>
+        <a:xfrm>
+          <a:off x="0" y="0"/>
+          <a:ext cx="0" cy="0"/>
+          <a:chOff x="0" y="0"/>
+          <a:chExt cx="0" cy="0"/>
+        </a:xfrm>
+      </p:grpSpPr>
+      <p:sp>
+        <p:nvSpPr>
+          <p:cNvPr id="2" name="Textfeld 1">
+            <a:extLst>
+              <a:ext uri="{FF2B5EF4-FFF2-40B4-BE49-F238E27FC236}">
+                <a16:creationId xmlns:a16="http://schemas.microsoft.com/office/drawing/2014/main" id="{0B0A9DD4-EDE4-5E6A-C0F4-C3D38B2EC956}"/>
+              </a:ext>
+            </a:extLst>
+          </p:cNvPr>
+          <p:cNvSpPr txBox="1"/>
+          <p:nvPr/>
+        </p:nvSpPr>
+        <p:spPr bwMode="auto">
+          <a:xfrm>
+            <a:off x="649288" y="1771651"/>
+            <a:ext cx="5401253" cy="4739759"/>
+          </a:xfrm>
+          <a:prstGeom prst="rect">
+            <a:avLst/>
+          </a:prstGeom>
+          <a:noFill/>
+          <a:ln>
+            <a:noFill/>
+          </a:ln>
+          <a:extLst>
+            <a:ext uri="{909E8E84-426E-40dd-AFC4-6F175D3DCCD1}">
+              <a14:hiddenFill xmlns="" xmlns:a14="http://schemas.microsoft.com/office/drawing/2010/main">
+                <a:solidFill>
+                  <a:srgbClr val="FFFFFF"/>
+                </a:solidFill>
+              </a14:hiddenFill>
+            </a:ext>
+            <a:ext uri="{91240B29-F687-4f45-9708-019B960494DF}">
+              <a14:hiddenLine xmlns="" xmlns:a14="http://schemas.microsoft.com/office/drawing/2010/main" w="9525">
+                <a:solidFill>
+                  <a:srgbClr val="000000"/>
+                </a:solidFill>
+                <a:miter lim="800000"/>
+                <a:headEnd/>
+                <a:tailEnd/>
+              </a14:hiddenLine>
+            </a:ext>
+            <a:ext uri="{FAA26D3D-D897-4be2-8F04-BA451C77F1D7}">
+              <ma14:placeholderFlag xmlns="" xmlns:ma14="http://schemas.microsoft.com/office/mac/drawingml/2011/main" val="1"/>
+            </a:ext>
+          </a:extLst>
+        </p:spPr>
+        <p:txBody>
+          <a:bodyPr vert="horz" wrap="square" lIns="0" tIns="0" rIns="0" bIns="0" numCol="1" rtlCol="0" anchor="t" anchorCtr="0" compatLnSpc="1">
+            <a:prstTxWarp prst="textNoShape">
+              <a:avLst/>
+            </a:prstTxWarp>
+            <a:normAutofit/>
+          </a:bodyPr>
+          <a:lstStyle/>
+          <a:p>
+            <a:pPr indent="360000" defTabSz="457200" fontAlgn="base">
               <a:lnSpc>
                 <a:spcPct val="150000"/>
               </a:lnSpc>
@@ -6895,18 +8745,18 @@
               </a:spcAft>
               <a:buSzPct val="100000"/>
               <a:buBlip>
-                <a:blip r:embed="rId3"/>
+                <a:blip r:embed="rId2"/>
               </a:buBlip>
             </a:pPr>
             <a:r>
-              <a:rPr lang="de-DE" sz="1600" kern="0" dirty="0">
+              <a:rPr lang="de-DE" sz="1600" b="1" kern="0" dirty="0">
                 <a:ea typeface="ＭＳ Ｐゴシック" charset="0"/>
               </a:rPr>
-              <a:t>Trigger einbauen</a:t>
-            </a:r>
-          </a:p>
-          <a:p>
-            <a:pPr marL="457200" lvl="2" indent="360000" defTabSz="457200" fontAlgn="base">
+              <a:t>Prototyp-Entwicklung</a:t>
+            </a:r>
+          </a:p>
+          <a:p>
+            <a:pPr lvl="1" indent="360000" defTabSz="457200" fontAlgn="base">
               <a:lnSpc>
                 <a:spcPct val="150000"/>
               </a:lnSpc>
@@ -6915,18 +8765,27 @@
               </a:spcAft>
               <a:buSzPct val="100000"/>
               <a:buBlip>
-                <a:blip r:embed="rId3"/>
+                <a:blip r:embed="rId2"/>
               </a:buBlip>
             </a:pPr>
             <a:r>
-              <a:rPr lang="de-DE" sz="1600" kern="0" dirty="0">
+              <a:rPr lang="de-DE" sz="1600" b="1" kern="0" dirty="0">
                 <a:ea typeface="ＭＳ Ｐゴシック" charset="0"/>
               </a:rPr>
-              <a:t>Hyperparameter Tuning automatisieren</a:t>
-            </a:r>
-          </a:p>
-          <a:p>
-            <a:pPr marL="457200" lvl="2" indent="360000" defTabSz="457200" fontAlgn="base">
+              <a:t>Erste Maze </a:t>
+            </a:r>
+            <a:r>
+              <a:rPr lang="de-DE" sz="1600" b="1" kern="0" dirty="0" err="1">
+                <a:ea typeface="ＭＳ Ｐゴシック" charset="0"/>
+              </a:rPr>
+              <a:t>Map</a:t>
+            </a:r>
+            <a:endParaRPr lang="de-DE" sz="1600" b="1" kern="0" dirty="0">
+              <a:ea typeface="ＭＳ Ｐゴシック" charset="0"/>
+            </a:endParaRPr>
+          </a:p>
+          <a:p>
+            <a:pPr lvl="1" indent="360000" defTabSz="457200" fontAlgn="base">
               <a:lnSpc>
                 <a:spcPct val="150000"/>
               </a:lnSpc>
@@ -6935,14 +8794,135 @@
               </a:spcAft>
               <a:buSzPct val="100000"/>
               <a:buBlip>
-                <a:blip r:embed="rId3"/>
+                <a:blip r:embed="rId2"/>
               </a:buBlip>
             </a:pPr>
             <a:r>
-              <a:rPr lang="de-DE" sz="1600" kern="0" dirty="0">
+              <a:rPr lang="de-DE" sz="1600" b="1" kern="0" dirty="0">
                 <a:ea typeface="ＭＳ Ｐゴシック" charset="0"/>
               </a:rPr>
-              <a:t>API robuster bauen</a:t>
+              <a:t>Steuerung eines einfachen Roboters von Punkt A nach Punkt B</a:t>
+            </a:r>
+          </a:p>
+          <a:p>
+            <a:pPr lvl="1" indent="360000" defTabSz="457200" fontAlgn="base">
+              <a:lnSpc>
+                <a:spcPct val="150000"/>
+              </a:lnSpc>
+              <a:spcAft>
+                <a:spcPts val="600"/>
+              </a:spcAft>
+              <a:buSzPct val="100000"/>
+              <a:buBlip>
+                <a:blip r:embed="rId2"/>
+              </a:buBlip>
+            </a:pPr>
+            <a:r>
+              <a:rPr lang="de-DE" sz="1600" b="1" kern="0" dirty="0">
+                <a:ea typeface="ＭＳ Ｐゴシック" charset="0"/>
+              </a:rPr>
+              <a:t>Hindernisse zum Umgehen</a:t>
+            </a:r>
+          </a:p>
+          <a:p>
+            <a:pPr lvl="1" indent="360000" defTabSz="457200" fontAlgn="base">
+              <a:lnSpc>
+                <a:spcPct val="150000"/>
+              </a:lnSpc>
+              <a:spcAft>
+                <a:spcPts val="600"/>
+              </a:spcAft>
+              <a:buSzPct val="100000"/>
+              <a:buBlip>
+                <a:blip r:embed="rId2"/>
+              </a:buBlip>
+            </a:pPr>
+            <a:r>
+              <a:rPr lang="de-DE" sz="1600" b="1" kern="0" dirty="0">
+                <a:ea typeface="ＭＳ Ｐゴシック" charset="0"/>
+              </a:rPr>
+              <a:t>Roboter Animation</a:t>
+            </a:r>
+          </a:p>
+          <a:p>
+            <a:pPr lvl="1" indent="360000" defTabSz="457200" fontAlgn="base">
+              <a:lnSpc>
+                <a:spcPct val="150000"/>
+              </a:lnSpc>
+              <a:spcAft>
+                <a:spcPts val="600"/>
+              </a:spcAft>
+              <a:buSzPct val="100000"/>
+              <a:buBlip>
+                <a:blip r:embed="rId2"/>
+              </a:buBlip>
+            </a:pPr>
+            <a:r>
+              <a:rPr lang="de-DE" sz="1600" b="1" kern="0" dirty="0" err="1">
+                <a:ea typeface="ＭＳ Ｐゴシック" charset="0"/>
+              </a:rPr>
+              <a:t>GameUI</a:t>
+            </a:r>
+            <a:r>
+              <a:rPr lang="de-DE" sz="1600" b="1" kern="0" dirty="0">
+                <a:ea typeface="ＭＳ Ｐゴシック" charset="0"/>
+              </a:rPr>
+              <a:t> (Time, FPS, Restart mit R)</a:t>
+            </a:r>
+          </a:p>
+          <a:p>
+            <a:pPr lvl="1" indent="360000" defTabSz="457200" fontAlgn="base">
+              <a:lnSpc>
+                <a:spcPct val="150000"/>
+              </a:lnSpc>
+              <a:spcAft>
+                <a:spcPts val="600"/>
+              </a:spcAft>
+              <a:buSzPct val="100000"/>
+              <a:buBlip>
+                <a:blip r:embed="rId2"/>
+              </a:buBlip>
+            </a:pPr>
+            <a:r>
+              <a:rPr lang="de-DE" sz="1600" b="1" kern="0" dirty="0" err="1">
+                <a:ea typeface="ＭＳ Ｐゴシック" charset="0"/>
+              </a:rPr>
+              <a:t>Collision</a:t>
+            </a:r>
+            <a:r>
+              <a:rPr lang="de-DE" sz="1600" b="1" kern="0" dirty="0">
+                <a:ea typeface="ＭＳ Ｐゴシック" charset="0"/>
+              </a:rPr>
+              <a:t> </a:t>
+            </a:r>
+            <a:r>
+              <a:rPr lang="de-DE" sz="1600" b="1" kern="0" dirty="0" err="1">
+                <a:ea typeface="ＭＳ Ｐゴシック" charset="0"/>
+              </a:rPr>
+              <a:t>Detection</a:t>
+            </a:r>
+            <a:endParaRPr lang="de-DE" sz="1600" b="1" kern="0" dirty="0">
+              <a:ea typeface="ＭＳ Ｐゴシック" charset="0"/>
+            </a:endParaRPr>
+          </a:p>
+          <a:p>
+            <a:pPr lvl="1" indent="360000" defTabSz="457200" fontAlgn="base">
+              <a:lnSpc>
+                <a:spcPct val="150000"/>
+              </a:lnSpc>
+              <a:spcAft>
+                <a:spcPts val="600"/>
+              </a:spcAft>
+              <a:buSzPct val="100000"/>
+              <a:buBlip>
+                <a:blip r:embed="rId2"/>
+              </a:buBlip>
+            </a:pPr>
+            <a:r>
+              <a:rPr lang="de-DE" sz="1600" b="1" kern="0" dirty="0">
+                <a:ea typeface="ＭＳ Ｐゴシック" charset="0"/>
+              </a:rPr>
+              <a:t>Bei jeden Run wird Maze, Start und Ziel zufällig generiert</a:t>
             </a:r>
           </a:p>
         </p:txBody>
@@ -6952,7 +8932,7 @@
           <p:cNvPr id="5" name="Titel 4">
             <a:extLst>
               <a:ext uri="{FF2B5EF4-FFF2-40B4-BE49-F238E27FC236}">
-                <a16:creationId xmlns:a16="http://schemas.microsoft.com/office/drawing/2014/main" id="{0333FAC5-36A1-FFDD-3F20-96B8199D3804}"/>
+                <a16:creationId xmlns:a16="http://schemas.microsoft.com/office/drawing/2014/main" id="{DF025485-2640-0A20-E03A-08E97F403222}"/>
               </a:ext>
             </a:extLst>
           </p:cNvPr>
@@ -6984,22 +8964,22 @@
               </a:lnSpc>
             </a:pPr>
             <a:r>
-              <a:rPr lang="de-DE" i="1">
+              <a:rPr lang="de-DE" i="1" dirty="0">
                 <a:latin typeface="+mj-lt"/>
                 <a:ea typeface="ＭＳ Ｐゴシック" charset="0"/>
                 <a:cs typeface="ＭＳ Ｐゴシック" charset="0"/>
               </a:rPr>
-              <a:t>Fazit &amp; Ausblick</a:t>
-            </a:r>
-          </a:p>
-        </p:txBody>
-      </p:sp>
-      <p:sp>
-        <p:nvSpPr>
-          <p:cNvPr id="1067" name="Subtitle 4">
+              <a:t>Erste Schritte</a:t>
+            </a:r>
+          </a:p>
+        </p:txBody>
+      </p:sp>
+      <p:sp>
+        <p:nvSpPr>
+          <p:cNvPr id="1080" name="Subtitle 4">
             <a:extLst>
               <a:ext uri="{FF2B5EF4-FFF2-40B4-BE49-F238E27FC236}">
-                <a16:creationId xmlns:a16="http://schemas.microsoft.com/office/drawing/2014/main" id="{50E0BF9D-F5CF-7856-B726-25A037353468}"/>
+                <a16:creationId xmlns:a16="http://schemas.microsoft.com/office/drawing/2014/main" id="{E5ACD407-E78B-79BB-F787-E1482FD79143}"/>
               </a:ext>
             </a:extLst>
           </p:cNvPr>
@@ -7020,16 +9000,19 @@
           <a:bodyPr/>
           <a:lstStyle/>
           <a:p>
-            <a:endParaRPr lang="en-US"/>
-          </a:p>
-        </p:txBody>
-      </p:sp>
-      <p:sp>
-        <p:nvSpPr>
-          <p:cNvPr id="1068" name="Text Placeholder 5">
+            <a:r>
+              <a:rPr lang="en-US" dirty="0"/>
+              <a:t>Saad</a:t>
+            </a:r>
+          </a:p>
+        </p:txBody>
+      </p:sp>
+      <p:sp>
+        <p:nvSpPr>
+          <p:cNvPr id="1082" name="Text Placeholder 5">
             <a:extLst>
               <a:ext uri="{FF2B5EF4-FFF2-40B4-BE49-F238E27FC236}">
-                <a16:creationId xmlns:a16="http://schemas.microsoft.com/office/drawing/2014/main" id="{BDF9B31D-876A-40D4-8CFA-9F2495828C74}"/>
+                <a16:creationId xmlns:a16="http://schemas.microsoft.com/office/drawing/2014/main" id="{D4BB574F-6A71-D0D8-703C-E19FA2F79AB7}"/>
               </a:ext>
             </a:extLst>
           </p:cNvPr>
@@ -7059,7 +9042,7 @@
           <p:cNvPr id="7" name="Foliennummernplatzhalter 6">
             <a:extLst>
               <a:ext uri="{FF2B5EF4-FFF2-40B4-BE49-F238E27FC236}">
-                <a16:creationId xmlns:a16="http://schemas.microsoft.com/office/drawing/2014/main" id="{8B57E60E-E7DF-E8B1-9C2B-5F5C7FDA49AC}"/>
+                <a16:creationId xmlns:a16="http://schemas.microsoft.com/office/drawing/2014/main" id="{372BD5FE-A172-2778-90C6-7FD2B1E51056}"/>
               </a:ext>
             </a:extLst>
           </p:cNvPr>
@@ -7110,10 +9093,46 @@
           </a:p>
         </p:txBody>
       </p:sp>
+      <p:pic>
+        <p:nvPicPr>
+          <p:cNvPr id="6" name="Grafik 5" descr="Ein Bild, das Quadrat, Screenshot, Pixel, Mosaik enthält.&#10;&#10;Automatisch generierte Beschreibung">
+            <a:extLst>
+              <a:ext uri="{FF2B5EF4-FFF2-40B4-BE49-F238E27FC236}">
+                <a16:creationId xmlns:a16="http://schemas.microsoft.com/office/drawing/2014/main" id="{269D7FC8-72D3-1137-5DFE-6C98E1683089}"/>
+              </a:ext>
+            </a:extLst>
+          </p:cNvPr>
+          <p:cNvPicPr>
+            <a:picLocks noChangeAspect="1"/>
+          </p:cNvPicPr>
+          <p:nvPr/>
+        </p:nvPicPr>
+        <p:blipFill>
+          <a:blip r:embed="rId3">
+            <a:extLst>
+              <a:ext uri="{28A0092B-C50C-407E-A947-70E740481C1C}">
+                <a14:useLocalDpi xmlns:a14="http://schemas.microsoft.com/office/drawing/2010/main" val="0"/>
+              </a:ext>
+            </a:extLst>
+          </a:blip>
+          <a:stretch>
+            <a:fillRect/>
+          </a:stretch>
+        </p:blipFill>
+        <p:spPr>
+          <a:xfrm>
+            <a:off x="6804663" y="1548723"/>
+            <a:ext cx="4388318" cy="4388318"/>
+          </a:xfrm>
+          <a:prstGeom prst="rect">
+            <a:avLst/>
+          </a:prstGeom>
+        </p:spPr>
+      </p:pic>
     </p:spTree>
     <p:extLst>
       <p:ext uri="{BB962C8B-B14F-4D97-AF65-F5344CB8AC3E}">
-        <p14:creationId xmlns:p14="http://schemas.microsoft.com/office/powerpoint/2010/main" val="3639027862"/>
+        <p14:creationId xmlns:p14="http://schemas.microsoft.com/office/powerpoint/2010/main" val="1159374136"/>
       </p:ext>
     </p:extLst>
   </p:cSld>
@@ -7131,7 +9150,7 @@
         <p:cNvPr id="1" name="">
           <a:extLst>
             <a:ext uri="{FF2B5EF4-FFF2-40B4-BE49-F238E27FC236}">
-              <a16:creationId xmlns:a16="http://schemas.microsoft.com/office/drawing/2014/main" id="{1D5CD235-9871-F9A8-58E5-A62E62D4426A}"/>
+              <a16:creationId xmlns:a16="http://schemas.microsoft.com/office/drawing/2014/main" id="{D6C5B635-0911-F3D2-935E-14C14D183748}"/>
             </a:ext>
           </a:extLst>
         </p:cNvPr>
@@ -7148,204 +9167,228 @@
       </p:grpSpPr>
       <p:sp>
         <p:nvSpPr>
-          <p:cNvPr id="2" name="Textplatzhalter 1">
+          <p:cNvPr id="2" name="Textfeld 1">
             <a:extLst>
               <a:ext uri="{FF2B5EF4-FFF2-40B4-BE49-F238E27FC236}">
-                <a16:creationId xmlns:a16="http://schemas.microsoft.com/office/drawing/2014/main" id="{58B393CA-9716-4340-53B2-4D5049B151A7}"/>
+                <a16:creationId xmlns:a16="http://schemas.microsoft.com/office/drawing/2014/main" id="{8960D2F3-E570-FB45-F94A-043626EA4E06}"/>
               </a:ext>
             </a:extLst>
           </p:cNvPr>
-          <p:cNvSpPr>
-            <a:spLocks noGrp="1"/>
-          </p:cNvSpPr>
-          <p:nvPr>
-            <p:ph type="body" sz="quarter" idx="15"/>
-          </p:nvPr>
-        </p:nvSpPr>
-        <p:spPr>
-          <a:xfrm>
-            <a:off x="632038" y="1487241"/>
-            <a:ext cx="9515162" cy="4740451"/>
-          </a:xfrm>
-        </p:spPr>
-        <p:txBody>
-          <a:bodyPr/>
+          <p:cNvSpPr txBox="1"/>
+          <p:nvPr/>
+        </p:nvSpPr>
+        <p:spPr bwMode="auto">
+          <a:xfrm>
+            <a:off x="649288" y="1771651"/>
+            <a:ext cx="5401253" cy="4739759"/>
+          </a:xfrm>
+          <a:prstGeom prst="rect">
+            <a:avLst/>
+          </a:prstGeom>
+          <a:noFill/>
+          <a:ln>
+            <a:noFill/>
+          </a:ln>
+          <a:extLst>
+            <a:ext uri="{909E8E84-426E-40dd-AFC4-6F175D3DCCD1}">
+              <a14:hiddenFill xmlns="" xmlns:a14="http://schemas.microsoft.com/office/drawing/2010/main">
+                <a:solidFill>
+                  <a:srgbClr val="FFFFFF"/>
+                </a:solidFill>
+              </a14:hiddenFill>
+            </a:ext>
+            <a:ext uri="{91240B29-F687-4f45-9708-019B960494DF}">
+              <a14:hiddenLine xmlns="" xmlns:a14="http://schemas.microsoft.com/office/drawing/2010/main" w="9525">
+                <a:solidFill>
+                  <a:srgbClr val="000000"/>
+                </a:solidFill>
+                <a:miter lim="800000"/>
+                <a:headEnd/>
+                <a:tailEnd/>
+              </a14:hiddenLine>
+            </a:ext>
+            <a:ext uri="{FAA26D3D-D897-4be2-8F04-BA451C77F1D7}">
+              <ma14:placeholderFlag xmlns="" xmlns:ma14="http://schemas.microsoft.com/office/mac/drawingml/2011/main" val="1"/>
+            </a:ext>
+          </a:extLst>
+        </p:spPr>
+        <p:txBody>
+          <a:bodyPr vert="horz" wrap="square" lIns="0" tIns="0" rIns="0" bIns="0" numCol="1" rtlCol="0" anchor="t" anchorCtr="0" compatLnSpc="1">
+            <a:prstTxWarp prst="textNoShape">
+              <a:avLst/>
+            </a:prstTxWarp>
+            <a:normAutofit/>
+          </a:bodyPr>
           <a:lstStyle/>
           <a:p>
-            <a:pPr>
-              <a:buFont typeface="+mj-lt"/>
-              <a:buAutoNum type="arabicPeriod"/>
+            <a:pPr indent="360000" defTabSz="457200" fontAlgn="base">
+              <a:lnSpc>
+                <a:spcPct val="150000"/>
+              </a:lnSpc>
+              <a:spcAft>
+                <a:spcPts val="600"/>
+              </a:spcAft>
+              <a:buSzPct val="100000"/>
+              <a:buBlip>
+                <a:blip r:embed="rId2"/>
+              </a:buBlip>
             </a:pPr>
             <a:r>
-              <a:rPr lang="de-DE" dirty="0">
-                <a:hlinkClick r:id="rId2"/>
+              <a:rPr lang="de-DE" sz="1600" b="1" kern="0" dirty="0">
+                <a:ea typeface="ＭＳ Ｐゴシック" charset="0"/>
               </a:rPr>
-              <a:t>https://cloud.google.com/blog/topics/developers-practitioners/pytorch-google-cloud-how-train-and-tune-pytorch-models-vertex-ai?hl=en</a:t>
-            </a:r>
-            <a:endParaRPr lang="de-DE" dirty="0"/>
-          </a:p>
-          <a:p>
-            <a:pPr>
-              <a:buFont typeface="+mj-lt"/>
-              <a:buAutoNum type="arabicPeriod"/>
+              <a:t>Ordnerstruktur angepasst</a:t>
+            </a:r>
+          </a:p>
+          <a:p>
+            <a:pPr indent="360000" defTabSz="457200" fontAlgn="base">
+              <a:lnSpc>
+                <a:spcPct val="150000"/>
+              </a:lnSpc>
+              <a:spcAft>
+                <a:spcPts val="600"/>
+              </a:spcAft>
+              <a:buSzPct val="100000"/>
+              <a:buBlip>
+                <a:blip r:embed="rId2"/>
+              </a:buBlip>
             </a:pPr>
             <a:r>
-              <a:rPr lang="de-DE" dirty="0">
-                <a:hlinkClick r:id="rId3"/>
+              <a:rPr lang="de-DE" sz="1600" b="1" kern="0" dirty="0">
+                <a:ea typeface="ＭＳ Ｐゴシック" charset="0"/>
               </a:rPr>
-              <a:t>https://cloud.google.com/vertex-ai/docs/training/pre-built-containers#pytorch</a:t>
-            </a:r>
-            <a:endParaRPr lang="de-DE" dirty="0"/>
-          </a:p>
-          <a:p>
-            <a:pPr>
-              <a:buFont typeface="+mj-lt"/>
-              <a:buAutoNum type="arabicPeriod"/>
+              <a:t>Implementierung</a:t>
+            </a:r>
+          </a:p>
+          <a:p>
+            <a:pPr lvl="1" indent="360000" defTabSz="457200" fontAlgn="base">
+              <a:lnSpc>
+                <a:spcPct val="150000"/>
+              </a:lnSpc>
+              <a:spcAft>
+                <a:spcPts val="600"/>
+              </a:spcAft>
+              <a:buSzPct val="100000"/>
+              <a:buBlip>
+                <a:blip r:embed="rId2"/>
+              </a:buBlip>
             </a:pPr>
             <a:r>
-              <a:rPr lang="de-DE" dirty="0">
-                <a:hlinkClick r:id="rId4"/>
+              <a:rPr lang="de-DE" sz="1600" b="1" kern="0" dirty="0">
+                <a:ea typeface="ＭＳ Ｐゴシック" charset="0"/>
               </a:rPr>
-              <a:t>https://docs.ultralytics.com/models/yolo11/</a:t>
-            </a:r>
-            <a:endParaRPr lang="de-DE" dirty="0"/>
-          </a:p>
-          <a:p>
-            <a:pPr>
-              <a:buFont typeface="+mj-lt"/>
-              <a:buAutoNum type="arabicPeriod"/>
+              <a:t>Fixe größere </a:t>
+            </a:r>
+            <a:r>
+              <a:rPr lang="de-DE" sz="1600" b="1" kern="0" dirty="0" err="1">
+                <a:ea typeface="ＭＳ Ｐゴシック" charset="0"/>
+              </a:rPr>
+              <a:t>Map</a:t>
+            </a:r>
+            <a:endParaRPr lang="de-DE" sz="1600" b="1" kern="0" dirty="0">
+              <a:ea typeface="ＭＳ Ｐゴシック" charset="0"/>
+            </a:endParaRPr>
+          </a:p>
+          <a:p>
+            <a:pPr lvl="1" indent="360000" defTabSz="457200" fontAlgn="base">
+              <a:lnSpc>
+                <a:spcPct val="150000"/>
+              </a:lnSpc>
+              <a:spcAft>
+                <a:spcPts val="600"/>
+              </a:spcAft>
+              <a:buSzPct val="100000"/>
+              <a:buBlip>
+                <a:blip r:embed="rId2"/>
+              </a:buBlip>
             </a:pPr>
             <a:r>
-              <a:rPr lang="de-DE" dirty="0">
-                <a:hlinkClick r:id="rId5"/>
+              <a:rPr lang="de-DE" sz="1600" b="1" kern="0" dirty="0">
+                <a:ea typeface="ＭＳ Ｐゴシック" charset="0"/>
               </a:rPr>
-              <a:t>https://pytorch.org/vision/master/models/faster_rcnn.html</a:t>
-            </a:r>
-            <a:endParaRPr lang="de-DE" dirty="0"/>
-          </a:p>
-          <a:p>
-            <a:pPr>
-              <a:buFont typeface="+mj-lt"/>
-              <a:buAutoNum type="arabicPeriod"/>
+              <a:t>Roboter schaut in verschiedene Richtungen</a:t>
+            </a:r>
+          </a:p>
+          <a:p>
+            <a:pPr lvl="1" indent="360000" defTabSz="457200" fontAlgn="base">
+              <a:lnSpc>
+                <a:spcPct val="150000"/>
+              </a:lnSpc>
+              <a:spcAft>
+                <a:spcPts val="600"/>
+              </a:spcAft>
+              <a:buSzPct val="100000"/>
+              <a:buBlip>
+                <a:blip r:embed="rId2"/>
+              </a:buBlip>
             </a:pPr>
             <a:r>
-              <a:rPr lang="de-DE" dirty="0"/>
-              <a:t>https://pytorch.org/vision/master/models/ssdlite.html</a:t>
-            </a:r>
-          </a:p>
-          <a:p>
-            <a:pPr>
-              <a:buFont typeface="+mj-lt"/>
-              <a:buAutoNum type="arabicPeriod"/>
+              <a:rPr lang="de-DE" sz="1600" b="1" kern="0" dirty="0">
+                <a:ea typeface="ＭＳ Ｐゴシック" charset="0"/>
+              </a:rPr>
+              <a:t>Dynamic </a:t>
+            </a:r>
+            <a:r>
+              <a:rPr lang="de-DE" sz="1600" b="1" kern="0" dirty="0" err="1">
+                <a:ea typeface="ＭＳ Ｐゴシック" charset="0"/>
+              </a:rPr>
+              <a:t>Windowing</a:t>
+            </a:r>
+            <a:r>
+              <a:rPr lang="de-DE" sz="1600" b="1" kern="0" dirty="0">
+                <a:ea typeface="ＭＳ Ｐゴシック" charset="0"/>
+              </a:rPr>
+              <a:t> der UI</a:t>
+            </a:r>
+          </a:p>
+          <a:p>
+            <a:pPr lvl="1" indent="360000" defTabSz="457200" fontAlgn="base">
+              <a:lnSpc>
+                <a:spcPct val="150000"/>
+              </a:lnSpc>
+              <a:spcAft>
+                <a:spcPts val="600"/>
+              </a:spcAft>
+              <a:buSzPct val="100000"/>
+              <a:buBlip>
+                <a:blip r:embed="rId2"/>
+              </a:buBlip>
             </a:pPr>
             <a:r>
-              <a:rPr lang="de-DE" dirty="0">
-                <a:hlinkClick r:id="rId6"/>
+              <a:rPr lang="de-DE" sz="1600" b="1" kern="0" dirty="0">
+                <a:ea typeface="ＭＳ Ｐゴシック" charset="0"/>
               </a:rPr>
-              <a:t>https://github.com/GoogleCloudPlatform/vertex-ai-samples/blob/main/community-content/pytorch_text_classification_using_vertex_sdk_and_gcloud/pytorch-text-classification-vertex-ai-train-tune-deploy.ipynb</a:t>
-            </a:r>
-            <a:endParaRPr lang="de-DE" dirty="0"/>
-          </a:p>
-          <a:p>
-            <a:pPr>
-              <a:buFont typeface="+mj-lt"/>
-              <a:buAutoNum type="arabicPeriod"/>
+              <a:t>Dijkstra Algorithmus</a:t>
+            </a:r>
+          </a:p>
+          <a:p>
+            <a:pPr lvl="1" indent="360000" defTabSz="457200" fontAlgn="base">
+              <a:lnSpc>
+                <a:spcPct val="150000"/>
+              </a:lnSpc>
+              <a:spcAft>
+                <a:spcPts val="600"/>
+              </a:spcAft>
+              <a:buSzPct val="100000"/>
+              <a:buBlip>
+                <a:blip r:embed="rId2"/>
+              </a:buBlip>
             </a:pPr>
             <a:r>
-              <a:rPr lang="de-DE" dirty="0"/>
-              <a:t>https://github.com/GoogleCloudPlatform/vertex-ai-samples/blob/main/community-content/pytorch_text_classification_using_vertex_sdk_and_gcloud/pytorch-text-classification-vertex-ai-pipelines.ipynb</a:t>
-            </a:r>
-          </a:p>
-          <a:p>
-            <a:pPr>
-              <a:buFont typeface="+mj-lt"/>
-              <a:buAutoNum type="arabicPeriod"/>
-            </a:pPr>
-            <a:r>
-              <a:rPr lang="de-DE" dirty="0">
-                <a:hlinkClick r:id="rId7"/>
+              <a:rPr lang="de-DE" sz="1600" b="1" kern="0" dirty="0">
+                <a:ea typeface="ＭＳ Ｐゴシック" charset="0"/>
               </a:rPr>
-              <a:t>https://medium.com/@oredata-engineering/yolov8-deployment-on-vertex-ai-endpoints-1a79fd1d4ae0</a:t>
-            </a:r>
-            <a:endParaRPr lang="de-DE" dirty="0"/>
-          </a:p>
-          <a:p>
-            <a:pPr>
-              <a:buFont typeface="+mj-lt"/>
-              <a:buAutoNum type="arabicPeriod"/>
-            </a:pPr>
-            <a:r>
-              <a:rPr lang="de-DE" dirty="0">
-                <a:hlinkClick r:id="rId8"/>
-              </a:rPr>
-              <a:t>https://cloud.google.com/vertex-ai/docs/start/training-guide</a:t>
-            </a:r>
-            <a:endParaRPr lang="de-DE" dirty="0"/>
-          </a:p>
-          <a:p>
-            <a:pPr>
-              <a:buFont typeface="+mj-lt"/>
-              <a:buAutoNum type="arabicPeriod"/>
-            </a:pPr>
-            <a:r>
-              <a:rPr lang="de-DE" dirty="0"/>
-              <a:t>https://flask.palletsprojects.com/en/stable/quickstart/#a-minimal-application</a:t>
-            </a:r>
-          </a:p>
-          <a:p>
-            <a:pPr>
-              <a:buFont typeface="+mj-lt"/>
-              <a:buAutoNum type="arabicPeriod"/>
-            </a:pPr>
-            <a:r>
-              <a:rPr lang="de-DE" dirty="0">
-                <a:hlinkClick r:id="rId9"/>
-              </a:rPr>
-              <a:t>https://medium.com/google-cloud/how-to-train-custom-model-and-deploy-on-vertex-ai-b6ee6f1c529d</a:t>
-            </a:r>
-            <a:endParaRPr lang="de-DE" dirty="0"/>
-          </a:p>
-          <a:p>
-            <a:pPr>
-              <a:buFont typeface="+mj-lt"/>
-              <a:buAutoNum type="arabicPeriod"/>
-            </a:pPr>
-            <a:r>
-              <a:rPr lang="de-DE" dirty="0">
-                <a:hlinkClick r:id="rId10"/>
-              </a:rPr>
-              <a:t>https://cloud.google.com/vertex-ai/docs/pipelines/migrate-kfp?hl=de</a:t>
-            </a:r>
-            <a:endParaRPr lang="de-DE" dirty="0"/>
-          </a:p>
-          <a:p>
-            <a:pPr>
-              <a:buFont typeface="+mj-lt"/>
-              <a:buAutoNum type="arabicPeriod"/>
-            </a:pPr>
-            <a:r>
-              <a:rPr lang="de-DE" dirty="0"/>
-              <a:t>https://cloud.google.com/vertex-ai/docs/pipelines/build-pipeline?hl=de</a:t>
-            </a:r>
-          </a:p>
-          <a:p>
-            <a:pPr>
-              <a:buFont typeface="+mj-lt"/>
-              <a:buAutoNum type="arabicPeriod"/>
-            </a:pPr>
-            <a:r>
-              <a:rPr lang="de-DE" dirty="0"/>
-              <a:t>https://docs.streamlit.io/</a:t>
-            </a:r>
-          </a:p>
-        </p:txBody>
-      </p:sp>
-      <p:sp>
-        <p:nvSpPr>
-          <p:cNvPr id="4" name="Textplatzhalter 3">
+              <a:t>Deep Q Learning</a:t>
+            </a:r>
+          </a:p>
+        </p:txBody>
+      </p:sp>
+      <p:sp>
+        <p:nvSpPr>
+          <p:cNvPr id="5" name="Titel 4">
             <a:extLst>
               <a:ext uri="{FF2B5EF4-FFF2-40B4-BE49-F238E27FC236}">
-                <a16:creationId xmlns:a16="http://schemas.microsoft.com/office/drawing/2014/main" id="{7A50E6CA-7317-9A7F-8114-A78197E6F73A}"/>
+                <a16:creationId xmlns:a16="http://schemas.microsoft.com/office/drawing/2014/main" id="{572FF1F0-F8BF-AAE0-6B74-D8B3C052258A}"/>
               </a:ext>
             </a:extLst>
           </p:cNvPr>
@@ -7353,24 +9396,46 @@
             <a:spLocks noGrp="1"/>
           </p:cNvSpPr>
           <p:nvPr>
-            <p:ph type="body" sz="quarter" idx="17"/>
+            <p:ph type="title"/>
           </p:nvPr>
         </p:nvSpPr>
-        <p:spPr/>
-        <p:txBody>
-          <a:bodyPr/>
+        <p:spPr>
+          <a:xfrm>
+            <a:off x="393600" y="406800"/>
+            <a:ext cx="9753600" cy="327600"/>
+          </a:xfrm>
+        </p:spPr>
+        <p:txBody>
+          <a:bodyPr vert="horz" wrap="square" lIns="0" tIns="0" rIns="0" bIns="0" numCol="1" rtlCol="0" anchor="ctr" anchorCtr="0" compatLnSpc="1">
+            <a:prstTxWarp prst="textNoShape">
+              <a:avLst/>
+            </a:prstTxWarp>
+            <a:normAutofit/>
+          </a:bodyPr>
           <a:lstStyle/>
           <a:p>
-            <a:endParaRPr lang="de-DE"/>
-          </a:p>
-        </p:txBody>
-      </p:sp>
-      <p:sp>
-        <p:nvSpPr>
-          <p:cNvPr id="5" name="Titel 4">
+            <a:pPr>
+              <a:lnSpc>
+                <a:spcPct val="90000"/>
+              </a:lnSpc>
+            </a:pPr>
+            <a:r>
+              <a:rPr lang="de-DE" i="1" dirty="0">
+                <a:latin typeface="+mj-lt"/>
+                <a:ea typeface="ＭＳ Ｐゴシック" charset="0"/>
+                <a:cs typeface="ＭＳ Ｐゴシック" charset="0"/>
+              </a:rPr>
+              <a:t>Implementierung</a:t>
+            </a:r>
+          </a:p>
+        </p:txBody>
+      </p:sp>
+      <p:sp>
+        <p:nvSpPr>
+          <p:cNvPr id="1080" name="Subtitle 4">
             <a:extLst>
               <a:ext uri="{FF2B5EF4-FFF2-40B4-BE49-F238E27FC236}">
-                <a16:creationId xmlns:a16="http://schemas.microsoft.com/office/drawing/2014/main" id="{624DF58D-2A9C-4E99-3094-C23D7D47FDCD}"/>
+                <a16:creationId xmlns:a16="http://schemas.microsoft.com/office/drawing/2014/main" id="{F6911EEA-62CE-78E5-AAA7-1BE0E02F1150}"/>
               </a:ext>
             </a:extLst>
           </p:cNvPr>
@@ -7378,30 +9443,32 @@
             <a:spLocks noGrp="1"/>
           </p:cNvSpPr>
           <p:nvPr>
-            <p:ph type="title"/>
+            <p:ph type="subTitle" idx="1"/>
           </p:nvPr>
         </p:nvSpPr>
-        <p:spPr/>
-        <p:txBody>
-          <a:bodyPr>
-            <a:noAutofit/>
-          </a:bodyPr>
+        <p:spPr>
+          <a:xfrm>
+            <a:off x="393600" y="745067"/>
+            <a:ext cx="9753600" cy="342054"/>
+          </a:xfrm>
+        </p:spPr>
+        <p:txBody>
+          <a:bodyPr/>
           <a:lstStyle/>
           <a:p>
             <a:r>
-              <a:rPr lang="de-DE" dirty="0"/>
-              <a:t>Quellen</a:t>
-            </a:r>
-            <a:endParaRPr lang="de-DE" u="sng" dirty="0"/>
-          </a:p>
-        </p:txBody>
-      </p:sp>
-      <p:sp>
-        <p:nvSpPr>
-          <p:cNvPr id="6" name="Untertitel 5">
+              <a:rPr lang="en-US" dirty="0"/>
+              <a:t>Truong</a:t>
+            </a:r>
+          </a:p>
+        </p:txBody>
+      </p:sp>
+      <p:sp>
+        <p:nvSpPr>
+          <p:cNvPr id="1082" name="Text Placeholder 5">
             <a:extLst>
               <a:ext uri="{FF2B5EF4-FFF2-40B4-BE49-F238E27FC236}">
-                <a16:creationId xmlns:a16="http://schemas.microsoft.com/office/drawing/2014/main" id="{D05E7819-3180-D5A0-0E00-1613D1A6C1C8}"/>
+                <a16:creationId xmlns:a16="http://schemas.microsoft.com/office/drawing/2014/main" id="{E27787B1-8AB2-1DC6-8C68-91A8102F6BE6}"/>
               </a:ext>
             </a:extLst>
           </p:cNvPr>
@@ -7409,15 +9476,20 @@
             <a:spLocks noGrp="1"/>
           </p:cNvSpPr>
           <p:nvPr>
-            <p:ph type="subTitle" idx="1"/>
+            <p:ph type="body" sz="quarter" idx="17"/>
           </p:nvPr>
         </p:nvSpPr>
-        <p:spPr/>
+        <p:spPr>
+          <a:xfrm>
+            <a:off x="6308422" y="6398644"/>
+            <a:ext cx="5380801" cy="112766"/>
+          </a:xfrm>
+        </p:spPr>
         <p:txBody>
           <a:bodyPr/>
           <a:lstStyle/>
           <a:p>
-            <a:endParaRPr lang="de-DE"/>
+            <a:endParaRPr lang="en-US"/>
           </a:p>
         </p:txBody>
       </p:sp>
@@ -7426,7 +9498,7 @@
           <p:cNvPr id="7" name="Foliennummernplatzhalter 6">
             <a:extLst>
               <a:ext uri="{FF2B5EF4-FFF2-40B4-BE49-F238E27FC236}">
-                <a16:creationId xmlns:a16="http://schemas.microsoft.com/office/drawing/2014/main" id="{B5A908C0-6AFA-9C31-96FF-4B0ECD634C8C}"/>
+                <a16:creationId xmlns:a16="http://schemas.microsoft.com/office/drawing/2014/main" id="{0C17A055-4256-4967-B273-CBB3B4BEF854}"/>
               </a:ext>
             </a:extLst>
           </p:cNvPr>
@@ -7434,32 +9506,3226 @@
             <a:spLocks noGrp="1"/>
           </p:cNvSpPr>
           <p:nvPr>
-            <p:ph type="sldNum" sz="quarter" idx="18"/>
+            <p:ph type="sldNum" sz="quarter" idx="21"/>
           </p:nvPr>
         </p:nvSpPr>
-        <p:spPr/>
-        <p:txBody>
-          <a:bodyPr/>
+        <p:spPr>
+          <a:xfrm>
+            <a:off x="393700" y="6627813"/>
+            <a:ext cx="255588" cy="207962"/>
+          </a:xfrm>
+        </p:spPr>
+        <p:txBody>
+          <a:bodyPr vert="horz" lIns="0" tIns="0" rIns="0" bIns="0" rtlCol="0" anchor="t" anchorCtr="0">
+            <a:normAutofit/>
+          </a:bodyPr>
           <a:lstStyle/>
           <a:p>
             <a:pPr>
+              <a:spcAft>
+                <a:spcPts val="600"/>
+              </a:spcAft>
               <a:defRPr/>
             </a:pPr>
             <a:fld id="{20549947-ECEE-CD4E-8E00-25DB9EFCD1C0}" type="slidenum">
-              <a:rPr lang="de-DE" smtClean="0"/>
+              <a:rPr lang="de-DE" kern="1200" baseline="0">
+                <a:latin typeface="Arial"/>
+                <a:ea typeface="+mn-ea"/>
+                <a:cs typeface="+mn-cs"/>
+              </a:rPr>
               <a:pPr>
+                <a:spcAft>
+                  <a:spcPts val="600"/>
+                </a:spcAft>
                 <a:defRPr/>
               </a:pPr>
               <a:t>4</a:t>
             </a:fld>
-            <a:endParaRPr lang="de-DE" dirty="0"/>
-          </a:p>
-        </p:txBody>
-      </p:sp>
+            <a:endParaRPr lang="de-DE" kern="1200" baseline="0">
+              <a:latin typeface="Arial"/>
+              <a:ea typeface="+mn-ea"/>
+              <a:cs typeface="+mn-cs"/>
+            </a:endParaRPr>
+          </a:p>
+        </p:txBody>
+      </p:sp>
+      <p:pic>
+        <p:nvPicPr>
+          <p:cNvPr id="9" name="Grafik 8" descr="Ein Bild, das Text, Screenshot, Schrift, Design enthält.&#10;&#10;Automatisch generierte Beschreibung">
+            <a:extLst>
+              <a:ext uri="{FF2B5EF4-FFF2-40B4-BE49-F238E27FC236}">
+                <a16:creationId xmlns:a16="http://schemas.microsoft.com/office/drawing/2014/main" id="{59B0709A-4926-ED91-23FE-2794DDFD323F}"/>
+              </a:ext>
+            </a:extLst>
+          </p:cNvPr>
+          <p:cNvPicPr>
+            <a:picLocks noChangeAspect="1"/>
+          </p:cNvPicPr>
+          <p:nvPr/>
+        </p:nvPicPr>
+        <p:blipFill>
+          <a:blip r:embed="rId3">
+            <a:extLst>
+              <a:ext uri="{28A0092B-C50C-407E-A947-70E740481C1C}">
+                <a14:useLocalDpi xmlns:a14="http://schemas.microsoft.com/office/drawing/2010/main" val="0"/>
+              </a:ext>
+            </a:extLst>
+          </a:blip>
+          <a:stretch>
+            <a:fillRect/>
+          </a:stretch>
+        </p:blipFill>
+        <p:spPr>
+          <a:xfrm>
+            <a:off x="6647239" y="1589453"/>
+            <a:ext cx="1167419" cy="1626641"/>
+          </a:xfrm>
+          <a:prstGeom prst="rect">
+            <a:avLst/>
+          </a:prstGeom>
+        </p:spPr>
+      </p:pic>
+      <p:pic>
+        <p:nvPicPr>
+          <p:cNvPr id="13" name="Grafik 12" descr="Ein Bild, das Muster, Schwarzweiß, monochrom, nähen enthält.&#10;&#10;Automatisch generierte Beschreibung">
+            <a:extLst>
+              <a:ext uri="{FF2B5EF4-FFF2-40B4-BE49-F238E27FC236}">
+                <a16:creationId xmlns:a16="http://schemas.microsoft.com/office/drawing/2014/main" id="{1E0F82B0-0DB6-AF0F-E4D9-71DC5AE5C413}"/>
+              </a:ext>
+            </a:extLst>
+          </p:cNvPr>
+          <p:cNvPicPr>
+            <a:picLocks noChangeAspect="1"/>
+          </p:cNvPicPr>
+          <p:nvPr/>
+        </p:nvPicPr>
+        <p:blipFill>
+          <a:blip r:embed="rId4">
+            <a:extLst>
+              <a:ext uri="{28A0092B-C50C-407E-A947-70E740481C1C}">
+                <a14:useLocalDpi xmlns:a14="http://schemas.microsoft.com/office/drawing/2010/main" val="0"/>
+              </a:ext>
+            </a:extLst>
+          </a:blip>
+          <a:stretch>
+            <a:fillRect/>
+          </a:stretch>
+        </p:blipFill>
+        <p:spPr>
+          <a:xfrm>
+            <a:off x="8411357" y="1780665"/>
+            <a:ext cx="3339673" cy="3339673"/>
+          </a:xfrm>
+          <a:prstGeom prst="rect">
+            <a:avLst/>
+          </a:prstGeom>
+        </p:spPr>
+      </p:pic>
+      <p:pic>
+        <p:nvPicPr>
+          <p:cNvPr id="15" name="Grafik 14">
+            <a:extLst>
+              <a:ext uri="{FF2B5EF4-FFF2-40B4-BE49-F238E27FC236}">
+                <a16:creationId xmlns:a16="http://schemas.microsoft.com/office/drawing/2014/main" id="{C3B598AD-AB09-EB9E-8CB8-70DE52624024}"/>
+              </a:ext>
+            </a:extLst>
+          </p:cNvPr>
+          <p:cNvPicPr>
+            <a:picLocks noChangeAspect="1"/>
+          </p:cNvPicPr>
+          <p:nvPr/>
+        </p:nvPicPr>
+        <p:blipFill>
+          <a:blip r:embed="rId5">
+            <a:extLst>
+              <a:ext uri="{28A0092B-C50C-407E-A947-70E740481C1C}">
+                <a14:useLocalDpi xmlns:a14="http://schemas.microsoft.com/office/drawing/2010/main" val="0"/>
+              </a:ext>
+            </a:extLst>
+          </a:blip>
+          <a:stretch>
+            <a:fillRect/>
+          </a:stretch>
+        </p:blipFill>
+        <p:spPr>
+          <a:xfrm>
+            <a:off x="4739410" y="3568815"/>
+            <a:ext cx="3204189" cy="1750820"/>
+          </a:xfrm>
+          <a:prstGeom prst="rect">
+            <a:avLst/>
+          </a:prstGeom>
+        </p:spPr>
+      </p:pic>
     </p:spTree>
     <p:extLst>
       <p:ext uri="{BB962C8B-B14F-4D97-AF65-F5344CB8AC3E}">
-        <p14:creationId xmlns:p14="http://schemas.microsoft.com/office/powerpoint/2010/main" val="6345279"/>
+        <p14:creationId xmlns:p14="http://schemas.microsoft.com/office/powerpoint/2010/main" val="1064775888"/>
+      </p:ext>
+    </p:extLst>
+  </p:cSld>
+  <p:clrMapOvr>
+    <a:masterClrMapping/>
+  </p:clrMapOvr>
+</p:sld>
+</file>
+
+<file path=ppt/slides/slide5.xml><?xml version="1.0" encoding="utf-8"?>
+<p:sld xmlns:a="http://schemas.openxmlformats.org/drawingml/2006/main" xmlns:r="http://schemas.openxmlformats.org/officeDocument/2006/relationships" xmlns:p="http://schemas.openxmlformats.org/presentationml/2006/main">
+  <p:cSld>
+    <p:spTree>
+      <p:nvGrpSpPr>
+        <p:cNvPr id="1" name="">
+          <a:extLst>
+            <a:ext uri="{FF2B5EF4-FFF2-40B4-BE49-F238E27FC236}">
+              <a16:creationId xmlns:a16="http://schemas.microsoft.com/office/drawing/2014/main" id="{73D70CC1-4D3D-1B30-7CAB-ABD2E4EA593D}"/>
+            </a:ext>
+          </a:extLst>
+        </p:cNvPr>
+        <p:cNvGrpSpPr/>
+        <p:nvPr/>
+      </p:nvGrpSpPr>
+      <p:grpSpPr>
+        <a:xfrm>
+          <a:off x="0" y="0"/>
+          <a:ext cx="0" cy="0"/>
+          <a:chOff x="0" y="0"/>
+          <a:chExt cx="0" cy="0"/>
+        </a:xfrm>
+      </p:grpSpPr>
+      <p:pic>
+        <p:nvPicPr>
+          <p:cNvPr id="4" name="Grafik 3" descr="Ein Bild, das Muster, Quadrat, Symmetrie, Rechteck enthält.&#10;&#10;Automatisch generierte Beschreibung">
+            <a:extLst>
+              <a:ext uri="{FF2B5EF4-FFF2-40B4-BE49-F238E27FC236}">
+                <a16:creationId xmlns:a16="http://schemas.microsoft.com/office/drawing/2014/main" id="{65E299A2-2D3F-FD8B-736A-0E7EC71241D4}"/>
+              </a:ext>
+            </a:extLst>
+          </p:cNvPr>
+          <p:cNvPicPr>
+            <a:picLocks noChangeAspect="1"/>
+          </p:cNvPicPr>
+          <p:nvPr/>
+        </p:nvPicPr>
+        <p:blipFill>
+          <a:blip r:embed="rId2">
+            <a:extLst>
+              <a:ext uri="{28A0092B-C50C-407E-A947-70E740481C1C}">
+                <a14:useLocalDpi xmlns:a14="http://schemas.microsoft.com/office/drawing/2010/main" val="0"/>
+              </a:ext>
+            </a:extLst>
+          </a:blip>
+          <a:stretch>
+            <a:fillRect/>
+          </a:stretch>
+        </p:blipFill>
+        <p:spPr>
+          <a:xfrm>
+            <a:off x="3913238" y="1730691"/>
+            <a:ext cx="2523749" cy="3928014"/>
+          </a:xfrm>
+          <a:prstGeom prst="rect">
+            <a:avLst/>
+          </a:prstGeom>
+          <a:noFill/>
+        </p:spPr>
+      </p:pic>
+      <p:sp>
+        <p:nvSpPr>
+          <p:cNvPr id="2" name="Textfeld 1">
+            <a:extLst>
+              <a:ext uri="{FF2B5EF4-FFF2-40B4-BE49-F238E27FC236}">
+                <a16:creationId xmlns:a16="http://schemas.microsoft.com/office/drawing/2014/main" id="{DD54DE77-7B47-8EE8-2532-921F6F2B5800}"/>
+              </a:ext>
+            </a:extLst>
+          </p:cNvPr>
+          <p:cNvSpPr txBox="1"/>
+          <p:nvPr/>
+        </p:nvSpPr>
+        <p:spPr bwMode="auto">
+          <a:xfrm>
+            <a:off x="393601" y="1992036"/>
+            <a:ext cx="3572008" cy="3513616"/>
+          </a:xfrm>
+          <a:prstGeom prst="rect">
+            <a:avLst/>
+          </a:prstGeom>
+          <a:noFill/>
+          <a:ln>
+            <a:noFill/>
+          </a:ln>
+          <a:extLst>
+            <a:ext uri="{909E8E84-426E-40dd-AFC4-6F175D3DCCD1}">
+              <a14:hiddenFill xmlns="" xmlns:a14="http://schemas.microsoft.com/office/drawing/2010/main">
+                <a:solidFill>
+                  <a:srgbClr val="FFFFFF"/>
+                </a:solidFill>
+              </a14:hiddenFill>
+            </a:ext>
+            <a:ext uri="{91240B29-F687-4f45-9708-019B960494DF}">
+              <a14:hiddenLine xmlns="" xmlns:a14="http://schemas.microsoft.com/office/drawing/2010/main" w="9525">
+                <a:solidFill>
+                  <a:srgbClr val="000000"/>
+                </a:solidFill>
+                <a:miter lim="800000"/>
+                <a:headEnd/>
+                <a:tailEnd/>
+              </a14:hiddenLine>
+            </a:ext>
+            <a:ext uri="{FAA26D3D-D897-4be2-8F04-BA451C77F1D7}">
+              <ma14:placeholderFlag xmlns="" xmlns:ma14="http://schemas.microsoft.com/office/mac/drawingml/2011/main" val="1"/>
+            </a:ext>
+          </a:extLst>
+        </p:spPr>
+        <p:txBody>
+          <a:bodyPr vert="horz" wrap="square" lIns="0" tIns="0" rIns="0" bIns="0" numCol="1" rtlCol="0" anchor="t" anchorCtr="0" compatLnSpc="1">
+            <a:prstTxWarp prst="textNoShape">
+              <a:avLst/>
+            </a:prstTxWarp>
+            <a:normAutofit/>
+          </a:bodyPr>
+          <a:lstStyle/>
+          <a:p>
+            <a:pPr indent="360000" defTabSz="457200" fontAlgn="base">
+              <a:lnSpc>
+                <a:spcPct val="150000"/>
+              </a:lnSpc>
+              <a:spcAft>
+                <a:spcPts val="600"/>
+              </a:spcAft>
+              <a:buSzPct val="100000"/>
+              <a:buBlip>
+                <a:blip r:embed="rId3"/>
+              </a:buBlip>
+            </a:pPr>
+            <a:r>
+              <a:rPr lang="de-DE" sz="1600" b="1" kern="0" dirty="0">
+                <a:ea typeface="ＭＳ Ｐゴシック" charset="0"/>
+              </a:rPr>
+              <a:t>Implementierung</a:t>
+            </a:r>
+          </a:p>
+          <a:p>
+            <a:pPr marL="457200" lvl="2" indent="360000" defTabSz="457200" fontAlgn="base">
+              <a:lnSpc>
+                <a:spcPct val="150000"/>
+              </a:lnSpc>
+              <a:spcAft>
+                <a:spcPts val="600"/>
+              </a:spcAft>
+              <a:buSzPct val="100000"/>
+              <a:buBlip>
+                <a:blip r:embed="rId3"/>
+              </a:buBlip>
+            </a:pPr>
+            <a:r>
+              <a:rPr lang="de-DE" sz="1600" b="1" kern="0" dirty="0">
+                <a:ea typeface="ＭＳ Ｐゴシック" charset="0"/>
+              </a:rPr>
+              <a:t>Path Visualisierung</a:t>
+            </a:r>
+          </a:p>
+          <a:p>
+            <a:pPr marL="457200" lvl="2" indent="360000" defTabSz="457200" fontAlgn="base">
+              <a:lnSpc>
+                <a:spcPct val="150000"/>
+              </a:lnSpc>
+              <a:spcAft>
+                <a:spcPts val="600"/>
+              </a:spcAft>
+              <a:buSzPct val="100000"/>
+              <a:buBlip>
+                <a:blip r:embed="rId3"/>
+              </a:buBlip>
+            </a:pPr>
+            <a:r>
+              <a:rPr lang="de-DE" sz="1600" b="1" kern="0" dirty="0">
+                <a:ea typeface="ＭＳ Ｐゴシック" charset="0"/>
+              </a:rPr>
+              <a:t>Waiting &amp; Run State</a:t>
+            </a:r>
+          </a:p>
+          <a:p>
+            <a:pPr marL="457200" lvl="2" indent="360000" defTabSz="457200" fontAlgn="base">
+              <a:lnSpc>
+                <a:spcPct val="150000"/>
+              </a:lnSpc>
+              <a:spcAft>
+                <a:spcPts val="600"/>
+              </a:spcAft>
+              <a:buSzPct val="100000"/>
+              <a:buBlip>
+                <a:blip r:embed="rId3"/>
+              </a:buBlip>
+            </a:pPr>
+            <a:r>
+              <a:rPr lang="de-DE" sz="1600" b="1" kern="0" dirty="0">
+                <a:ea typeface="ＭＳ Ｐゴシック" charset="0"/>
+              </a:rPr>
+              <a:t>A* Algorithmus</a:t>
+            </a:r>
+          </a:p>
+          <a:p>
+            <a:pPr marL="457200" lvl="2" indent="360000" defTabSz="457200" fontAlgn="base">
+              <a:lnSpc>
+                <a:spcPct val="150000"/>
+              </a:lnSpc>
+              <a:spcAft>
+                <a:spcPts val="600"/>
+              </a:spcAft>
+              <a:buSzPct val="100000"/>
+              <a:buBlip>
+                <a:blip r:embed="rId3"/>
+              </a:buBlip>
+            </a:pPr>
+            <a:r>
+              <a:rPr lang="de-DE" sz="1600" b="1" kern="0" dirty="0">
+                <a:ea typeface="ＭＳ Ｐゴシック" charset="0"/>
+              </a:rPr>
+              <a:t>Q-Learning Algorithmus</a:t>
+            </a:r>
+          </a:p>
+        </p:txBody>
+      </p:sp>
+      <p:sp>
+        <p:nvSpPr>
+          <p:cNvPr id="5" name="Titel 4">
+            <a:extLst>
+              <a:ext uri="{FF2B5EF4-FFF2-40B4-BE49-F238E27FC236}">
+                <a16:creationId xmlns:a16="http://schemas.microsoft.com/office/drawing/2014/main" id="{EAA03CAD-0E26-E267-4EB3-DADC696C58BF}"/>
+              </a:ext>
+            </a:extLst>
+          </p:cNvPr>
+          <p:cNvSpPr>
+            <a:spLocks noGrp="1"/>
+          </p:cNvSpPr>
+          <p:nvPr>
+            <p:ph type="title"/>
+          </p:nvPr>
+        </p:nvSpPr>
+        <p:spPr>
+          <a:xfrm>
+            <a:off x="393600" y="406800"/>
+            <a:ext cx="9753600" cy="327600"/>
+          </a:xfrm>
+        </p:spPr>
+        <p:txBody>
+          <a:bodyPr vert="horz" wrap="square" lIns="0" tIns="0" rIns="0" bIns="0" numCol="1" rtlCol="0" anchor="ctr" anchorCtr="0" compatLnSpc="1">
+            <a:prstTxWarp prst="textNoShape">
+              <a:avLst/>
+            </a:prstTxWarp>
+            <a:normAutofit/>
+          </a:bodyPr>
+          <a:lstStyle/>
+          <a:p>
+            <a:pPr>
+              <a:lnSpc>
+                <a:spcPct val="90000"/>
+              </a:lnSpc>
+            </a:pPr>
+            <a:r>
+              <a:rPr lang="de-DE" i="1" dirty="0">
+                <a:latin typeface="+mj-lt"/>
+                <a:ea typeface="ＭＳ Ｐゴシック" charset="0"/>
+                <a:cs typeface="ＭＳ Ｐゴシック" charset="0"/>
+              </a:rPr>
+              <a:t>Implementierung</a:t>
+            </a:r>
+          </a:p>
+        </p:txBody>
+      </p:sp>
+      <p:sp>
+        <p:nvSpPr>
+          <p:cNvPr id="1080" name="Subtitle 4">
+            <a:extLst>
+              <a:ext uri="{FF2B5EF4-FFF2-40B4-BE49-F238E27FC236}">
+                <a16:creationId xmlns:a16="http://schemas.microsoft.com/office/drawing/2014/main" id="{00427235-AC63-9A6A-7062-2C420C2DEA8D}"/>
+              </a:ext>
+            </a:extLst>
+          </p:cNvPr>
+          <p:cNvSpPr>
+            <a:spLocks noGrp="1"/>
+          </p:cNvSpPr>
+          <p:nvPr>
+            <p:ph type="subTitle" idx="1"/>
+          </p:nvPr>
+        </p:nvSpPr>
+        <p:spPr>
+          <a:xfrm>
+            <a:off x="393600" y="745067"/>
+            <a:ext cx="9753600" cy="342054"/>
+          </a:xfrm>
+        </p:spPr>
+        <p:txBody>
+          <a:bodyPr vert="horz" wrap="square" lIns="0" tIns="0" rIns="0" bIns="0" numCol="1" anchor="t" anchorCtr="0" compatLnSpc="1">
+            <a:prstTxWarp prst="textNoShape">
+              <a:avLst/>
+            </a:prstTxWarp>
+            <a:normAutofit/>
+          </a:bodyPr>
+          <a:lstStyle/>
+          <a:p>
+            <a:pPr>
+              <a:spcAft>
+                <a:spcPts val="600"/>
+              </a:spcAft>
+            </a:pPr>
+            <a:r>
+              <a:rPr lang="en-US"/>
+              <a:t>Saad</a:t>
+            </a:r>
+          </a:p>
+        </p:txBody>
+      </p:sp>
+      <p:sp>
+        <p:nvSpPr>
+          <p:cNvPr id="1087" name="Text Placeholder 5">
+            <a:extLst>
+              <a:ext uri="{FF2B5EF4-FFF2-40B4-BE49-F238E27FC236}">
+                <a16:creationId xmlns:a16="http://schemas.microsoft.com/office/drawing/2014/main" id="{D53C9FED-15DF-C3D3-ACA4-C2DE944CAEB9}"/>
+              </a:ext>
+            </a:extLst>
+          </p:cNvPr>
+          <p:cNvSpPr>
+            <a:spLocks noGrp="1"/>
+          </p:cNvSpPr>
+          <p:nvPr>
+            <p:ph type="body" sz="quarter" idx="17"/>
+          </p:nvPr>
+        </p:nvSpPr>
+        <p:spPr>
+          <a:xfrm>
+            <a:off x="6308422" y="6398644"/>
+            <a:ext cx="5380801" cy="112766"/>
+          </a:xfrm>
+        </p:spPr>
+        <p:txBody>
+          <a:bodyPr/>
+          <a:lstStyle/>
+          <a:p>
+            <a:endParaRPr lang="en-US"/>
+          </a:p>
+        </p:txBody>
+      </p:sp>
+      <p:sp>
+        <p:nvSpPr>
+          <p:cNvPr id="7" name="Foliennummernplatzhalter 6">
+            <a:extLst>
+              <a:ext uri="{FF2B5EF4-FFF2-40B4-BE49-F238E27FC236}">
+                <a16:creationId xmlns:a16="http://schemas.microsoft.com/office/drawing/2014/main" id="{BC455F6C-343C-2D40-548B-F7C2E1D2D5B8}"/>
+              </a:ext>
+            </a:extLst>
+          </p:cNvPr>
+          <p:cNvSpPr>
+            <a:spLocks noGrp="1"/>
+          </p:cNvSpPr>
+          <p:nvPr>
+            <p:ph type="sldNum" sz="quarter" idx="21"/>
+          </p:nvPr>
+        </p:nvSpPr>
+        <p:spPr>
+          <a:xfrm>
+            <a:off x="393700" y="6627813"/>
+            <a:ext cx="255588" cy="207962"/>
+          </a:xfrm>
+        </p:spPr>
+        <p:txBody>
+          <a:bodyPr vert="horz" lIns="0" tIns="0" rIns="0" bIns="0" rtlCol="0" anchor="t" anchorCtr="0">
+            <a:normAutofit/>
+          </a:bodyPr>
+          <a:lstStyle/>
+          <a:p>
+            <a:pPr>
+              <a:spcAft>
+                <a:spcPts val="600"/>
+              </a:spcAft>
+              <a:defRPr/>
+            </a:pPr>
+            <a:fld id="{20549947-ECEE-CD4E-8E00-25DB9EFCD1C0}" type="slidenum">
+              <a:rPr lang="de-DE" kern="1200" baseline="0">
+                <a:latin typeface="Arial"/>
+                <a:ea typeface="+mn-ea"/>
+                <a:cs typeface="+mn-cs"/>
+              </a:rPr>
+              <a:pPr>
+                <a:spcAft>
+                  <a:spcPts val="600"/>
+                </a:spcAft>
+                <a:defRPr/>
+              </a:pPr>
+              <a:t>5</a:t>
+            </a:fld>
+            <a:endParaRPr lang="de-DE" kern="1200" baseline="0">
+              <a:latin typeface="Arial"/>
+              <a:ea typeface="+mn-ea"/>
+              <a:cs typeface="+mn-cs"/>
+            </a:endParaRPr>
+          </a:p>
+        </p:txBody>
+      </p:sp>
+      <p:sp>
+        <p:nvSpPr>
+          <p:cNvPr id="6" name="AutoShape 2" descr="An Introduction to Q-Learning: A Tutorial For Beginners | DataCamp">
+            <a:extLst>
+              <a:ext uri="{FF2B5EF4-FFF2-40B4-BE49-F238E27FC236}">
+                <a16:creationId xmlns:a16="http://schemas.microsoft.com/office/drawing/2014/main" id="{0E935C30-C4C8-07CE-438B-1D455728EE66}"/>
+              </a:ext>
+            </a:extLst>
+          </p:cNvPr>
+          <p:cNvSpPr>
+            <a:spLocks noChangeAspect="1" noChangeArrowheads="1"/>
+          </p:cNvSpPr>
+          <p:nvPr/>
+        </p:nvSpPr>
+        <p:spPr bwMode="auto">
+          <a:xfrm>
+            <a:off x="5943600" y="3276600"/>
+            <a:ext cx="304800" cy="304800"/>
+          </a:xfrm>
+          <a:prstGeom prst="rect">
+            <a:avLst/>
+          </a:prstGeom>
+          <a:noFill/>
+          <a:extLst>
+            <a:ext uri="{909E8E84-426E-40DD-AFC4-6F175D3DCCD1}">
+              <a14:hiddenFill xmlns:a14="http://schemas.microsoft.com/office/drawing/2010/main">
+                <a:solidFill>
+                  <a:srgbClr val="FFFFFF"/>
+                </a:solidFill>
+              </a14:hiddenFill>
+            </a:ext>
+          </a:extLst>
+        </p:spPr>
+        <p:txBody>
+          <a:bodyPr vert="horz" wrap="square" lIns="91440" tIns="45720" rIns="91440" bIns="45720" numCol="1" anchor="t" anchorCtr="0" compatLnSpc="1">
+            <a:prstTxWarp prst="textNoShape">
+              <a:avLst/>
+            </a:prstTxWarp>
+          </a:bodyPr>
+          <a:lstStyle/>
+          <a:p>
+            <a:endParaRPr lang="de-DE"/>
+          </a:p>
+        </p:txBody>
+      </p:sp>
+      <p:sp>
+        <p:nvSpPr>
+          <p:cNvPr id="8" name="AutoShape 4" descr="An Introduction to Q-Learning: A Tutorial For Beginners | DataCamp">
+            <a:extLst>
+              <a:ext uri="{FF2B5EF4-FFF2-40B4-BE49-F238E27FC236}">
+                <a16:creationId xmlns:a16="http://schemas.microsoft.com/office/drawing/2014/main" id="{DBAB6AB1-6F8C-7C22-75FE-EB8BA5A86070}"/>
+              </a:ext>
+            </a:extLst>
+          </p:cNvPr>
+          <p:cNvSpPr>
+            <a:spLocks noChangeAspect="1" noChangeArrowheads="1"/>
+          </p:cNvSpPr>
+          <p:nvPr/>
+        </p:nvSpPr>
+        <p:spPr bwMode="auto">
+          <a:xfrm>
+            <a:off x="6096000" y="3429000"/>
+            <a:ext cx="304800" cy="304800"/>
+          </a:xfrm>
+          <a:prstGeom prst="rect">
+            <a:avLst/>
+          </a:prstGeom>
+          <a:noFill/>
+          <a:extLst>
+            <a:ext uri="{909E8E84-426E-40DD-AFC4-6F175D3DCCD1}">
+              <a14:hiddenFill xmlns:a14="http://schemas.microsoft.com/office/drawing/2010/main">
+                <a:solidFill>
+                  <a:srgbClr val="FFFFFF"/>
+                </a:solidFill>
+              </a14:hiddenFill>
+            </a:ext>
+          </a:extLst>
+        </p:spPr>
+        <p:txBody>
+          <a:bodyPr vert="horz" wrap="square" lIns="91440" tIns="45720" rIns="91440" bIns="45720" numCol="1" anchor="t" anchorCtr="0" compatLnSpc="1">
+            <a:prstTxWarp prst="textNoShape">
+              <a:avLst/>
+            </a:prstTxWarp>
+          </a:bodyPr>
+          <a:lstStyle/>
+          <a:p>
+            <a:endParaRPr lang="de-DE"/>
+          </a:p>
+        </p:txBody>
+      </p:sp>
+      <p:sp>
+        <p:nvSpPr>
+          <p:cNvPr id="10" name="AutoShape 6" descr="Q Learning Header">
+            <a:extLst>
+              <a:ext uri="{FF2B5EF4-FFF2-40B4-BE49-F238E27FC236}">
+                <a16:creationId xmlns:a16="http://schemas.microsoft.com/office/drawing/2014/main" id="{7EC3709D-3681-0504-53E7-693EACFC687A}"/>
+              </a:ext>
+            </a:extLst>
+          </p:cNvPr>
+          <p:cNvSpPr>
+            <a:spLocks noChangeAspect="1" noChangeArrowheads="1"/>
+          </p:cNvSpPr>
+          <p:nvPr/>
+        </p:nvSpPr>
+        <p:spPr bwMode="auto">
+          <a:xfrm>
+            <a:off x="6248400" y="3581400"/>
+            <a:ext cx="304800" cy="304800"/>
+          </a:xfrm>
+          <a:prstGeom prst="rect">
+            <a:avLst/>
+          </a:prstGeom>
+          <a:noFill/>
+          <a:extLst>
+            <a:ext uri="{909E8E84-426E-40DD-AFC4-6F175D3DCCD1}">
+              <a14:hiddenFill xmlns:a14="http://schemas.microsoft.com/office/drawing/2010/main">
+                <a:solidFill>
+                  <a:srgbClr val="FFFFFF"/>
+                </a:solidFill>
+              </a14:hiddenFill>
+            </a:ext>
+          </a:extLst>
+        </p:spPr>
+        <p:txBody>
+          <a:bodyPr vert="horz" wrap="square" lIns="91440" tIns="45720" rIns="91440" bIns="45720" numCol="1" anchor="t" anchorCtr="0" compatLnSpc="1">
+            <a:prstTxWarp prst="textNoShape">
+              <a:avLst/>
+            </a:prstTxWarp>
+          </a:bodyPr>
+          <a:lstStyle/>
+          <a:p>
+            <a:endParaRPr lang="de-DE" dirty="0"/>
+          </a:p>
+        </p:txBody>
+      </p:sp>
+      <p:pic>
+        <p:nvPicPr>
+          <p:cNvPr id="16" name="Grafik 15" descr="Ein Bild, das Text, Schrift, Diagramm, Entwurf enthält.&#10;&#10;Automatisch generierte Beschreibung">
+            <a:extLst>
+              <a:ext uri="{FF2B5EF4-FFF2-40B4-BE49-F238E27FC236}">
+                <a16:creationId xmlns:a16="http://schemas.microsoft.com/office/drawing/2014/main" id="{E7A5E85F-CE54-026B-51BE-5506FDE14102}"/>
+              </a:ext>
+            </a:extLst>
+          </p:cNvPr>
+          <p:cNvPicPr>
+            <a:picLocks noChangeAspect="1"/>
+          </p:cNvPicPr>
+          <p:nvPr/>
+        </p:nvPicPr>
+        <p:blipFill>
+          <a:blip r:embed="rId4">
+            <a:extLst>
+              <a:ext uri="{28A0092B-C50C-407E-A947-70E740481C1C}">
+                <a14:useLocalDpi xmlns:a14="http://schemas.microsoft.com/office/drawing/2010/main" val="0"/>
+              </a:ext>
+            </a:extLst>
+          </a:blip>
+          <a:stretch>
+            <a:fillRect/>
+          </a:stretch>
+        </p:blipFill>
+        <p:spPr>
+          <a:xfrm>
+            <a:off x="6654998" y="1825824"/>
+            <a:ext cx="4687648" cy="3737748"/>
+          </a:xfrm>
+          <a:prstGeom prst="rect">
+            <a:avLst/>
+          </a:prstGeom>
+        </p:spPr>
+      </p:pic>
+    </p:spTree>
+    <p:extLst>
+      <p:ext uri="{BB962C8B-B14F-4D97-AF65-F5344CB8AC3E}">
+        <p14:creationId xmlns:p14="http://schemas.microsoft.com/office/powerpoint/2010/main" val="2164778271"/>
+      </p:ext>
+    </p:extLst>
+  </p:cSld>
+  <p:clrMapOvr>
+    <a:masterClrMapping/>
+  </p:clrMapOvr>
+</p:sld>
+</file>
+
+<file path=ppt/slides/slide6.xml><?xml version="1.0" encoding="utf-8"?>
+<p:sld xmlns:a="http://schemas.openxmlformats.org/drawingml/2006/main" xmlns:r="http://schemas.openxmlformats.org/officeDocument/2006/relationships" xmlns:p="http://schemas.openxmlformats.org/presentationml/2006/main">
+  <p:cSld>
+    <p:spTree>
+      <p:nvGrpSpPr>
+        <p:cNvPr id="1" name="">
+          <a:extLst>
+            <a:ext uri="{FF2B5EF4-FFF2-40B4-BE49-F238E27FC236}">
+              <a16:creationId xmlns:a16="http://schemas.microsoft.com/office/drawing/2014/main" id="{16F05486-F1E6-EBD3-0193-4A29B80EE6C4}"/>
+            </a:ext>
+          </a:extLst>
+        </p:cNvPr>
+        <p:cNvGrpSpPr/>
+        <p:nvPr/>
+      </p:nvGrpSpPr>
+      <p:grpSpPr>
+        <a:xfrm>
+          <a:off x="0" y="0"/>
+          <a:ext cx="0" cy="0"/>
+          <a:chOff x="0" y="0"/>
+          <a:chExt cx="0" cy="0"/>
+        </a:xfrm>
+      </p:grpSpPr>
+      <p:sp>
+        <p:nvSpPr>
+          <p:cNvPr id="2" name="Textfeld 1">
+            <a:extLst>
+              <a:ext uri="{FF2B5EF4-FFF2-40B4-BE49-F238E27FC236}">
+                <a16:creationId xmlns:a16="http://schemas.microsoft.com/office/drawing/2014/main" id="{6EFB8BFF-71CA-51C9-D5B5-D8B60BA371B1}"/>
+              </a:ext>
+            </a:extLst>
+          </p:cNvPr>
+          <p:cNvSpPr txBox="1"/>
+          <p:nvPr/>
+        </p:nvSpPr>
+        <p:spPr bwMode="auto">
+          <a:xfrm>
+            <a:off x="393601" y="1992036"/>
+            <a:ext cx="4366178" cy="3513616"/>
+          </a:xfrm>
+          <a:prstGeom prst="rect">
+            <a:avLst/>
+          </a:prstGeom>
+          <a:noFill/>
+          <a:ln>
+            <a:noFill/>
+          </a:ln>
+          <a:extLst>
+            <a:ext uri="{909E8E84-426E-40dd-AFC4-6F175D3DCCD1}">
+              <a14:hiddenFill xmlns="" xmlns:a14="http://schemas.microsoft.com/office/drawing/2010/main">
+                <a:solidFill>
+                  <a:srgbClr val="FFFFFF"/>
+                </a:solidFill>
+              </a14:hiddenFill>
+            </a:ext>
+            <a:ext uri="{91240B29-F687-4f45-9708-019B960494DF}">
+              <a14:hiddenLine xmlns="" xmlns:a14="http://schemas.microsoft.com/office/drawing/2010/main" w="9525">
+                <a:solidFill>
+                  <a:srgbClr val="000000"/>
+                </a:solidFill>
+                <a:miter lim="800000"/>
+                <a:headEnd/>
+                <a:tailEnd/>
+              </a14:hiddenLine>
+            </a:ext>
+            <a:ext uri="{FAA26D3D-D897-4be2-8F04-BA451C77F1D7}">
+              <ma14:placeholderFlag xmlns="" xmlns:ma14="http://schemas.microsoft.com/office/mac/drawingml/2011/main" val="1"/>
+            </a:ext>
+          </a:extLst>
+        </p:spPr>
+        <p:txBody>
+          <a:bodyPr vert="horz" wrap="square" lIns="0" tIns="0" rIns="0" bIns="0" numCol="1" rtlCol="0" anchor="t" anchorCtr="0" compatLnSpc="1">
+            <a:prstTxWarp prst="textNoShape">
+              <a:avLst/>
+            </a:prstTxWarp>
+            <a:normAutofit/>
+          </a:bodyPr>
+          <a:lstStyle/>
+          <a:p>
+            <a:pPr indent="360000" defTabSz="457200" fontAlgn="base">
+              <a:lnSpc>
+                <a:spcPct val="150000"/>
+              </a:lnSpc>
+              <a:spcAft>
+                <a:spcPts val="600"/>
+              </a:spcAft>
+              <a:buSzPct val="100000"/>
+              <a:buBlip>
+                <a:blip r:embed="rId2"/>
+              </a:buBlip>
+            </a:pPr>
+            <a:r>
+              <a:rPr lang="de-DE" sz="1600" b="1" kern="0" dirty="0">
+                <a:ea typeface="ＭＳ Ｐゴシック" charset="0"/>
+              </a:rPr>
+              <a:t>Implementierung</a:t>
+            </a:r>
+          </a:p>
+          <a:p>
+            <a:pPr lvl="1" indent="360000" defTabSz="457200" fontAlgn="base">
+              <a:lnSpc>
+                <a:spcPct val="150000"/>
+              </a:lnSpc>
+              <a:spcAft>
+                <a:spcPts val="600"/>
+              </a:spcAft>
+              <a:buSzPct val="100000"/>
+              <a:buBlip>
+                <a:blip r:embed="rId2"/>
+              </a:buBlip>
+            </a:pPr>
+            <a:r>
+              <a:rPr lang="de-DE" sz="1600" b="1" kern="0" dirty="0" err="1">
+                <a:ea typeface="ＭＳ Ｐゴシック" charset="0"/>
+              </a:rPr>
+              <a:t>Breadth</a:t>
+            </a:r>
+            <a:r>
+              <a:rPr lang="de-DE" sz="1600" b="1" kern="0" dirty="0">
+                <a:ea typeface="ＭＳ Ｐゴシック" charset="0"/>
+              </a:rPr>
+              <a:t> First Search </a:t>
+            </a:r>
+            <a:r>
+              <a:rPr lang="de-DE" sz="1600" b="1" kern="0" dirty="0" err="1">
+                <a:ea typeface="ＭＳ Ｐゴシック" charset="0"/>
+              </a:rPr>
+              <a:t>Algorithm</a:t>
+            </a:r>
+            <a:endParaRPr lang="de-DE" sz="1600" b="1" kern="0" dirty="0">
+              <a:ea typeface="ＭＳ Ｐゴシック" charset="0"/>
+            </a:endParaRPr>
+          </a:p>
+          <a:p>
+            <a:pPr lvl="1" indent="360000" defTabSz="457200" fontAlgn="base">
+              <a:lnSpc>
+                <a:spcPct val="150000"/>
+              </a:lnSpc>
+              <a:spcAft>
+                <a:spcPts val="600"/>
+              </a:spcAft>
+              <a:buSzPct val="100000"/>
+              <a:buBlip>
+                <a:blip r:embed="rId2"/>
+              </a:buBlip>
+            </a:pPr>
+            <a:r>
+              <a:rPr lang="de-DE" sz="1600" b="1" kern="0" dirty="0" err="1">
+                <a:ea typeface="ＭＳ Ｐゴシック" charset="0"/>
+              </a:rPr>
+              <a:t>Greedy</a:t>
+            </a:r>
+            <a:r>
+              <a:rPr lang="de-DE" sz="1600" b="1" kern="0" dirty="0">
+                <a:ea typeface="ＭＳ Ｐゴシック" charset="0"/>
+              </a:rPr>
+              <a:t> Best First Search </a:t>
+            </a:r>
+            <a:r>
+              <a:rPr lang="de-DE" sz="1600" b="1" kern="0" dirty="0" err="1">
+                <a:ea typeface="ＭＳ Ｐゴシック" charset="0"/>
+              </a:rPr>
+              <a:t>Algo</a:t>
+            </a:r>
+            <a:endParaRPr lang="de-DE" sz="1600" b="1" kern="0" dirty="0">
+              <a:ea typeface="ＭＳ Ｐゴシック" charset="0"/>
+            </a:endParaRPr>
+          </a:p>
+          <a:p>
+            <a:pPr lvl="1" indent="360000" defTabSz="457200" fontAlgn="base">
+              <a:lnSpc>
+                <a:spcPct val="150000"/>
+              </a:lnSpc>
+              <a:spcAft>
+                <a:spcPts val="600"/>
+              </a:spcAft>
+              <a:buSzPct val="100000"/>
+              <a:buBlip>
+                <a:blip r:embed="rId2"/>
+              </a:buBlip>
+            </a:pPr>
+            <a:r>
+              <a:rPr lang="de-DE" sz="1600" b="1" kern="0" dirty="0">
+                <a:ea typeface="ＭＳ Ｐゴシック" charset="0"/>
+              </a:rPr>
+              <a:t>State Action </a:t>
+            </a:r>
+            <a:r>
+              <a:rPr lang="de-DE" sz="1600" b="1" kern="0" dirty="0" err="1">
+                <a:ea typeface="ＭＳ Ｐゴシック" charset="0"/>
+              </a:rPr>
+              <a:t>Reward</a:t>
+            </a:r>
+            <a:r>
+              <a:rPr lang="de-DE" sz="1600" b="1" kern="0" dirty="0">
+                <a:ea typeface="ＭＳ Ｐゴシック" charset="0"/>
+              </a:rPr>
+              <a:t> State Action (SARSA)</a:t>
+            </a:r>
+          </a:p>
+          <a:p>
+            <a:pPr lvl="1" indent="360000" defTabSz="457200" fontAlgn="base">
+              <a:lnSpc>
+                <a:spcPct val="150000"/>
+              </a:lnSpc>
+              <a:spcAft>
+                <a:spcPts val="600"/>
+              </a:spcAft>
+              <a:buSzPct val="100000"/>
+              <a:buBlip>
+                <a:blip r:embed="rId2"/>
+              </a:buBlip>
+            </a:pPr>
+            <a:endParaRPr lang="de-DE" sz="1600" b="1" kern="0" dirty="0">
+              <a:ea typeface="ＭＳ Ｐゴシック" charset="0"/>
+            </a:endParaRPr>
+          </a:p>
+        </p:txBody>
+      </p:sp>
+      <p:sp>
+        <p:nvSpPr>
+          <p:cNvPr id="5" name="Titel 4">
+            <a:extLst>
+              <a:ext uri="{FF2B5EF4-FFF2-40B4-BE49-F238E27FC236}">
+                <a16:creationId xmlns:a16="http://schemas.microsoft.com/office/drawing/2014/main" id="{03931A1F-446E-3CB0-C72C-D49ABAABB737}"/>
+              </a:ext>
+            </a:extLst>
+          </p:cNvPr>
+          <p:cNvSpPr>
+            <a:spLocks noGrp="1"/>
+          </p:cNvSpPr>
+          <p:nvPr>
+            <p:ph type="title"/>
+          </p:nvPr>
+        </p:nvSpPr>
+        <p:spPr>
+          <a:xfrm>
+            <a:off x="393600" y="406800"/>
+            <a:ext cx="9753600" cy="327600"/>
+          </a:xfrm>
+        </p:spPr>
+        <p:txBody>
+          <a:bodyPr vert="horz" wrap="square" lIns="0" tIns="0" rIns="0" bIns="0" numCol="1" rtlCol="0" anchor="ctr" anchorCtr="0" compatLnSpc="1">
+            <a:prstTxWarp prst="textNoShape">
+              <a:avLst/>
+            </a:prstTxWarp>
+            <a:normAutofit/>
+          </a:bodyPr>
+          <a:lstStyle/>
+          <a:p>
+            <a:pPr>
+              <a:lnSpc>
+                <a:spcPct val="90000"/>
+              </a:lnSpc>
+            </a:pPr>
+            <a:r>
+              <a:rPr lang="de-DE" i="1" dirty="0">
+                <a:latin typeface="+mj-lt"/>
+                <a:ea typeface="ＭＳ Ｐゴシック" charset="0"/>
+                <a:cs typeface="ＭＳ Ｐゴシック" charset="0"/>
+              </a:rPr>
+              <a:t>Implementierung</a:t>
+            </a:r>
+          </a:p>
+        </p:txBody>
+      </p:sp>
+      <p:sp>
+        <p:nvSpPr>
+          <p:cNvPr id="1080" name="Subtitle 4">
+            <a:extLst>
+              <a:ext uri="{FF2B5EF4-FFF2-40B4-BE49-F238E27FC236}">
+                <a16:creationId xmlns:a16="http://schemas.microsoft.com/office/drawing/2014/main" id="{54F3AE25-DEB6-468F-4F8F-175A4B9F9B19}"/>
+              </a:ext>
+            </a:extLst>
+          </p:cNvPr>
+          <p:cNvSpPr>
+            <a:spLocks noGrp="1"/>
+          </p:cNvSpPr>
+          <p:nvPr>
+            <p:ph type="subTitle" idx="1"/>
+          </p:nvPr>
+        </p:nvSpPr>
+        <p:spPr>
+          <a:xfrm>
+            <a:off x="393600" y="745067"/>
+            <a:ext cx="9753600" cy="342054"/>
+          </a:xfrm>
+        </p:spPr>
+        <p:txBody>
+          <a:bodyPr vert="horz" wrap="square" lIns="0" tIns="0" rIns="0" bIns="0" numCol="1" anchor="t" anchorCtr="0" compatLnSpc="1">
+            <a:prstTxWarp prst="textNoShape">
+              <a:avLst/>
+            </a:prstTxWarp>
+            <a:normAutofit/>
+          </a:bodyPr>
+          <a:lstStyle/>
+          <a:p>
+            <a:pPr>
+              <a:spcAft>
+                <a:spcPts val="600"/>
+              </a:spcAft>
+            </a:pPr>
+            <a:r>
+              <a:rPr lang="en-US" dirty="0"/>
+              <a:t>Truong</a:t>
+            </a:r>
+          </a:p>
+        </p:txBody>
+      </p:sp>
+      <p:sp>
+        <p:nvSpPr>
+          <p:cNvPr id="1087" name="Text Placeholder 5">
+            <a:extLst>
+              <a:ext uri="{FF2B5EF4-FFF2-40B4-BE49-F238E27FC236}">
+                <a16:creationId xmlns:a16="http://schemas.microsoft.com/office/drawing/2014/main" id="{AFD56BDF-E7C7-208D-45C3-6923B72A7A81}"/>
+              </a:ext>
+            </a:extLst>
+          </p:cNvPr>
+          <p:cNvSpPr>
+            <a:spLocks noGrp="1"/>
+          </p:cNvSpPr>
+          <p:nvPr>
+            <p:ph type="body" sz="quarter" idx="17"/>
+          </p:nvPr>
+        </p:nvSpPr>
+        <p:spPr>
+          <a:xfrm>
+            <a:off x="6308422" y="6398644"/>
+            <a:ext cx="5380801" cy="112766"/>
+          </a:xfrm>
+        </p:spPr>
+        <p:txBody>
+          <a:bodyPr/>
+          <a:lstStyle/>
+          <a:p>
+            <a:endParaRPr lang="en-US"/>
+          </a:p>
+        </p:txBody>
+      </p:sp>
+      <p:sp>
+        <p:nvSpPr>
+          <p:cNvPr id="7" name="Foliennummernplatzhalter 6">
+            <a:extLst>
+              <a:ext uri="{FF2B5EF4-FFF2-40B4-BE49-F238E27FC236}">
+                <a16:creationId xmlns:a16="http://schemas.microsoft.com/office/drawing/2014/main" id="{03AA5EB6-B8B9-C220-D39E-EBA279CACA21}"/>
+              </a:ext>
+            </a:extLst>
+          </p:cNvPr>
+          <p:cNvSpPr>
+            <a:spLocks noGrp="1"/>
+          </p:cNvSpPr>
+          <p:nvPr>
+            <p:ph type="sldNum" sz="quarter" idx="21"/>
+          </p:nvPr>
+        </p:nvSpPr>
+        <p:spPr>
+          <a:xfrm>
+            <a:off x="393700" y="6627813"/>
+            <a:ext cx="255588" cy="207962"/>
+          </a:xfrm>
+        </p:spPr>
+        <p:txBody>
+          <a:bodyPr vert="horz" lIns="0" tIns="0" rIns="0" bIns="0" rtlCol="0" anchor="t" anchorCtr="0">
+            <a:normAutofit/>
+          </a:bodyPr>
+          <a:lstStyle/>
+          <a:p>
+            <a:pPr>
+              <a:spcAft>
+                <a:spcPts val="600"/>
+              </a:spcAft>
+              <a:defRPr/>
+            </a:pPr>
+            <a:fld id="{20549947-ECEE-CD4E-8E00-25DB9EFCD1C0}" type="slidenum">
+              <a:rPr lang="de-DE" kern="1200" baseline="0">
+                <a:latin typeface="Arial"/>
+                <a:ea typeface="+mn-ea"/>
+                <a:cs typeface="+mn-cs"/>
+              </a:rPr>
+              <a:pPr>
+                <a:spcAft>
+                  <a:spcPts val="600"/>
+                </a:spcAft>
+                <a:defRPr/>
+              </a:pPr>
+              <a:t>6</a:t>
+            </a:fld>
+            <a:endParaRPr lang="de-DE" kern="1200" baseline="0">
+              <a:latin typeface="Arial"/>
+              <a:ea typeface="+mn-ea"/>
+              <a:cs typeface="+mn-cs"/>
+            </a:endParaRPr>
+          </a:p>
+        </p:txBody>
+      </p:sp>
+      <p:sp>
+        <p:nvSpPr>
+          <p:cNvPr id="6" name="AutoShape 2" descr="An Introduction to Q-Learning: A Tutorial For Beginners | DataCamp">
+            <a:extLst>
+              <a:ext uri="{FF2B5EF4-FFF2-40B4-BE49-F238E27FC236}">
+                <a16:creationId xmlns:a16="http://schemas.microsoft.com/office/drawing/2014/main" id="{038AB27A-4BCD-34A3-2D59-BA189C63DFE3}"/>
+              </a:ext>
+            </a:extLst>
+          </p:cNvPr>
+          <p:cNvSpPr>
+            <a:spLocks noChangeAspect="1" noChangeArrowheads="1"/>
+          </p:cNvSpPr>
+          <p:nvPr/>
+        </p:nvSpPr>
+        <p:spPr bwMode="auto">
+          <a:xfrm>
+            <a:off x="5943600" y="3276600"/>
+            <a:ext cx="304800" cy="304800"/>
+          </a:xfrm>
+          <a:prstGeom prst="rect">
+            <a:avLst/>
+          </a:prstGeom>
+          <a:noFill/>
+          <a:extLst>
+            <a:ext uri="{909E8E84-426E-40DD-AFC4-6F175D3DCCD1}">
+              <a14:hiddenFill xmlns:a14="http://schemas.microsoft.com/office/drawing/2010/main">
+                <a:solidFill>
+                  <a:srgbClr val="FFFFFF"/>
+                </a:solidFill>
+              </a14:hiddenFill>
+            </a:ext>
+          </a:extLst>
+        </p:spPr>
+        <p:txBody>
+          <a:bodyPr vert="horz" wrap="square" lIns="91440" tIns="45720" rIns="91440" bIns="45720" numCol="1" anchor="t" anchorCtr="0" compatLnSpc="1">
+            <a:prstTxWarp prst="textNoShape">
+              <a:avLst/>
+            </a:prstTxWarp>
+          </a:bodyPr>
+          <a:lstStyle/>
+          <a:p>
+            <a:endParaRPr lang="de-DE"/>
+          </a:p>
+        </p:txBody>
+      </p:sp>
+      <p:sp>
+        <p:nvSpPr>
+          <p:cNvPr id="8" name="AutoShape 4" descr="An Introduction to Q-Learning: A Tutorial For Beginners | DataCamp">
+            <a:extLst>
+              <a:ext uri="{FF2B5EF4-FFF2-40B4-BE49-F238E27FC236}">
+                <a16:creationId xmlns:a16="http://schemas.microsoft.com/office/drawing/2014/main" id="{8E2B83AC-6F9B-3A00-38FB-4DB39A5BBCEB}"/>
+              </a:ext>
+            </a:extLst>
+          </p:cNvPr>
+          <p:cNvSpPr>
+            <a:spLocks noChangeAspect="1" noChangeArrowheads="1"/>
+          </p:cNvSpPr>
+          <p:nvPr/>
+        </p:nvSpPr>
+        <p:spPr bwMode="auto">
+          <a:xfrm>
+            <a:off x="6096000" y="3429000"/>
+            <a:ext cx="304800" cy="304800"/>
+          </a:xfrm>
+          <a:prstGeom prst="rect">
+            <a:avLst/>
+          </a:prstGeom>
+          <a:noFill/>
+          <a:extLst>
+            <a:ext uri="{909E8E84-426E-40DD-AFC4-6F175D3DCCD1}">
+              <a14:hiddenFill xmlns:a14="http://schemas.microsoft.com/office/drawing/2010/main">
+                <a:solidFill>
+                  <a:srgbClr val="FFFFFF"/>
+                </a:solidFill>
+              </a14:hiddenFill>
+            </a:ext>
+          </a:extLst>
+        </p:spPr>
+        <p:txBody>
+          <a:bodyPr vert="horz" wrap="square" lIns="91440" tIns="45720" rIns="91440" bIns="45720" numCol="1" anchor="t" anchorCtr="0" compatLnSpc="1">
+            <a:prstTxWarp prst="textNoShape">
+              <a:avLst/>
+            </a:prstTxWarp>
+          </a:bodyPr>
+          <a:lstStyle/>
+          <a:p>
+            <a:endParaRPr lang="de-DE"/>
+          </a:p>
+        </p:txBody>
+      </p:sp>
+      <p:sp>
+        <p:nvSpPr>
+          <p:cNvPr id="10" name="AutoShape 6" descr="Q Learning Header">
+            <a:extLst>
+              <a:ext uri="{FF2B5EF4-FFF2-40B4-BE49-F238E27FC236}">
+                <a16:creationId xmlns:a16="http://schemas.microsoft.com/office/drawing/2014/main" id="{E1CEE28C-15E8-8FA1-F2B8-B5233A9755A5}"/>
+              </a:ext>
+            </a:extLst>
+          </p:cNvPr>
+          <p:cNvSpPr>
+            <a:spLocks noChangeAspect="1" noChangeArrowheads="1"/>
+          </p:cNvSpPr>
+          <p:nvPr/>
+        </p:nvSpPr>
+        <p:spPr bwMode="auto">
+          <a:xfrm>
+            <a:off x="6248400" y="3581400"/>
+            <a:ext cx="304800" cy="304800"/>
+          </a:xfrm>
+          <a:prstGeom prst="rect">
+            <a:avLst/>
+          </a:prstGeom>
+          <a:noFill/>
+          <a:extLst>
+            <a:ext uri="{909E8E84-426E-40DD-AFC4-6F175D3DCCD1}">
+              <a14:hiddenFill xmlns:a14="http://schemas.microsoft.com/office/drawing/2010/main">
+                <a:solidFill>
+                  <a:srgbClr val="FFFFFF"/>
+                </a:solidFill>
+              </a14:hiddenFill>
+            </a:ext>
+          </a:extLst>
+        </p:spPr>
+        <p:txBody>
+          <a:bodyPr vert="horz" wrap="square" lIns="91440" tIns="45720" rIns="91440" bIns="45720" numCol="1" anchor="t" anchorCtr="0" compatLnSpc="1">
+            <a:prstTxWarp prst="textNoShape">
+              <a:avLst/>
+            </a:prstTxWarp>
+          </a:bodyPr>
+          <a:lstStyle/>
+          <a:p>
+            <a:endParaRPr lang="de-DE" dirty="0"/>
+          </a:p>
+        </p:txBody>
+      </p:sp>
+    </p:spTree>
+    <p:extLst>
+      <p:ext uri="{BB962C8B-B14F-4D97-AF65-F5344CB8AC3E}">
+        <p14:creationId xmlns:p14="http://schemas.microsoft.com/office/powerpoint/2010/main" val="1473944420"/>
+      </p:ext>
+    </p:extLst>
+  </p:cSld>
+  <p:clrMapOvr>
+    <a:masterClrMapping/>
+  </p:clrMapOvr>
+</p:sld>
+</file>
+
+<file path=ppt/slides/slide7.xml><?xml version="1.0" encoding="utf-8"?>
+<p:sld xmlns:a="http://schemas.openxmlformats.org/drawingml/2006/main" xmlns:r="http://schemas.openxmlformats.org/officeDocument/2006/relationships" xmlns:p="http://schemas.openxmlformats.org/presentationml/2006/main">
+  <p:cSld>
+    <p:spTree>
+      <p:nvGrpSpPr>
+        <p:cNvPr id="1" name="">
+          <a:extLst>
+            <a:ext uri="{FF2B5EF4-FFF2-40B4-BE49-F238E27FC236}">
+              <a16:creationId xmlns:a16="http://schemas.microsoft.com/office/drawing/2014/main" id="{85CECDB4-01A9-4A50-425B-5AE3CE2B0B38}"/>
+            </a:ext>
+          </a:extLst>
+        </p:cNvPr>
+        <p:cNvGrpSpPr/>
+        <p:nvPr/>
+      </p:nvGrpSpPr>
+      <p:grpSpPr>
+        <a:xfrm>
+          <a:off x="0" y="0"/>
+          <a:ext cx="0" cy="0"/>
+          <a:chOff x="0" y="0"/>
+          <a:chExt cx="0" cy="0"/>
+        </a:xfrm>
+      </p:grpSpPr>
+      <p:sp>
+        <p:nvSpPr>
+          <p:cNvPr id="2" name="Textfeld 1">
+            <a:extLst>
+              <a:ext uri="{FF2B5EF4-FFF2-40B4-BE49-F238E27FC236}">
+                <a16:creationId xmlns:a16="http://schemas.microsoft.com/office/drawing/2014/main" id="{7D9FB9B3-B447-440A-35B9-7EDFE133DF70}"/>
+              </a:ext>
+            </a:extLst>
+          </p:cNvPr>
+          <p:cNvSpPr txBox="1"/>
+          <p:nvPr/>
+        </p:nvSpPr>
+        <p:spPr bwMode="auto">
+          <a:xfrm>
+            <a:off x="393601" y="1992036"/>
+            <a:ext cx="4366178" cy="3513616"/>
+          </a:xfrm>
+          <a:prstGeom prst="rect">
+            <a:avLst/>
+          </a:prstGeom>
+          <a:noFill/>
+          <a:ln>
+            <a:noFill/>
+          </a:ln>
+          <a:extLst>
+            <a:ext uri="{909E8E84-426E-40dd-AFC4-6F175D3DCCD1}">
+              <a14:hiddenFill xmlns="" xmlns:a14="http://schemas.microsoft.com/office/drawing/2010/main">
+                <a:solidFill>
+                  <a:srgbClr val="FFFFFF"/>
+                </a:solidFill>
+              </a14:hiddenFill>
+            </a:ext>
+            <a:ext uri="{91240B29-F687-4f45-9708-019B960494DF}">
+              <a14:hiddenLine xmlns="" xmlns:a14="http://schemas.microsoft.com/office/drawing/2010/main" w="9525">
+                <a:solidFill>
+                  <a:srgbClr val="000000"/>
+                </a:solidFill>
+                <a:miter lim="800000"/>
+                <a:headEnd/>
+                <a:tailEnd/>
+              </a14:hiddenLine>
+            </a:ext>
+            <a:ext uri="{FAA26D3D-D897-4be2-8F04-BA451C77F1D7}">
+              <ma14:placeholderFlag xmlns="" xmlns:ma14="http://schemas.microsoft.com/office/mac/drawingml/2011/main" val="1"/>
+            </a:ext>
+          </a:extLst>
+        </p:spPr>
+        <p:txBody>
+          <a:bodyPr vert="horz" wrap="square" lIns="0" tIns="0" rIns="0" bIns="0" numCol="1" rtlCol="0" anchor="t" anchorCtr="0" compatLnSpc="1">
+            <a:prstTxWarp prst="textNoShape">
+              <a:avLst/>
+            </a:prstTxWarp>
+            <a:normAutofit/>
+          </a:bodyPr>
+          <a:lstStyle/>
+          <a:p>
+            <a:pPr indent="360000" defTabSz="457200" fontAlgn="base">
+              <a:lnSpc>
+                <a:spcPct val="150000"/>
+              </a:lnSpc>
+              <a:spcAft>
+                <a:spcPts val="600"/>
+              </a:spcAft>
+              <a:buSzPct val="100000"/>
+              <a:buBlip>
+                <a:blip r:embed="rId2"/>
+              </a:buBlip>
+            </a:pPr>
+            <a:r>
+              <a:rPr lang="de-DE" sz="1600" b="1" kern="0" dirty="0">
+                <a:ea typeface="ＭＳ Ｐゴシック" charset="0"/>
+              </a:rPr>
+              <a:t>Implementierung</a:t>
+            </a:r>
+          </a:p>
+          <a:p>
+            <a:pPr lvl="1" indent="360000" defTabSz="457200" fontAlgn="base">
+              <a:lnSpc>
+                <a:spcPct val="150000"/>
+              </a:lnSpc>
+              <a:spcAft>
+                <a:spcPts val="600"/>
+              </a:spcAft>
+              <a:buSzPct val="100000"/>
+              <a:buBlip>
+                <a:blip r:embed="rId2"/>
+              </a:buBlip>
+            </a:pPr>
+            <a:r>
+              <a:rPr lang="de-DE" sz="1600" b="1" kern="0" dirty="0">
+                <a:ea typeface="ＭＳ Ｐゴシック" charset="0"/>
+              </a:rPr>
+              <a:t>Parameter Update von Q-Learning</a:t>
+            </a:r>
+          </a:p>
+          <a:p>
+            <a:pPr lvl="1" indent="360000" defTabSz="457200" fontAlgn="base">
+              <a:lnSpc>
+                <a:spcPct val="150000"/>
+              </a:lnSpc>
+              <a:spcAft>
+                <a:spcPts val="600"/>
+              </a:spcAft>
+              <a:buSzPct val="100000"/>
+              <a:buBlip>
+                <a:blip r:embed="rId2"/>
+              </a:buBlip>
+            </a:pPr>
+            <a:r>
+              <a:rPr lang="de-DE" sz="1600" b="1" kern="0" dirty="0">
+                <a:ea typeface="ＭＳ Ｐゴシック" charset="0"/>
+              </a:rPr>
+              <a:t>Erste Metriken</a:t>
+            </a:r>
+          </a:p>
+          <a:p>
+            <a:pPr lvl="1" indent="360000" defTabSz="457200" fontAlgn="base">
+              <a:lnSpc>
+                <a:spcPct val="150000"/>
+              </a:lnSpc>
+              <a:spcAft>
+                <a:spcPts val="600"/>
+              </a:spcAft>
+              <a:buSzPct val="100000"/>
+              <a:buBlip>
+                <a:blip r:embed="rId2"/>
+              </a:buBlip>
+            </a:pPr>
+            <a:r>
+              <a:rPr lang="de-DE" sz="1600" b="1" kern="0" dirty="0">
+                <a:ea typeface="ＭＳ Ｐゴシック" charset="0"/>
+              </a:rPr>
+              <a:t>Visualisierung von Metriken in der UI</a:t>
+            </a:r>
+          </a:p>
+          <a:p>
+            <a:pPr lvl="1" indent="360000" defTabSz="457200" fontAlgn="base">
+              <a:lnSpc>
+                <a:spcPct val="150000"/>
+              </a:lnSpc>
+              <a:spcAft>
+                <a:spcPts val="600"/>
+              </a:spcAft>
+              <a:buSzPct val="100000"/>
+              <a:buBlip>
+                <a:blip r:embed="rId2"/>
+              </a:buBlip>
+            </a:pPr>
+            <a:r>
+              <a:rPr lang="de-DE" sz="1600" b="1" kern="0" dirty="0">
+                <a:ea typeface="ＭＳ Ｐゴシック" charset="0"/>
+              </a:rPr>
+              <a:t>Erweiterung durch neue Fenster</a:t>
+            </a:r>
+          </a:p>
+          <a:p>
+            <a:pPr lvl="1" indent="360000" defTabSz="457200" fontAlgn="base">
+              <a:lnSpc>
+                <a:spcPct val="150000"/>
+              </a:lnSpc>
+              <a:spcAft>
+                <a:spcPts val="600"/>
+              </a:spcAft>
+              <a:buSzPct val="100000"/>
+              <a:buBlip>
+                <a:blip r:embed="rId2"/>
+              </a:buBlip>
+            </a:pPr>
+            <a:endParaRPr lang="de-DE" sz="1600" b="1" kern="0" dirty="0">
+              <a:ea typeface="ＭＳ Ｐゴシック" charset="0"/>
+            </a:endParaRPr>
+          </a:p>
+        </p:txBody>
+      </p:sp>
+      <p:sp>
+        <p:nvSpPr>
+          <p:cNvPr id="5" name="Titel 4">
+            <a:extLst>
+              <a:ext uri="{FF2B5EF4-FFF2-40B4-BE49-F238E27FC236}">
+                <a16:creationId xmlns:a16="http://schemas.microsoft.com/office/drawing/2014/main" id="{A3FBF8F2-0C35-FDE3-B642-1517E00A651E}"/>
+              </a:ext>
+            </a:extLst>
+          </p:cNvPr>
+          <p:cNvSpPr>
+            <a:spLocks noGrp="1"/>
+          </p:cNvSpPr>
+          <p:nvPr>
+            <p:ph type="title"/>
+          </p:nvPr>
+        </p:nvSpPr>
+        <p:spPr>
+          <a:xfrm>
+            <a:off x="393600" y="406800"/>
+            <a:ext cx="9753600" cy="327600"/>
+          </a:xfrm>
+        </p:spPr>
+        <p:txBody>
+          <a:bodyPr vert="horz" wrap="square" lIns="0" tIns="0" rIns="0" bIns="0" numCol="1" rtlCol="0" anchor="ctr" anchorCtr="0" compatLnSpc="1">
+            <a:prstTxWarp prst="textNoShape">
+              <a:avLst/>
+            </a:prstTxWarp>
+            <a:normAutofit/>
+          </a:bodyPr>
+          <a:lstStyle/>
+          <a:p>
+            <a:pPr>
+              <a:lnSpc>
+                <a:spcPct val="90000"/>
+              </a:lnSpc>
+            </a:pPr>
+            <a:r>
+              <a:rPr lang="de-DE" i="1" dirty="0">
+                <a:latin typeface="+mj-lt"/>
+                <a:ea typeface="ＭＳ Ｐゴシック" charset="0"/>
+                <a:cs typeface="ＭＳ Ｐゴシック" charset="0"/>
+              </a:rPr>
+              <a:t>Implementierung</a:t>
+            </a:r>
+          </a:p>
+        </p:txBody>
+      </p:sp>
+      <p:sp>
+        <p:nvSpPr>
+          <p:cNvPr id="1080" name="Subtitle 4">
+            <a:extLst>
+              <a:ext uri="{FF2B5EF4-FFF2-40B4-BE49-F238E27FC236}">
+                <a16:creationId xmlns:a16="http://schemas.microsoft.com/office/drawing/2014/main" id="{F3008160-FC03-308D-1539-287757845EB4}"/>
+              </a:ext>
+            </a:extLst>
+          </p:cNvPr>
+          <p:cNvSpPr>
+            <a:spLocks noGrp="1"/>
+          </p:cNvSpPr>
+          <p:nvPr>
+            <p:ph type="subTitle" idx="1"/>
+          </p:nvPr>
+        </p:nvSpPr>
+        <p:spPr>
+          <a:xfrm>
+            <a:off x="393600" y="745067"/>
+            <a:ext cx="9753600" cy="342054"/>
+          </a:xfrm>
+        </p:spPr>
+        <p:txBody>
+          <a:bodyPr vert="horz" wrap="square" lIns="0" tIns="0" rIns="0" bIns="0" numCol="1" anchor="t" anchorCtr="0" compatLnSpc="1">
+            <a:prstTxWarp prst="textNoShape">
+              <a:avLst/>
+            </a:prstTxWarp>
+            <a:normAutofit/>
+          </a:bodyPr>
+          <a:lstStyle/>
+          <a:p>
+            <a:pPr>
+              <a:spcAft>
+                <a:spcPts val="600"/>
+              </a:spcAft>
+            </a:pPr>
+            <a:r>
+              <a:rPr lang="en-US" dirty="0"/>
+              <a:t>Saad</a:t>
+            </a:r>
+          </a:p>
+        </p:txBody>
+      </p:sp>
+      <p:sp>
+        <p:nvSpPr>
+          <p:cNvPr id="1087" name="Text Placeholder 5">
+            <a:extLst>
+              <a:ext uri="{FF2B5EF4-FFF2-40B4-BE49-F238E27FC236}">
+                <a16:creationId xmlns:a16="http://schemas.microsoft.com/office/drawing/2014/main" id="{B4AE4F47-BD16-3823-349D-7FD4F01C7F78}"/>
+              </a:ext>
+            </a:extLst>
+          </p:cNvPr>
+          <p:cNvSpPr>
+            <a:spLocks noGrp="1"/>
+          </p:cNvSpPr>
+          <p:nvPr>
+            <p:ph type="body" sz="quarter" idx="17"/>
+          </p:nvPr>
+        </p:nvSpPr>
+        <p:spPr>
+          <a:xfrm>
+            <a:off x="6308422" y="6398644"/>
+            <a:ext cx="5380801" cy="112766"/>
+          </a:xfrm>
+        </p:spPr>
+        <p:txBody>
+          <a:bodyPr/>
+          <a:lstStyle/>
+          <a:p>
+            <a:endParaRPr lang="en-US"/>
+          </a:p>
+        </p:txBody>
+      </p:sp>
+      <p:sp>
+        <p:nvSpPr>
+          <p:cNvPr id="7" name="Foliennummernplatzhalter 6">
+            <a:extLst>
+              <a:ext uri="{FF2B5EF4-FFF2-40B4-BE49-F238E27FC236}">
+                <a16:creationId xmlns:a16="http://schemas.microsoft.com/office/drawing/2014/main" id="{1F807370-C206-CB87-7C5F-9F30C7B7FA97}"/>
+              </a:ext>
+            </a:extLst>
+          </p:cNvPr>
+          <p:cNvSpPr>
+            <a:spLocks noGrp="1"/>
+          </p:cNvSpPr>
+          <p:nvPr>
+            <p:ph type="sldNum" sz="quarter" idx="21"/>
+          </p:nvPr>
+        </p:nvSpPr>
+        <p:spPr>
+          <a:xfrm>
+            <a:off x="393700" y="6627813"/>
+            <a:ext cx="255588" cy="207962"/>
+          </a:xfrm>
+        </p:spPr>
+        <p:txBody>
+          <a:bodyPr vert="horz" lIns="0" tIns="0" rIns="0" bIns="0" rtlCol="0" anchor="t" anchorCtr="0">
+            <a:normAutofit/>
+          </a:bodyPr>
+          <a:lstStyle/>
+          <a:p>
+            <a:pPr>
+              <a:spcAft>
+                <a:spcPts val="600"/>
+              </a:spcAft>
+              <a:defRPr/>
+            </a:pPr>
+            <a:fld id="{20549947-ECEE-CD4E-8E00-25DB9EFCD1C0}" type="slidenum">
+              <a:rPr lang="de-DE" kern="1200" baseline="0">
+                <a:latin typeface="Arial"/>
+                <a:ea typeface="+mn-ea"/>
+                <a:cs typeface="+mn-cs"/>
+              </a:rPr>
+              <a:pPr>
+                <a:spcAft>
+                  <a:spcPts val="600"/>
+                </a:spcAft>
+                <a:defRPr/>
+              </a:pPr>
+              <a:t>7</a:t>
+            </a:fld>
+            <a:endParaRPr lang="de-DE" kern="1200" baseline="0">
+              <a:latin typeface="Arial"/>
+              <a:ea typeface="+mn-ea"/>
+              <a:cs typeface="+mn-cs"/>
+            </a:endParaRPr>
+          </a:p>
+        </p:txBody>
+      </p:sp>
+      <p:sp>
+        <p:nvSpPr>
+          <p:cNvPr id="6" name="AutoShape 2" descr="An Introduction to Q-Learning: A Tutorial For Beginners | DataCamp">
+            <a:extLst>
+              <a:ext uri="{FF2B5EF4-FFF2-40B4-BE49-F238E27FC236}">
+                <a16:creationId xmlns:a16="http://schemas.microsoft.com/office/drawing/2014/main" id="{2B7124C7-891A-5A63-CAE3-670D0E376259}"/>
+              </a:ext>
+            </a:extLst>
+          </p:cNvPr>
+          <p:cNvSpPr>
+            <a:spLocks noChangeAspect="1" noChangeArrowheads="1"/>
+          </p:cNvSpPr>
+          <p:nvPr/>
+        </p:nvSpPr>
+        <p:spPr bwMode="auto">
+          <a:xfrm>
+            <a:off x="5943600" y="3276600"/>
+            <a:ext cx="304800" cy="304800"/>
+          </a:xfrm>
+          <a:prstGeom prst="rect">
+            <a:avLst/>
+          </a:prstGeom>
+          <a:noFill/>
+          <a:extLst>
+            <a:ext uri="{909E8E84-426E-40DD-AFC4-6F175D3DCCD1}">
+              <a14:hiddenFill xmlns:a14="http://schemas.microsoft.com/office/drawing/2010/main">
+                <a:solidFill>
+                  <a:srgbClr val="FFFFFF"/>
+                </a:solidFill>
+              </a14:hiddenFill>
+            </a:ext>
+          </a:extLst>
+        </p:spPr>
+        <p:txBody>
+          <a:bodyPr vert="horz" wrap="square" lIns="91440" tIns="45720" rIns="91440" bIns="45720" numCol="1" anchor="t" anchorCtr="0" compatLnSpc="1">
+            <a:prstTxWarp prst="textNoShape">
+              <a:avLst/>
+            </a:prstTxWarp>
+          </a:bodyPr>
+          <a:lstStyle/>
+          <a:p>
+            <a:endParaRPr lang="de-DE"/>
+          </a:p>
+        </p:txBody>
+      </p:sp>
+      <p:sp>
+        <p:nvSpPr>
+          <p:cNvPr id="8" name="AutoShape 4" descr="An Introduction to Q-Learning: A Tutorial For Beginners | DataCamp">
+            <a:extLst>
+              <a:ext uri="{FF2B5EF4-FFF2-40B4-BE49-F238E27FC236}">
+                <a16:creationId xmlns:a16="http://schemas.microsoft.com/office/drawing/2014/main" id="{1027DD02-DFA3-A9B5-B556-8A35AEF3EF90}"/>
+              </a:ext>
+            </a:extLst>
+          </p:cNvPr>
+          <p:cNvSpPr>
+            <a:spLocks noChangeAspect="1" noChangeArrowheads="1"/>
+          </p:cNvSpPr>
+          <p:nvPr/>
+        </p:nvSpPr>
+        <p:spPr bwMode="auto">
+          <a:xfrm>
+            <a:off x="6096000" y="3429000"/>
+            <a:ext cx="304800" cy="304800"/>
+          </a:xfrm>
+          <a:prstGeom prst="rect">
+            <a:avLst/>
+          </a:prstGeom>
+          <a:noFill/>
+          <a:extLst>
+            <a:ext uri="{909E8E84-426E-40DD-AFC4-6F175D3DCCD1}">
+              <a14:hiddenFill xmlns:a14="http://schemas.microsoft.com/office/drawing/2010/main">
+                <a:solidFill>
+                  <a:srgbClr val="FFFFFF"/>
+                </a:solidFill>
+              </a14:hiddenFill>
+            </a:ext>
+          </a:extLst>
+        </p:spPr>
+        <p:txBody>
+          <a:bodyPr vert="horz" wrap="square" lIns="91440" tIns="45720" rIns="91440" bIns="45720" numCol="1" anchor="t" anchorCtr="0" compatLnSpc="1">
+            <a:prstTxWarp prst="textNoShape">
+              <a:avLst/>
+            </a:prstTxWarp>
+          </a:bodyPr>
+          <a:lstStyle/>
+          <a:p>
+            <a:endParaRPr lang="de-DE"/>
+          </a:p>
+        </p:txBody>
+      </p:sp>
+      <p:sp>
+        <p:nvSpPr>
+          <p:cNvPr id="10" name="AutoShape 6" descr="Q Learning Header">
+            <a:extLst>
+              <a:ext uri="{FF2B5EF4-FFF2-40B4-BE49-F238E27FC236}">
+                <a16:creationId xmlns:a16="http://schemas.microsoft.com/office/drawing/2014/main" id="{87F5E8F3-AB44-F705-3628-209814C528E3}"/>
+              </a:ext>
+            </a:extLst>
+          </p:cNvPr>
+          <p:cNvSpPr>
+            <a:spLocks noChangeAspect="1" noChangeArrowheads="1"/>
+          </p:cNvSpPr>
+          <p:nvPr/>
+        </p:nvSpPr>
+        <p:spPr bwMode="auto">
+          <a:xfrm>
+            <a:off x="6248400" y="3581400"/>
+            <a:ext cx="304800" cy="304800"/>
+          </a:xfrm>
+          <a:prstGeom prst="rect">
+            <a:avLst/>
+          </a:prstGeom>
+          <a:noFill/>
+          <a:extLst>
+            <a:ext uri="{909E8E84-426E-40DD-AFC4-6F175D3DCCD1}">
+              <a14:hiddenFill xmlns:a14="http://schemas.microsoft.com/office/drawing/2010/main">
+                <a:solidFill>
+                  <a:srgbClr val="FFFFFF"/>
+                </a:solidFill>
+              </a14:hiddenFill>
+            </a:ext>
+          </a:extLst>
+        </p:spPr>
+        <p:txBody>
+          <a:bodyPr vert="horz" wrap="square" lIns="91440" tIns="45720" rIns="91440" bIns="45720" numCol="1" anchor="t" anchorCtr="0" compatLnSpc="1">
+            <a:prstTxWarp prst="textNoShape">
+              <a:avLst/>
+            </a:prstTxWarp>
+          </a:bodyPr>
+          <a:lstStyle/>
+          <a:p>
+            <a:endParaRPr lang="de-DE" dirty="0"/>
+          </a:p>
+        </p:txBody>
+      </p:sp>
+    </p:spTree>
+    <p:extLst>
+      <p:ext uri="{BB962C8B-B14F-4D97-AF65-F5344CB8AC3E}">
+        <p14:creationId xmlns:p14="http://schemas.microsoft.com/office/powerpoint/2010/main" val="1984989581"/>
+      </p:ext>
+    </p:extLst>
+  </p:cSld>
+  <p:clrMapOvr>
+    <a:masterClrMapping/>
+  </p:clrMapOvr>
+</p:sld>
+</file>
+
+<file path=ppt/slides/slide8.xml><?xml version="1.0" encoding="utf-8"?>
+<p:sld xmlns:a="http://schemas.openxmlformats.org/drawingml/2006/main" xmlns:r="http://schemas.openxmlformats.org/officeDocument/2006/relationships" xmlns:p="http://schemas.openxmlformats.org/presentationml/2006/main">
+  <p:cSld>
+    <p:spTree>
+      <p:nvGrpSpPr>
+        <p:cNvPr id="1" name="">
+          <a:extLst>
+            <a:ext uri="{FF2B5EF4-FFF2-40B4-BE49-F238E27FC236}">
+              <a16:creationId xmlns:a16="http://schemas.microsoft.com/office/drawing/2014/main" id="{D5A35DC4-88B2-141D-BF86-79070E0139C3}"/>
+            </a:ext>
+          </a:extLst>
+        </p:cNvPr>
+        <p:cNvGrpSpPr/>
+        <p:nvPr/>
+      </p:nvGrpSpPr>
+      <p:grpSpPr>
+        <a:xfrm>
+          <a:off x="0" y="0"/>
+          <a:ext cx="0" cy="0"/>
+          <a:chOff x="0" y="0"/>
+          <a:chExt cx="0" cy="0"/>
+        </a:xfrm>
+      </p:grpSpPr>
+      <p:sp>
+        <p:nvSpPr>
+          <p:cNvPr id="2" name="Textfeld 1">
+            <a:extLst>
+              <a:ext uri="{FF2B5EF4-FFF2-40B4-BE49-F238E27FC236}">
+                <a16:creationId xmlns:a16="http://schemas.microsoft.com/office/drawing/2014/main" id="{0845513A-7AB9-70AF-8847-6A901962C73C}"/>
+              </a:ext>
+            </a:extLst>
+          </p:cNvPr>
+          <p:cNvSpPr txBox="1"/>
+          <p:nvPr/>
+        </p:nvSpPr>
+        <p:spPr bwMode="auto">
+          <a:xfrm>
+            <a:off x="393601" y="1314450"/>
+            <a:ext cx="5337728" cy="4960642"/>
+          </a:xfrm>
+          <a:prstGeom prst="rect">
+            <a:avLst/>
+          </a:prstGeom>
+          <a:noFill/>
+          <a:ln>
+            <a:noFill/>
+          </a:ln>
+          <a:extLst>
+            <a:ext uri="{909E8E84-426E-40dd-AFC4-6F175D3DCCD1}">
+              <a14:hiddenFill xmlns="" xmlns:a14="http://schemas.microsoft.com/office/drawing/2010/main">
+                <a:solidFill>
+                  <a:srgbClr val="FFFFFF"/>
+                </a:solidFill>
+              </a14:hiddenFill>
+            </a:ext>
+            <a:ext uri="{91240B29-F687-4f45-9708-019B960494DF}">
+              <a14:hiddenLine xmlns="" xmlns:a14="http://schemas.microsoft.com/office/drawing/2010/main" w="9525">
+                <a:solidFill>
+                  <a:srgbClr val="000000"/>
+                </a:solidFill>
+                <a:miter lim="800000"/>
+                <a:headEnd/>
+                <a:tailEnd/>
+              </a14:hiddenLine>
+            </a:ext>
+            <a:ext uri="{FAA26D3D-D897-4be2-8F04-BA451C77F1D7}">
+              <ma14:placeholderFlag xmlns="" xmlns:ma14="http://schemas.microsoft.com/office/mac/drawingml/2011/main" val="1"/>
+            </a:ext>
+          </a:extLst>
+        </p:spPr>
+        <p:txBody>
+          <a:bodyPr vert="horz" wrap="square" lIns="0" tIns="0" rIns="0" bIns="0" numCol="1" rtlCol="0" anchor="t" anchorCtr="0" compatLnSpc="1">
+            <a:prstTxWarp prst="textNoShape">
+              <a:avLst/>
+            </a:prstTxWarp>
+            <a:normAutofit fontScale="92500" lnSpcReduction="20000"/>
+          </a:bodyPr>
+          <a:lstStyle/>
+          <a:p>
+            <a:pPr indent="360000" defTabSz="457200" fontAlgn="base">
+              <a:lnSpc>
+                <a:spcPct val="150000"/>
+              </a:lnSpc>
+              <a:spcAft>
+                <a:spcPts val="600"/>
+              </a:spcAft>
+              <a:buSzPct val="100000"/>
+              <a:buBlip>
+                <a:blip r:embed="rId2"/>
+              </a:buBlip>
+            </a:pPr>
+            <a:r>
+              <a:rPr lang="de-DE" sz="1600" b="1" kern="0" dirty="0">
+                <a:ea typeface="ＭＳ Ｐゴシック" charset="0"/>
+              </a:rPr>
+              <a:t>Implementierung</a:t>
+            </a:r>
+          </a:p>
+          <a:p>
+            <a:pPr lvl="1" indent="360000" defTabSz="457200" fontAlgn="base">
+              <a:lnSpc>
+                <a:spcPct val="150000"/>
+              </a:lnSpc>
+              <a:spcAft>
+                <a:spcPts val="600"/>
+              </a:spcAft>
+              <a:buSzPct val="100000"/>
+              <a:buBlip>
+                <a:blip r:embed="rId2"/>
+              </a:buBlip>
+            </a:pPr>
+            <a:r>
+              <a:rPr lang="de-DE" sz="1600" b="1" kern="0" dirty="0">
+                <a:ea typeface="ＭＳ Ｐゴシック" charset="0"/>
+              </a:rPr>
+              <a:t>Maze Generator &amp; neue Maps</a:t>
+            </a:r>
+          </a:p>
+          <a:p>
+            <a:pPr lvl="2" indent="360000" defTabSz="457200" fontAlgn="base">
+              <a:lnSpc>
+                <a:spcPct val="150000"/>
+              </a:lnSpc>
+              <a:spcAft>
+                <a:spcPts val="600"/>
+              </a:spcAft>
+              <a:buSzPct val="100000"/>
+              <a:buBlip>
+                <a:blip r:embed="rId2"/>
+              </a:buBlip>
+            </a:pPr>
+            <a:r>
+              <a:rPr lang="de-DE" sz="1600" b="1" kern="0" dirty="0">
+                <a:ea typeface="ＭＳ Ｐゴシック" charset="0"/>
+              </a:rPr>
+              <a:t>Normale </a:t>
+            </a:r>
+            <a:r>
+              <a:rPr lang="de-DE" sz="1600" b="1" kern="0" dirty="0" err="1">
+                <a:ea typeface="ＭＳ Ｐゴシック" charset="0"/>
+              </a:rPr>
+              <a:t>Map</a:t>
+            </a:r>
+            <a:endParaRPr lang="de-DE" sz="1600" b="1" kern="0" dirty="0">
+              <a:ea typeface="ＭＳ Ｐゴシック" charset="0"/>
+            </a:endParaRPr>
+          </a:p>
+          <a:p>
+            <a:pPr lvl="2" indent="360000" defTabSz="457200" fontAlgn="base">
+              <a:lnSpc>
+                <a:spcPct val="150000"/>
+              </a:lnSpc>
+              <a:spcAft>
+                <a:spcPts val="600"/>
+              </a:spcAft>
+              <a:buSzPct val="100000"/>
+              <a:buBlip>
+                <a:blip r:embed="rId2"/>
+              </a:buBlip>
+            </a:pPr>
+            <a:r>
+              <a:rPr lang="de-DE" sz="1600" b="1" kern="0" dirty="0">
+                <a:ea typeface="ＭＳ Ｐゴシック" charset="0"/>
+              </a:rPr>
+              <a:t>Snake </a:t>
+            </a:r>
+            <a:r>
+              <a:rPr lang="de-DE" sz="1600" b="1" kern="0" dirty="0" err="1">
+                <a:ea typeface="ＭＳ Ｐゴシック" charset="0"/>
+              </a:rPr>
+              <a:t>Map</a:t>
+            </a:r>
+            <a:endParaRPr lang="de-DE" sz="1600" b="1" kern="0" dirty="0">
+              <a:ea typeface="ＭＳ Ｐゴシック" charset="0"/>
+            </a:endParaRPr>
+          </a:p>
+          <a:p>
+            <a:pPr lvl="2" indent="360000" defTabSz="457200" fontAlgn="base">
+              <a:lnSpc>
+                <a:spcPct val="150000"/>
+              </a:lnSpc>
+              <a:spcAft>
+                <a:spcPts val="600"/>
+              </a:spcAft>
+              <a:buSzPct val="100000"/>
+              <a:buBlip>
+                <a:blip r:embed="rId2"/>
+              </a:buBlip>
+            </a:pPr>
+            <a:r>
+              <a:rPr lang="de-DE" sz="1600" b="1" kern="0" dirty="0">
+                <a:ea typeface="ＭＳ Ｐゴシック" charset="0"/>
+              </a:rPr>
+              <a:t>Open </a:t>
+            </a:r>
+            <a:r>
+              <a:rPr lang="de-DE" sz="1600" b="1" kern="0" dirty="0" err="1">
+                <a:ea typeface="ＭＳ Ｐゴシック" charset="0"/>
+              </a:rPr>
+              <a:t>Map</a:t>
+            </a:r>
+            <a:endParaRPr lang="de-DE" sz="1600" b="1" kern="0" dirty="0">
+              <a:ea typeface="ＭＳ Ｐゴシック" charset="0"/>
+            </a:endParaRPr>
+          </a:p>
+          <a:p>
+            <a:pPr lvl="2" indent="360000" defTabSz="457200" fontAlgn="base">
+              <a:lnSpc>
+                <a:spcPct val="150000"/>
+              </a:lnSpc>
+              <a:spcAft>
+                <a:spcPts val="600"/>
+              </a:spcAft>
+              <a:buSzPct val="100000"/>
+              <a:buBlip>
+                <a:blip r:embed="rId2"/>
+              </a:buBlip>
+            </a:pPr>
+            <a:r>
+              <a:rPr lang="de-DE" sz="1600" b="1" kern="0" dirty="0">
+                <a:ea typeface="ＭＳ Ｐゴシック" charset="0"/>
+              </a:rPr>
+              <a:t>Bottleneck </a:t>
+            </a:r>
+            <a:r>
+              <a:rPr lang="de-DE" sz="1600" b="1" kern="0" dirty="0" err="1">
+                <a:ea typeface="ＭＳ Ｐゴシック" charset="0"/>
+              </a:rPr>
+              <a:t>Map</a:t>
+            </a:r>
+            <a:endParaRPr lang="de-DE" sz="1600" b="1" kern="0" dirty="0">
+              <a:ea typeface="ＭＳ Ｐゴシック" charset="0"/>
+            </a:endParaRPr>
+          </a:p>
+          <a:p>
+            <a:pPr lvl="1" indent="360000" defTabSz="457200" fontAlgn="base">
+              <a:lnSpc>
+                <a:spcPct val="150000"/>
+              </a:lnSpc>
+              <a:spcAft>
+                <a:spcPts val="600"/>
+              </a:spcAft>
+              <a:buSzPct val="100000"/>
+              <a:buBlip>
+                <a:blip r:embed="rId2"/>
+              </a:buBlip>
+            </a:pPr>
+            <a:r>
+              <a:rPr lang="de-DE" sz="1600" b="1" kern="0" dirty="0">
+                <a:ea typeface="ＭＳ Ｐゴシック" charset="0"/>
+              </a:rPr>
+              <a:t>Maps wechseln in der UI</a:t>
+            </a:r>
+          </a:p>
+          <a:p>
+            <a:pPr lvl="1" indent="360000" defTabSz="457200" fontAlgn="base">
+              <a:lnSpc>
+                <a:spcPct val="150000"/>
+              </a:lnSpc>
+              <a:spcAft>
+                <a:spcPts val="600"/>
+              </a:spcAft>
+              <a:buSzPct val="100000"/>
+              <a:buBlip>
+                <a:blip r:embed="rId2"/>
+              </a:buBlip>
+            </a:pPr>
+            <a:r>
+              <a:rPr lang="de-DE" sz="1600" b="1" kern="0" dirty="0">
+                <a:ea typeface="ＭＳ Ｐゴシック" charset="0"/>
+              </a:rPr>
+              <a:t>Neue Metriken zum Ablegen</a:t>
+            </a:r>
+          </a:p>
+          <a:p>
+            <a:pPr lvl="2" indent="360000" defTabSz="457200" fontAlgn="base">
+              <a:lnSpc>
+                <a:spcPct val="150000"/>
+              </a:lnSpc>
+              <a:spcAft>
+                <a:spcPts val="600"/>
+              </a:spcAft>
+              <a:buSzPct val="100000"/>
+              <a:buBlip>
+                <a:blip r:embed="rId2"/>
+              </a:buBlip>
+            </a:pPr>
+            <a:r>
+              <a:rPr lang="de-DE" sz="1600" b="1" kern="0" dirty="0">
+                <a:ea typeface="ＭＳ Ｐゴシック" charset="0"/>
+              </a:rPr>
+              <a:t>Total </a:t>
+            </a:r>
+            <a:r>
+              <a:rPr lang="de-DE" sz="1600" b="1" kern="0" dirty="0" err="1">
+                <a:ea typeface="ＭＳ Ｐゴシック" charset="0"/>
+              </a:rPr>
+              <a:t>runs</a:t>
+            </a:r>
+            <a:endParaRPr lang="de-DE" sz="1600" b="1" kern="0" dirty="0">
+              <a:ea typeface="ＭＳ Ｐゴシック" charset="0"/>
+            </a:endParaRPr>
+          </a:p>
+          <a:p>
+            <a:pPr lvl="2" indent="360000" defTabSz="457200" fontAlgn="base">
+              <a:lnSpc>
+                <a:spcPct val="150000"/>
+              </a:lnSpc>
+              <a:spcAft>
+                <a:spcPts val="600"/>
+              </a:spcAft>
+              <a:buSzPct val="100000"/>
+              <a:buBlip>
+                <a:blip r:embed="rId2"/>
+              </a:buBlip>
+            </a:pPr>
+            <a:r>
+              <a:rPr lang="de-DE" sz="1600" b="1" kern="0" dirty="0" err="1">
+                <a:ea typeface="ＭＳ Ｐゴシック" charset="0"/>
+              </a:rPr>
+              <a:t>Successful</a:t>
+            </a:r>
+            <a:r>
+              <a:rPr lang="de-DE" sz="1600" b="1" kern="0" dirty="0">
+                <a:ea typeface="ＭＳ Ｐゴシック" charset="0"/>
+              </a:rPr>
+              <a:t> </a:t>
+            </a:r>
+            <a:r>
+              <a:rPr lang="de-DE" sz="1600" b="1" kern="0" dirty="0" err="1">
+                <a:ea typeface="ＭＳ Ｐゴシック" charset="0"/>
+              </a:rPr>
+              <a:t>runs</a:t>
+            </a:r>
+            <a:endParaRPr lang="de-DE" sz="1600" b="1" kern="0" dirty="0">
+              <a:ea typeface="ＭＳ Ｐゴシック" charset="0"/>
+            </a:endParaRPr>
+          </a:p>
+          <a:p>
+            <a:pPr lvl="2" indent="360000" defTabSz="457200" fontAlgn="base">
+              <a:lnSpc>
+                <a:spcPct val="150000"/>
+              </a:lnSpc>
+              <a:spcAft>
+                <a:spcPts val="600"/>
+              </a:spcAft>
+              <a:buSzPct val="100000"/>
+              <a:buBlip>
+                <a:blip r:embed="rId2"/>
+              </a:buBlip>
+            </a:pPr>
+            <a:r>
+              <a:rPr lang="de-DE" sz="1600" b="1" kern="0" dirty="0">
+                <a:ea typeface="ＭＳ Ｐゴシック" charset="0"/>
+              </a:rPr>
+              <a:t>Path </a:t>
+            </a:r>
+            <a:r>
+              <a:rPr lang="de-DE" sz="1600" b="1" kern="0" dirty="0" err="1">
+                <a:ea typeface="ＭＳ Ｐゴシック" charset="0"/>
+              </a:rPr>
+              <a:t>length</a:t>
+            </a:r>
+            <a:endParaRPr lang="de-DE" sz="1600" b="1" kern="0" dirty="0">
+              <a:ea typeface="ＭＳ Ｐゴシック" charset="0"/>
+            </a:endParaRPr>
+          </a:p>
+          <a:p>
+            <a:pPr lvl="2" indent="360000" defTabSz="457200" fontAlgn="base">
+              <a:lnSpc>
+                <a:spcPct val="150000"/>
+              </a:lnSpc>
+              <a:spcAft>
+                <a:spcPts val="600"/>
+              </a:spcAft>
+              <a:buSzPct val="100000"/>
+              <a:buBlip>
+                <a:blip r:embed="rId2"/>
+              </a:buBlip>
+            </a:pPr>
+            <a:r>
+              <a:rPr lang="de-DE" sz="1600" b="1" kern="0" dirty="0" err="1">
+                <a:ea typeface="ＭＳ Ｐゴシック" charset="0"/>
+              </a:rPr>
+              <a:t>Completion</a:t>
+            </a:r>
+            <a:r>
+              <a:rPr lang="de-DE" sz="1600" b="1" kern="0" dirty="0">
+                <a:ea typeface="ＭＳ Ｐゴシック" charset="0"/>
+              </a:rPr>
+              <a:t> time</a:t>
+            </a:r>
+          </a:p>
+          <a:p>
+            <a:pPr lvl="2" indent="360000" defTabSz="457200" fontAlgn="base">
+              <a:lnSpc>
+                <a:spcPct val="150000"/>
+              </a:lnSpc>
+              <a:spcAft>
+                <a:spcPts val="600"/>
+              </a:spcAft>
+              <a:buSzPct val="100000"/>
+              <a:buBlip>
+                <a:blip r:embed="rId2"/>
+              </a:buBlip>
+            </a:pPr>
+            <a:r>
+              <a:rPr lang="de-DE" sz="1600" b="1" kern="0" dirty="0">
+                <a:ea typeface="ＭＳ Ｐゴシック" charset="0"/>
+              </a:rPr>
+              <a:t>(Nodes </a:t>
+            </a:r>
+            <a:r>
+              <a:rPr lang="de-DE" sz="1600" b="1" kern="0" dirty="0" err="1">
+                <a:ea typeface="ＭＳ Ｐゴシック" charset="0"/>
+              </a:rPr>
+              <a:t>explored</a:t>
+            </a:r>
+            <a:r>
+              <a:rPr lang="de-DE" sz="1600" b="1" kern="0" dirty="0">
+                <a:ea typeface="ＭＳ Ｐゴシック" charset="0"/>
+              </a:rPr>
+              <a:t>)</a:t>
+            </a:r>
+          </a:p>
+          <a:p>
+            <a:pPr lvl="1" indent="360000" defTabSz="457200" fontAlgn="base">
+              <a:lnSpc>
+                <a:spcPct val="150000"/>
+              </a:lnSpc>
+              <a:spcAft>
+                <a:spcPts val="600"/>
+              </a:spcAft>
+              <a:buSzPct val="100000"/>
+              <a:buBlip>
+                <a:blip r:embed="rId2"/>
+              </a:buBlip>
+            </a:pPr>
+            <a:endParaRPr lang="de-DE" sz="1600" b="1" kern="0" dirty="0">
+              <a:ea typeface="ＭＳ Ｐゴシック" charset="0"/>
+            </a:endParaRPr>
+          </a:p>
+        </p:txBody>
+      </p:sp>
+      <p:sp>
+        <p:nvSpPr>
+          <p:cNvPr id="5" name="Titel 4">
+            <a:extLst>
+              <a:ext uri="{FF2B5EF4-FFF2-40B4-BE49-F238E27FC236}">
+                <a16:creationId xmlns:a16="http://schemas.microsoft.com/office/drawing/2014/main" id="{3A2EC839-6722-E8F1-D260-B98DA68CECF6}"/>
+              </a:ext>
+            </a:extLst>
+          </p:cNvPr>
+          <p:cNvSpPr>
+            <a:spLocks noGrp="1"/>
+          </p:cNvSpPr>
+          <p:nvPr>
+            <p:ph type="title"/>
+          </p:nvPr>
+        </p:nvSpPr>
+        <p:spPr>
+          <a:xfrm>
+            <a:off x="393600" y="406800"/>
+            <a:ext cx="9753600" cy="327600"/>
+          </a:xfrm>
+        </p:spPr>
+        <p:txBody>
+          <a:bodyPr vert="horz" wrap="square" lIns="0" tIns="0" rIns="0" bIns="0" numCol="1" rtlCol="0" anchor="ctr" anchorCtr="0" compatLnSpc="1">
+            <a:prstTxWarp prst="textNoShape">
+              <a:avLst/>
+            </a:prstTxWarp>
+            <a:normAutofit/>
+          </a:bodyPr>
+          <a:lstStyle/>
+          <a:p>
+            <a:pPr>
+              <a:lnSpc>
+                <a:spcPct val="90000"/>
+              </a:lnSpc>
+            </a:pPr>
+            <a:r>
+              <a:rPr lang="de-DE" i="1" dirty="0">
+                <a:latin typeface="+mj-lt"/>
+                <a:ea typeface="ＭＳ Ｐゴシック" charset="0"/>
+                <a:cs typeface="ＭＳ Ｐゴシック" charset="0"/>
+              </a:rPr>
+              <a:t>Implementierung</a:t>
+            </a:r>
+          </a:p>
+        </p:txBody>
+      </p:sp>
+      <p:sp>
+        <p:nvSpPr>
+          <p:cNvPr id="1080" name="Subtitle 4">
+            <a:extLst>
+              <a:ext uri="{FF2B5EF4-FFF2-40B4-BE49-F238E27FC236}">
+                <a16:creationId xmlns:a16="http://schemas.microsoft.com/office/drawing/2014/main" id="{2929E13F-6CB1-1CF9-B861-513E9FB8D3FF}"/>
+              </a:ext>
+            </a:extLst>
+          </p:cNvPr>
+          <p:cNvSpPr>
+            <a:spLocks noGrp="1"/>
+          </p:cNvSpPr>
+          <p:nvPr>
+            <p:ph type="subTitle" idx="1"/>
+          </p:nvPr>
+        </p:nvSpPr>
+        <p:spPr>
+          <a:xfrm>
+            <a:off x="393600" y="745067"/>
+            <a:ext cx="9753600" cy="342054"/>
+          </a:xfrm>
+        </p:spPr>
+        <p:txBody>
+          <a:bodyPr vert="horz" wrap="square" lIns="0" tIns="0" rIns="0" bIns="0" numCol="1" anchor="t" anchorCtr="0" compatLnSpc="1">
+            <a:prstTxWarp prst="textNoShape">
+              <a:avLst/>
+            </a:prstTxWarp>
+            <a:normAutofit/>
+          </a:bodyPr>
+          <a:lstStyle/>
+          <a:p>
+            <a:pPr>
+              <a:spcAft>
+                <a:spcPts val="600"/>
+              </a:spcAft>
+            </a:pPr>
+            <a:r>
+              <a:rPr lang="en-US" dirty="0"/>
+              <a:t>Truong</a:t>
+            </a:r>
+          </a:p>
+        </p:txBody>
+      </p:sp>
+      <p:sp>
+        <p:nvSpPr>
+          <p:cNvPr id="1087" name="Text Placeholder 5">
+            <a:extLst>
+              <a:ext uri="{FF2B5EF4-FFF2-40B4-BE49-F238E27FC236}">
+                <a16:creationId xmlns:a16="http://schemas.microsoft.com/office/drawing/2014/main" id="{4B6F2425-A045-D9A6-9A61-BAD346612983}"/>
+              </a:ext>
+            </a:extLst>
+          </p:cNvPr>
+          <p:cNvSpPr>
+            <a:spLocks noGrp="1"/>
+          </p:cNvSpPr>
+          <p:nvPr>
+            <p:ph type="body" sz="quarter" idx="17"/>
+          </p:nvPr>
+        </p:nvSpPr>
+        <p:spPr>
+          <a:xfrm>
+            <a:off x="6308422" y="6398644"/>
+            <a:ext cx="5380801" cy="112766"/>
+          </a:xfrm>
+        </p:spPr>
+        <p:txBody>
+          <a:bodyPr/>
+          <a:lstStyle/>
+          <a:p>
+            <a:endParaRPr lang="en-US"/>
+          </a:p>
+        </p:txBody>
+      </p:sp>
+      <p:sp>
+        <p:nvSpPr>
+          <p:cNvPr id="7" name="Foliennummernplatzhalter 6">
+            <a:extLst>
+              <a:ext uri="{FF2B5EF4-FFF2-40B4-BE49-F238E27FC236}">
+                <a16:creationId xmlns:a16="http://schemas.microsoft.com/office/drawing/2014/main" id="{04BD0C08-BD5D-CB76-7BC4-57FB91C09478}"/>
+              </a:ext>
+            </a:extLst>
+          </p:cNvPr>
+          <p:cNvSpPr>
+            <a:spLocks noGrp="1"/>
+          </p:cNvSpPr>
+          <p:nvPr>
+            <p:ph type="sldNum" sz="quarter" idx="21"/>
+          </p:nvPr>
+        </p:nvSpPr>
+        <p:spPr>
+          <a:xfrm>
+            <a:off x="393700" y="6627813"/>
+            <a:ext cx="255588" cy="207962"/>
+          </a:xfrm>
+        </p:spPr>
+        <p:txBody>
+          <a:bodyPr vert="horz" lIns="0" tIns="0" rIns="0" bIns="0" rtlCol="0" anchor="t" anchorCtr="0">
+            <a:normAutofit/>
+          </a:bodyPr>
+          <a:lstStyle/>
+          <a:p>
+            <a:pPr>
+              <a:spcAft>
+                <a:spcPts val="600"/>
+              </a:spcAft>
+              <a:defRPr/>
+            </a:pPr>
+            <a:fld id="{20549947-ECEE-CD4E-8E00-25DB9EFCD1C0}" type="slidenum">
+              <a:rPr lang="de-DE" kern="1200" baseline="0">
+                <a:latin typeface="Arial"/>
+                <a:ea typeface="+mn-ea"/>
+                <a:cs typeface="+mn-cs"/>
+              </a:rPr>
+              <a:pPr>
+                <a:spcAft>
+                  <a:spcPts val="600"/>
+                </a:spcAft>
+                <a:defRPr/>
+              </a:pPr>
+              <a:t>8</a:t>
+            </a:fld>
+            <a:endParaRPr lang="de-DE" kern="1200" baseline="0">
+              <a:latin typeface="Arial"/>
+              <a:ea typeface="+mn-ea"/>
+              <a:cs typeface="+mn-cs"/>
+            </a:endParaRPr>
+          </a:p>
+        </p:txBody>
+      </p:sp>
+      <p:sp>
+        <p:nvSpPr>
+          <p:cNvPr id="6" name="AutoShape 2" descr="An Introduction to Q-Learning: A Tutorial For Beginners | DataCamp">
+            <a:extLst>
+              <a:ext uri="{FF2B5EF4-FFF2-40B4-BE49-F238E27FC236}">
+                <a16:creationId xmlns:a16="http://schemas.microsoft.com/office/drawing/2014/main" id="{2DF3DD0D-F873-7B6C-511D-FA777700D3AA}"/>
+              </a:ext>
+            </a:extLst>
+          </p:cNvPr>
+          <p:cNvSpPr>
+            <a:spLocks noChangeAspect="1" noChangeArrowheads="1"/>
+          </p:cNvSpPr>
+          <p:nvPr/>
+        </p:nvSpPr>
+        <p:spPr bwMode="auto">
+          <a:xfrm>
+            <a:off x="5943600" y="3276600"/>
+            <a:ext cx="304800" cy="304800"/>
+          </a:xfrm>
+          <a:prstGeom prst="rect">
+            <a:avLst/>
+          </a:prstGeom>
+          <a:noFill/>
+          <a:extLst>
+            <a:ext uri="{909E8E84-426E-40DD-AFC4-6F175D3DCCD1}">
+              <a14:hiddenFill xmlns:a14="http://schemas.microsoft.com/office/drawing/2010/main">
+                <a:solidFill>
+                  <a:srgbClr val="FFFFFF"/>
+                </a:solidFill>
+              </a14:hiddenFill>
+            </a:ext>
+          </a:extLst>
+        </p:spPr>
+        <p:txBody>
+          <a:bodyPr vert="horz" wrap="square" lIns="91440" tIns="45720" rIns="91440" bIns="45720" numCol="1" anchor="t" anchorCtr="0" compatLnSpc="1">
+            <a:prstTxWarp prst="textNoShape">
+              <a:avLst/>
+            </a:prstTxWarp>
+          </a:bodyPr>
+          <a:lstStyle/>
+          <a:p>
+            <a:endParaRPr lang="de-DE"/>
+          </a:p>
+        </p:txBody>
+      </p:sp>
+      <p:sp>
+        <p:nvSpPr>
+          <p:cNvPr id="8" name="AutoShape 4" descr="An Introduction to Q-Learning: A Tutorial For Beginners | DataCamp">
+            <a:extLst>
+              <a:ext uri="{FF2B5EF4-FFF2-40B4-BE49-F238E27FC236}">
+                <a16:creationId xmlns:a16="http://schemas.microsoft.com/office/drawing/2014/main" id="{7502B2A4-01AB-B138-DE09-FA41850B13C6}"/>
+              </a:ext>
+            </a:extLst>
+          </p:cNvPr>
+          <p:cNvSpPr>
+            <a:spLocks noChangeAspect="1" noChangeArrowheads="1"/>
+          </p:cNvSpPr>
+          <p:nvPr/>
+        </p:nvSpPr>
+        <p:spPr bwMode="auto">
+          <a:xfrm>
+            <a:off x="6096000" y="3429000"/>
+            <a:ext cx="304800" cy="304800"/>
+          </a:xfrm>
+          <a:prstGeom prst="rect">
+            <a:avLst/>
+          </a:prstGeom>
+          <a:noFill/>
+          <a:extLst>
+            <a:ext uri="{909E8E84-426E-40DD-AFC4-6F175D3DCCD1}">
+              <a14:hiddenFill xmlns:a14="http://schemas.microsoft.com/office/drawing/2010/main">
+                <a:solidFill>
+                  <a:srgbClr val="FFFFFF"/>
+                </a:solidFill>
+              </a14:hiddenFill>
+            </a:ext>
+          </a:extLst>
+        </p:spPr>
+        <p:txBody>
+          <a:bodyPr vert="horz" wrap="square" lIns="91440" tIns="45720" rIns="91440" bIns="45720" numCol="1" anchor="t" anchorCtr="0" compatLnSpc="1">
+            <a:prstTxWarp prst="textNoShape">
+              <a:avLst/>
+            </a:prstTxWarp>
+          </a:bodyPr>
+          <a:lstStyle/>
+          <a:p>
+            <a:endParaRPr lang="de-DE"/>
+          </a:p>
+        </p:txBody>
+      </p:sp>
+      <p:sp>
+        <p:nvSpPr>
+          <p:cNvPr id="10" name="AutoShape 6" descr="Q Learning Header">
+            <a:extLst>
+              <a:ext uri="{FF2B5EF4-FFF2-40B4-BE49-F238E27FC236}">
+                <a16:creationId xmlns:a16="http://schemas.microsoft.com/office/drawing/2014/main" id="{6CCA28A9-616D-5D57-6B62-8B2F9B2533F3}"/>
+              </a:ext>
+            </a:extLst>
+          </p:cNvPr>
+          <p:cNvSpPr>
+            <a:spLocks noChangeAspect="1" noChangeArrowheads="1"/>
+          </p:cNvSpPr>
+          <p:nvPr/>
+        </p:nvSpPr>
+        <p:spPr bwMode="auto">
+          <a:xfrm>
+            <a:off x="6248400" y="3581400"/>
+            <a:ext cx="304800" cy="304800"/>
+          </a:xfrm>
+          <a:prstGeom prst="rect">
+            <a:avLst/>
+          </a:prstGeom>
+          <a:noFill/>
+          <a:extLst>
+            <a:ext uri="{909E8E84-426E-40DD-AFC4-6F175D3DCCD1}">
+              <a14:hiddenFill xmlns:a14="http://schemas.microsoft.com/office/drawing/2010/main">
+                <a:solidFill>
+                  <a:srgbClr val="FFFFFF"/>
+                </a:solidFill>
+              </a14:hiddenFill>
+            </a:ext>
+          </a:extLst>
+        </p:spPr>
+        <p:txBody>
+          <a:bodyPr vert="horz" wrap="square" lIns="91440" tIns="45720" rIns="91440" bIns="45720" numCol="1" anchor="t" anchorCtr="0" compatLnSpc="1">
+            <a:prstTxWarp prst="textNoShape">
+              <a:avLst/>
+            </a:prstTxWarp>
+          </a:bodyPr>
+          <a:lstStyle/>
+          <a:p>
+            <a:endParaRPr lang="de-DE" dirty="0"/>
+          </a:p>
+        </p:txBody>
+      </p:sp>
+      <p:pic>
+        <p:nvPicPr>
+          <p:cNvPr id="4" name="Grafik 3" descr="Ein Bild, das nähen, monochrom, Muster enthält.&#10;&#10;Automatisch generierte Beschreibung">
+            <a:extLst>
+              <a:ext uri="{FF2B5EF4-FFF2-40B4-BE49-F238E27FC236}">
+                <a16:creationId xmlns:a16="http://schemas.microsoft.com/office/drawing/2014/main" id="{D86FA17F-7253-05F4-E67C-80A04DB42703}"/>
+              </a:ext>
+            </a:extLst>
+          </p:cNvPr>
+          <p:cNvPicPr>
+            <a:picLocks noChangeAspect="1"/>
+          </p:cNvPicPr>
+          <p:nvPr/>
+        </p:nvPicPr>
+        <p:blipFill>
+          <a:blip r:embed="rId3">
+            <a:extLst>
+              <a:ext uri="{28A0092B-C50C-407E-A947-70E740481C1C}">
+                <a14:useLocalDpi xmlns:a14="http://schemas.microsoft.com/office/drawing/2010/main" val="0"/>
+              </a:ext>
+            </a:extLst>
+          </a:blip>
+          <a:stretch>
+            <a:fillRect/>
+          </a:stretch>
+        </p:blipFill>
+        <p:spPr>
+          <a:xfrm>
+            <a:off x="5731329" y="1079813"/>
+            <a:ext cx="2714958" cy="2714958"/>
+          </a:xfrm>
+          <a:prstGeom prst="rect">
+            <a:avLst/>
+          </a:prstGeom>
+        </p:spPr>
+      </p:pic>
+      <p:pic>
+        <p:nvPicPr>
+          <p:cNvPr id="11" name="Grafik 10" descr="Ein Bild, das Muster, nähen, Rechteck, monochrom enthält.&#10;&#10;Automatisch generierte Beschreibung">
+            <a:extLst>
+              <a:ext uri="{FF2B5EF4-FFF2-40B4-BE49-F238E27FC236}">
+                <a16:creationId xmlns:a16="http://schemas.microsoft.com/office/drawing/2014/main" id="{69D62239-980B-8BF3-C155-691507A31A4F}"/>
+              </a:ext>
+            </a:extLst>
+          </p:cNvPr>
+          <p:cNvPicPr>
+            <a:picLocks noChangeAspect="1"/>
+          </p:cNvPicPr>
+          <p:nvPr/>
+        </p:nvPicPr>
+        <p:blipFill>
+          <a:blip r:embed="rId4">
+            <a:extLst>
+              <a:ext uri="{28A0092B-C50C-407E-A947-70E740481C1C}">
+                <a14:useLocalDpi xmlns:a14="http://schemas.microsoft.com/office/drawing/2010/main" val="0"/>
+              </a:ext>
+            </a:extLst>
+          </a:blip>
+          <a:stretch>
+            <a:fillRect/>
+          </a:stretch>
+        </p:blipFill>
+        <p:spPr>
+          <a:xfrm>
+            <a:off x="7720693" y="2098221"/>
+            <a:ext cx="2966357" cy="2966357"/>
+          </a:xfrm>
+          <a:prstGeom prst="rect">
+            <a:avLst/>
+          </a:prstGeom>
+        </p:spPr>
+      </p:pic>
+      <p:pic>
+        <p:nvPicPr>
+          <p:cNvPr id="13" name="Grafik 12" descr="Ein Bild, das Text, Schwarzweiß, Screenshot, Schrift enthält.&#10;&#10;Automatisch generierte Beschreibung">
+            <a:extLst>
+              <a:ext uri="{FF2B5EF4-FFF2-40B4-BE49-F238E27FC236}">
+                <a16:creationId xmlns:a16="http://schemas.microsoft.com/office/drawing/2014/main" id="{27437DC9-B436-2D25-A4B8-1585AC2CE7CB}"/>
+              </a:ext>
+            </a:extLst>
+          </p:cNvPr>
+          <p:cNvPicPr>
+            <a:picLocks noChangeAspect="1"/>
+          </p:cNvPicPr>
+          <p:nvPr/>
+        </p:nvPicPr>
+        <p:blipFill>
+          <a:blip r:embed="rId5">
+            <a:extLst>
+              <a:ext uri="{28A0092B-C50C-407E-A947-70E740481C1C}">
+                <a14:useLocalDpi xmlns:a14="http://schemas.microsoft.com/office/drawing/2010/main" val="0"/>
+              </a:ext>
+            </a:extLst>
+          </a:blip>
+          <a:stretch>
+            <a:fillRect/>
+          </a:stretch>
+        </p:blipFill>
+        <p:spPr>
+          <a:xfrm>
+            <a:off x="5369379" y="3246844"/>
+            <a:ext cx="3076908" cy="3076908"/>
+          </a:xfrm>
+          <a:prstGeom prst="rect">
+            <a:avLst/>
+          </a:prstGeom>
+        </p:spPr>
+      </p:pic>
+    </p:spTree>
+    <p:extLst>
+      <p:ext uri="{BB962C8B-B14F-4D97-AF65-F5344CB8AC3E}">
+        <p14:creationId xmlns:p14="http://schemas.microsoft.com/office/powerpoint/2010/main" val="403263539"/>
+      </p:ext>
+    </p:extLst>
+  </p:cSld>
+  <p:clrMapOvr>
+    <a:masterClrMapping/>
+  </p:clrMapOvr>
+</p:sld>
+</file>
+
+<file path=ppt/slides/slide9.xml><?xml version="1.0" encoding="utf-8"?>
+<p:sld xmlns:a="http://schemas.openxmlformats.org/drawingml/2006/main" xmlns:r="http://schemas.openxmlformats.org/officeDocument/2006/relationships" xmlns:p="http://schemas.openxmlformats.org/presentationml/2006/main">
+  <p:cSld>
+    <p:spTree>
+      <p:nvGrpSpPr>
+        <p:cNvPr id="1" name="">
+          <a:extLst>
+            <a:ext uri="{FF2B5EF4-FFF2-40B4-BE49-F238E27FC236}">
+              <a16:creationId xmlns:a16="http://schemas.microsoft.com/office/drawing/2014/main" id="{856640EB-37E3-C93E-C9EC-1150384A90B8}"/>
+            </a:ext>
+          </a:extLst>
+        </p:cNvPr>
+        <p:cNvGrpSpPr/>
+        <p:nvPr/>
+      </p:nvGrpSpPr>
+      <p:grpSpPr>
+        <a:xfrm>
+          <a:off x="0" y="0"/>
+          <a:ext cx="0" cy="0"/>
+          <a:chOff x="0" y="0"/>
+          <a:chExt cx="0" cy="0"/>
+        </a:xfrm>
+      </p:grpSpPr>
+      <p:sp>
+        <p:nvSpPr>
+          <p:cNvPr id="2" name="Textfeld 1">
+            <a:extLst>
+              <a:ext uri="{FF2B5EF4-FFF2-40B4-BE49-F238E27FC236}">
+                <a16:creationId xmlns:a16="http://schemas.microsoft.com/office/drawing/2014/main" id="{467921F8-CEC6-04D8-FA44-F3AFDD21A3DB}"/>
+              </a:ext>
+            </a:extLst>
+          </p:cNvPr>
+          <p:cNvSpPr txBox="1"/>
+          <p:nvPr/>
+        </p:nvSpPr>
+        <p:spPr bwMode="auto">
+          <a:xfrm>
+            <a:off x="850800" y="1619250"/>
+            <a:ext cx="4758064" cy="4343400"/>
+          </a:xfrm>
+          <a:prstGeom prst="rect">
+            <a:avLst/>
+          </a:prstGeom>
+          <a:noFill/>
+          <a:ln>
+            <a:noFill/>
+          </a:ln>
+          <a:extLst>
+            <a:ext uri="{909E8E84-426E-40dd-AFC4-6F175D3DCCD1}">
+              <a14:hiddenFill xmlns="" xmlns:a14="http://schemas.microsoft.com/office/drawing/2010/main">
+                <a:solidFill>
+                  <a:srgbClr val="FFFFFF"/>
+                </a:solidFill>
+              </a14:hiddenFill>
+            </a:ext>
+            <a:ext uri="{91240B29-F687-4f45-9708-019B960494DF}">
+              <a14:hiddenLine xmlns="" xmlns:a14="http://schemas.microsoft.com/office/drawing/2010/main" w="9525">
+                <a:solidFill>
+                  <a:srgbClr val="000000"/>
+                </a:solidFill>
+                <a:miter lim="800000"/>
+                <a:headEnd/>
+                <a:tailEnd/>
+              </a14:hiddenLine>
+            </a:ext>
+            <a:ext uri="{FAA26D3D-D897-4be2-8F04-BA451C77F1D7}">
+              <ma14:placeholderFlag xmlns="" xmlns:ma14="http://schemas.microsoft.com/office/mac/drawingml/2011/main" val="1"/>
+            </a:ext>
+          </a:extLst>
+        </p:spPr>
+        <p:txBody>
+          <a:bodyPr vert="horz" wrap="square" lIns="0" tIns="0" rIns="0" bIns="0" numCol="1" rtlCol="0" anchor="t" anchorCtr="0" compatLnSpc="1">
+            <a:prstTxWarp prst="textNoShape">
+              <a:avLst/>
+            </a:prstTxWarp>
+            <a:normAutofit/>
+          </a:bodyPr>
+          <a:lstStyle/>
+          <a:p>
+            <a:pPr indent="360000" defTabSz="457200" fontAlgn="base">
+              <a:lnSpc>
+                <a:spcPct val="150000"/>
+              </a:lnSpc>
+              <a:spcAft>
+                <a:spcPts val="600"/>
+              </a:spcAft>
+              <a:buSzPct val="100000"/>
+              <a:buBlip>
+                <a:blip r:embed="rId2"/>
+              </a:buBlip>
+            </a:pPr>
+            <a:r>
+              <a:rPr lang="de-DE" sz="1600" b="1" kern="0" dirty="0">
+                <a:ea typeface="ＭＳ Ｐゴシック" charset="0"/>
+              </a:rPr>
+              <a:t>Debugging</a:t>
+            </a:r>
+          </a:p>
+          <a:p>
+            <a:pPr lvl="1" indent="360000" defTabSz="457200" fontAlgn="base">
+              <a:lnSpc>
+                <a:spcPct val="150000"/>
+              </a:lnSpc>
+              <a:spcAft>
+                <a:spcPts val="600"/>
+              </a:spcAft>
+              <a:buSzPct val="100000"/>
+              <a:buBlip>
+                <a:blip r:embed="rId2"/>
+              </a:buBlip>
+            </a:pPr>
+            <a:r>
+              <a:rPr lang="de-DE" sz="1600" b="1" kern="0" dirty="0">
+                <a:ea typeface="ＭＳ Ｐゴシック" charset="0"/>
+              </a:rPr>
+              <a:t>Metriken gefixt</a:t>
+            </a:r>
+          </a:p>
+          <a:p>
+            <a:pPr lvl="1" indent="360000" defTabSz="457200" fontAlgn="base">
+              <a:lnSpc>
+                <a:spcPct val="150000"/>
+              </a:lnSpc>
+              <a:spcAft>
+                <a:spcPts val="600"/>
+              </a:spcAft>
+              <a:buSzPct val="100000"/>
+              <a:buBlip>
+                <a:blip r:embed="rId2"/>
+              </a:buBlip>
+            </a:pPr>
+            <a:r>
+              <a:rPr lang="de-DE" sz="1600" b="1" kern="0" dirty="0">
+                <a:ea typeface="ＭＳ Ｐゴシック" charset="0"/>
+              </a:rPr>
+              <a:t>Logiken wie </a:t>
+            </a:r>
+            <a:r>
+              <a:rPr lang="de-DE" sz="1600" b="1" kern="0" dirty="0" err="1">
+                <a:ea typeface="ＭＳ Ｐゴシック" charset="0"/>
+              </a:rPr>
+              <a:t>Reset</a:t>
+            </a:r>
+            <a:r>
+              <a:rPr lang="de-DE" sz="1600" b="1" kern="0" dirty="0">
+                <a:ea typeface="ＭＳ Ｐゴシック" charset="0"/>
+              </a:rPr>
+              <a:t> gefixt</a:t>
+            </a:r>
+          </a:p>
+          <a:p>
+            <a:pPr indent="360000" defTabSz="457200" fontAlgn="base">
+              <a:lnSpc>
+                <a:spcPct val="150000"/>
+              </a:lnSpc>
+              <a:spcAft>
+                <a:spcPts val="600"/>
+              </a:spcAft>
+              <a:buSzPct val="100000"/>
+              <a:buBlip>
+                <a:blip r:embed="rId2"/>
+              </a:buBlip>
+            </a:pPr>
+            <a:r>
+              <a:rPr lang="de-DE" sz="1600" b="1" kern="0" dirty="0">
+                <a:ea typeface="ＭＳ Ｐゴシック" charset="0"/>
+              </a:rPr>
+              <a:t>Erste Analyse und Visualisierung der Ergebnisse</a:t>
+            </a:r>
+          </a:p>
+          <a:p>
+            <a:pPr indent="360000" defTabSz="457200" fontAlgn="base">
+              <a:lnSpc>
+                <a:spcPct val="150000"/>
+              </a:lnSpc>
+              <a:spcAft>
+                <a:spcPts val="600"/>
+              </a:spcAft>
+              <a:buSzPct val="100000"/>
+              <a:buBlip>
+                <a:blip r:embed="rId2"/>
+              </a:buBlip>
+            </a:pPr>
+            <a:r>
+              <a:rPr lang="de-DE" sz="1600" b="1" kern="0" dirty="0">
+                <a:ea typeface="ＭＳ Ｐゴシック" charset="0"/>
+              </a:rPr>
+              <a:t>Scoring angepasst</a:t>
+            </a:r>
+          </a:p>
+          <a:p>
+            <a:pPr indent="360000" defTabSz="457200" fontAlgn="base">
+              <a:lnSpc>
+                <a:spcPct val="150000"/>
+              </a:lnSpc>
+              <a:spcAft>
+                <a:spcPts val="600"/>
+              </a:spcAft>
+              <a:buSzPct val="100000"/>
+              <a:buBlip>
+                <a:blip r:embed="rId2"/>
+              </a:buBlip>
+            </a:pPr>
+            <a:r>
+              <a:rPr lang="de-DE" sz="1600" b="1" kern="0" dirty="0">
+                <a:ea typeface="ＭＳ Ｐゴシック" charset="0"/>
+              </a:rPr>
+              <a:t>Memory &amp; CPU </a:t>
+            </a:r>
+            <a:r>
+              <a:rPr lang="de-DE" sz="1600" b="1" kern="0" dirty="0" err="1">
+                <a:ea typeface="ＭＳ Ｐゴシック" charset="0"/>
+              </a:rPr>
+              <a:t>Usage</a:t>
+            </a:r>
+            <a:r>
+              <a:rPr lang="de-DE" sz="1600" b="1" kern="0" dirty="0">
+                <a:ea typeface="ＭＳ Ｐゴシック" charset="0"/>
+              </a:rPr>
+              <a:t> als Metrik</a:t>
+            </a:r>
+          </a:p>
+        </p:txBody>
+      </p:sp>
+      <p:sp>
+        <p:nvSpPr>
+          <p:cNvPr id="5" name="Titel 4">
+            <a:extLst>
+              <a:ext uri="{FF2B5EF4-FFF2-40B4-BE49-F238E27FC236}">
+                <a16:creationId xmlns:a16="http://schemas.microsoft.com/office/drawing/2014/main" id="{8EBF5B73-4EB1-1C43-9B65-6AB4CDB30BAC}"/>
+              </a:ext>
+            </a:extLst>
+          </p:cNvPr>
+          <p:cNvSpPr>
+            <a:spLocks noGrp="1"/>
+          </p:cNvSpPr>
+          <p:nvPr>
+            <p:ph type="title"/>
+          </p:nvPr>
+        </p:nvSpPr>
+        <p:spPr>
+          <a:xfrm>
+            <a:off x="393600" y="406800"/>
+            <a:ext cx="9753600" cy="327600"/>
+          </a:xfrm>
+        </p:spPr>
+        <p:txBody>
+          <a:bodyPr vert="horz" wrap="square" lIns="0" tIns="0" rIns="0" bIns="0" numCol="1" rtlCol="0" anchor="ctr" anchorCtr="0" compatLnSpc="1">
+            <a:prstTxWarp prst="textNoShape">
+              <a:avLst/>
+            </a:prstTxWarp>
+            <a:normAutofit/>
+          </a:bodyPr>
+          <a:lstStyle/>
+          <a:p>
+            <a:pPr>
+              <a:lnSpc>
+                <a:spcPct val="90000"/>
+              </a:lnSpc>
+            </a:pPr>
+            <a:r>
+              <a:rPr lang="de-DE" i="1" dirty="0">
+                <a:latin typeface="+mj-lt"/>
+                <a:ea typeface="ＭＳ Ｐゴシック" charset="0"/>
+                <a:cs typeface="ＭＳ Ｐゴシック" charset="0"/>
+              </a:rPr>
+              <a:t>Implementierung</a:t>
+            </a:r>
+          </a:p>
+        </p:txBody>
+      </p:sp>
+      <p:sp>
+        <p:nvSpPr>
+          <p:cNvPr id="1080" name="Subtitle 4">
+            <a:extLst>
+              <a:ext uri="{FF2B5EF4-FFF2-40B4-BE49-F238E27FC236}">
+                <a16:creationId xmlns:a16="http://schemas.microsoft.com/office/drawing/2014/main" id="{E29A8B36-1884-27CE-AE4C-B75969E74CB3}"/>
+              </a:ext>
+            </a:extLst>
+          </p:cNvPr>
+          <p:cNvSpPr>
+            <a:spLocks noGrp="1"/>
+          </p:cNvSpPr>
+          <p:nvPr>
+            <p:ph type="subTitle" idx="1"/>
+          </p:nvPr>
+        </p:nvSpPr>
+        <p:spPr>
+          <a:xfrm>
+            <a:off x="393600" y="745067"/>
+            <a:ext cx="9753600" cy="342054"/>
+          </a:xfrm>
+        </p:spPr>
+        <p:txBody>
+          <a:bodyPr vert="horz" wrap="square" lIns="0" tIns="0" rIns="0" bIns="0" numCol="1" anchor="t" anchorCtr="0" compatLnSpc="1">
+            <a:prstTxWarp prst="textNoShape">
+              <a:avLst/>
+            </a:prstTxWarp>
+            <a:normAutofit/>
+          </a:bodyPr>
+          <a:lstStyle/>
+          <a:p>
+            <a:pPr>
+              <a:spcAft>
+                <a:spcPts val="600"/>
+              </a:spcAft>
+            </a:pPr>
+            <a:r>
+              <a:rPr lang="en-US" dirty="0"/>
+              <a:t>Saad</a:t>
+            </a:r>
+          </a:p>
+        </p:txBody>
+      </p:sp>
+      <p:sp>
+        <p:nvSpPr>
+          <p:cNvPr id="1087" name="Text Placeholder 5">
+            <a:extLst>
+              <a:ext uri="{FF2B5EF4-FFF2-40B4-BE49-F238E27FC236}">
+                <a16:creationId xmlns:a16="http://schemas.microsoft.com/office/drawing/2014/main" id="{D6C7A271-18D6-23E3-9855-32EB940C73DD}"/>
+              </a:ext>
+            </a:extLst>
+          </p:cNvPr>
+          <p:cNvSpPr>
+            <a:spLocks noGrp="1"/>
+          </p:cNvSpPr>
+          <p:nvPr>
+            <p:ph type="body" sz="quarter" idx="17"/>
+          </p:nvPr>
+        </p:nvSpPr>
+        <p:spPr>
+          <a:xfrm>
+            <a:off x="6308422" y="6398644"/>
+            <a:ext cx="5380801" cy="112766"/>
+          </a:xfrm>
+        </p:spPr>
+        <p:txBody>
+          <a:bodyPr/>
+          <a:lstStyle/>
+          <a:p>
+            <a:endParaRPr lang="en-US"/>
+          </a:p>
+        </p:txBody>
+      </p:sp>
+      <p:sp>
+        <p:nvSpPr>
+          <p:cNvPr id="7" name="Foliennummernplatzhalter 6">
+            <a:extLst>
+              <a:ext uri="{FF2B5EF4-FFF2-40B4-BE49-F238E27FC236}">
+                <a16:creationId xmlns:a16="http://schemas.microsoft.com/office/drawing/2014/main" id="{F97B71CB-3314-3B94-2B1D-D7BC923D48EB}"/>
+              </a:ext>
+            </a:extLst>
+          </p:cNvPr>
+          <p:cNvSpPr>
+            <a:spLocks noGrp="1"/>
+          </p:cNvSpPr>
+          <p:nvPr>
+            <p:ph type="sldNum" sz="quarter" idx="21"/>
+          </p:nvPr>
+        </p:nvSpPr>
+        <p:spPr>
+          <a:xfrm>
+            <a:off x="393700" y="6627813"/>
+            <a:ext cx="255588" cy="207962"/>
+          </a:xfrm>
+        </p:spPr>
+        <p:txBody>
+          <a:bodyPr vert="horz" lIns="0" tIns="0" rIns="0" bIns="0" rtlCol="0" anchor="t" anchorCtr="0">
+            <a:normAutofit/>
+          </a:bodyPr>
+          <a:lstStyle/>
+          <a:p>
+            <a:pPr>
+              <a:spcAft>
+                <a:spcPts val="600"/>
+              </a:spcAft>
+              <a:defRPr/>
+            </a:pPr>
+            <a:fld id="{20549947-ECEE-CD4E-8E00-25DB9EFCD1C0}" type="slidenum">
+              <a:rPr lang="de-DE" kern="1200" baseline="0">
+                <a:latin typeface="Arial"/>
+                <a:ea typeface="+mn-ea"/>
+                <a:cs typeface="+mn-cs"/>
+              </a:rPr>
+              <a:pPr>
+                <a:spcAft>
+                  <a:spcPts val="600"/>
+                </a:spcAft>
+                <a:defRPr/>
+              </a:pPr>
+              <a:t>9</a:t>
+            </a:fld>
+            <a:endParaRPr lang="de-DE" kern="1200" baseline="0">
+              <a:latin typeface="Arial"/>
+              <a:ea typeface="+mn-ea"/>
+              <a:cs typeface="+mn-cs"/>
+            </a:endParaRPr>
+          </a:p>
+        </p:txBody>
+      </p:sp>
+      <p:sp>
+        <p:nvSpPr>
+          <p:cNvPr id="6" name="AutoShape 2" descr="An Introduction to Q-Learning: A Tutorial For Beginners | DataCamp">
+            <a:extLst>
+              <a:ext uri="{FF2B5EF4-FFF2-40B4-BE49-F238E27FC236}">
+                <a16:creationId xmlns:a16="http://schemas.microsoft.com/office/drawing/2014/main" id="{31483DAD-49F2-5A0C-D53E-431E1F2B7BBB}"/>
+              </a:ext>
+            </a:extLst>
+          </p:cNvPr>
+          <p:cNvSpPr>
+            <a:spLocks noChangeAspect="1" noChangeArrowheads="1"/>
+          </p:cNvSpPr>
+          <p:nvPr/>
+        </p:nvSpPr>
+        <p:spPr bwMode="auto">
+          <a:xfrm>
+            <a:off x="5943600" y="3276600"/>
+            <a:ext cx="304800" cy="304800"/>
+          </a:xfrm>
+          <a:prstGeom prst="rect">
+            <a:avLst/>
+          </a:prstGeom>
+          <a:noFill/>
+          <a:extLst>
+            <a:ext uri="{909E8E84-426E-40DD-AFC4-6F175D3DCCD1}">
+              <a14:hiddenFill xmlns:a14="http://schemas.microsoft.com/office/drawing/2010/main">
+                <a:solidFill>
+                  <a:srgbClr val="FFFFFF"/>
+                </a:solidFill>
+              </a14:hiddenFill>
+            </a:ext>
+          </a:extLst>
+        </p:spPr>
+        <p:txBody>
+          <a:bodyPr vert="horz" wrap="square" lIns="91440" tIns="45720" rIns="91440" bIns="45720" numCol="1" anchor="t" anchorCtr="0" compatLnSpc="1">
+            <a:prstTxWarp prst="textNoShape">
+              <a:avLst/>
+            </a:prstTxWarp>
+          </a:bodyPr>
+          <a:lstStyle/>
+          <a:p>
+            <a:endParaRPr lang="de-DE"/>
+          </a:p>
+        </p:txBody>
+      </p:sp>
+      <p:sp>
+        <p:nvSpPr>
+          <p:cNvPr id="8" name="AutoShape 4" descr="An Introduction to Q-Learning: A Tutorial For Beginners | DataCamp">
+            <a:extLst>
+              <a:ext uri="{FF2B5EF4-FFF2-40B4-BE49-F238E27FC236}">
+                <a16:creationId xmlns:a16="http://schemas.microsoft.com/office/drawing/2014/main" id="{361BF0EB-73BB-4F06-B683-96E3D64499AB}"/>
+              </a:ext>
+            </a:extLst>
+          </p:cNvPr>
+          <p:cNvSpPr>
+            <a:spLocks noChangeAspect="1" noChangeArrowheads="1"/>
+          </p:cNvSpPr>
+          <p:nvPr/>
+        </p:nvSpPr>
+        <p:spPr bwMode="auto">
+          <a:xfrm>
+            <a:off x="6096000" y="3429000"/>
+            <a:ext cx="304800" cy="304800"/>
+          </a:xfrm>
+          <a:prstGeom prst="rect">
+            <a:avLst/>
+          </a:prstGeom>
+          <a:noFill/>
+          <a:extLst>
+            <a:ext uri="{909E8E84-426E-40DD-AFC4-6F175D3DCCD1}">
+              <a14:hiddenFill xmlns:a14="http://schemas.microsoft.com/office/drawing/2010/main">
+                <a:solidFill>
+                  <a:srgbClr val="FFFFFF"/>
+                </a:solidFill>
+              </a14:hiddenFill>
+            </a:ext>
+          </a:extLst>
+        </p:spPr>
+        <p:txBody>
+          <a:bodyPr vert="horz" wrap="square" lIns="91440" tIns="45720" rIns="91440" bIns="45720" numCol="1" anchor="t" anchorCtr="0" compatLnSpc="1">
+            <a:prstTxWarp prst="textNoShape">
+              <a:avLst/>
+            </a:prstTxWarp>
+          </a:bodyPr>
+          <a:lstStyle/>
+          <a:p>
+            <a:endParaRPr lang="de-DE"/>
+          </a:p>
+        </p:txBody>
+      </p:sp>
+      <p:sp>
+        <p:nvSpPr>
+          <p:cNvPr id="10" name="AutoShape 6" descr="Q Learning Header">
+            <a:extLst>
+              <a:ext uri="{FF2B5EF4-FFF2-40B4-BE49-F238E27FC236}">
+                <a16:creationId xmlns:a16="http://schemas.microsoft.com/office/drawing/2014/main" id="{3B30CEE3-AECB-5552-03C5-A68D8644DB68}"/>
+              </a:ext>
+            </a:extLst>
+          </p:cNvPr>
+          <p:cNvSpPr>
+            <a:spLocks noChangeAspect="1" noChangeArrowheads="1"/>
+          </p:cNvSpPr>
+          <p:nvPr/>
+        </p:nvSpPr>
+        <p:spPr bwMode="auto">
+          <a:xfrm>
+            <a:off x="6248400" y="3581400"/>
+            <a:ext cx="304800" cy="304800"/>
+          </a:xfrm>
+          <a:prstGeom prst="rect">
+            <a:avLst/>
+          </a:prstGeom>
+          <a:noFill/>
+          <a:extLst>
+            <a:ext uri="{909E8E84-426E-40DD-AFC4-6F175D3DCCD1}">
+              <a14:hiddenFill xmlns:a14="http://schemas.microsoft.com/office/drawing/2010/main">
+                <a:solidFill>
+                  <a:srgbClr val="FFFFFF"/>
+                </a:solidFill>
+              </a14:hiddenFill>
+            </a:ext>
+          </a:extLst>
+        </p:spPr>
+        <p:txBody>
+          <a:bodyPr vert="horz" wrap="square" lIns="91440" tIns="45720" rIns="91440" bIns="45720" numCol="1" anchor="t" anchorCtr="0" compatLnSpc="1">
+            <a:prstTxWarp prst="textNoShape">
+              <a:avLst/>
+            </a:prstTxWarp>
+          </a:bodyPr>
+          <a:lstStyle/>
+          <a:p>
+            <a:endParaRPr lang="de-DE" dirty="0"/>
+          </a:p>
+        </p:txBody>
+      </p:sp>
+    </p:spTree>
+    <p:extLst>
+      <p:ext uri="{BB962C8B-B14F-4D97-AF65-F5344CB8AC3E}">
+        <p14:creationId xmlns:p14="http://schemas.microsoft.com/office/powerpoint/2010/main" val="161834380"/>
       </p:ext>
     </p:extLst>
   </p:cSld>
@@ -8357,6 +13623,15 @@
 </file>
 
 <file path=customXml/item2.xml><?xml version="1.0" encoding="utf-8"?>
+<?mso-contentType ?>
+<FormTemplates xmlns="http://schemas.microsoft.com/sharepoint/v3/contenttype/forms">
+  <Display>DocumentLibraryForm</Display>
+  <Edit>DocumentLibraryForm</Edit>
+  <New>DocumentLibraryForm</New>
+</FormTemplates>
+</file>
+
+<file path=customXml/item3.xml><?xml version="1.0" encoding="utf-8"?>
 <ct:contentTypeSchema xmlns:ct="http://schemas.microsoft.com/office/2006/metadata/contentType" xmlns:ma="http://schemas.microsoft.com/office/2006/metadata/properties/metaAttributes" ct:_="" ma:_="" ma:contentTypeName="Dokument" ma:contentTypeID="0x010100777500D95D1B5C4CBF47040995AAFDBE" ma:contentTypeVersion="3" ma:contentTypeDescription="Ein neues Dokument erstellen." ma:contentTypeScope="" ma:versionID="2acb4ecf5e426720d7c621158a3915a4">
   <xsd:schema xmlns:xsd="http://www.w3.org/2001/XMLSchema" xmlns:xs="http://www.w3.org/2001/XMLSchema" xmlns:p="http://schemas.microsoft.com/office/2006/metadata/properties" xmlns:ns3="2109f98e-8614-498c-a63d-38e501289995" targetNamespace="http://schemas.microsoft.com/office/2006/metadata/properties" ma:root="true" ma:fieldsID="b381ebf35218016933706ac939dec511" ns3:_="">
     <xsd:import namespace="2109f98e-8614-498c-a63d-38e501289995"/>
@@ -8494,15 +13769,6 @@
 </ct:contentTypeSchema>
 </file>
 
-<file path=customXml/item3.xml><?xml version="1.0" encoding="utf-8"?>
-<?mso-contentType ?>
-<FormTemplates xmlns="http://schemas.microsoft.com/sharepoint/v3/contenttype/forms">
-  <Display>DocumentLibraryForm</Display>
-  <Edit>DocumentLibraryForm</Edit>
-  <New>DocumentLibraryForm</New>
-</FormTemplates>
-</file>
-
 <file path=customXml/itemProps1.xml><?xml version="1.0" encoding="utf-8"?>
 <ds:datastoreItem xmlns:ds="http://schemas.openxmlformats.org/officeDocument/2006/customXml" ds:itemID="{5B5802FD-0FE5-40B9-964E-26CF6C896D54}">
   <ds:schemaRefs>
@@ -8520,6 +13786,14 @@
 </file>
 
 <file path=customXml/itemProps2.xml><?xml version="1.0" encoding="utf-8"?>
+<ds:datastoreItem xmlns:ds="http://schemas.openxmlformats.org/officeDocument/2006/customXml" ds:itemID="{ACE7C72F-ED79-494F-A7ED-1F0FF5B91FF5}">
+  <ds:schemaRefs>
+    <ds:schemaRef ds:uri="http://schemas.microsoft.com/sharepoint/v3/contenttype/forms"/>
+  </ds:schemaRefs>
+</ds:datastoreItem>
+</file>
+
+<file path=customXml/itemProps3.xml><?xml version="1.0" encoding="utf-8"?>
 <ds:datastoreItem xmlns:ds="http://schemas.openxmlformats.org/officeDocument/2006/customXml" ds:itemID="{15E5B8EB-9A9E-44D4-9E26-13FB491FC4B0}">
   <ds:schemaRefs>
     <ds:schemaRef ds:uri="http://schemas.microsoft.com/office/2006/metadata/contentType"/>
@@ -8537,14 +13811,6 @@
 </ds:datastoreItem>
 </file>
 
-<file path=customXml/itemProps3.xml><?xml version="1.0" encoding="utf-8"?>
-<ds:datastoreItem xmlns:ds="http://schemas.openxmlformats.org/officeDocument/2006/customXml" ds:itemID="{ACE7C72F-ED79-494F-A7ED-1F0FF5B91FF5}">
-  <ds:schemaRefs>
-    <ds:schemaRef ds:uri="http://schemas.microsoft.com/sharepoint/v3/contenttype/forms"/>
-  </ds:schemaRefs>
-</ds:datastoreItem>
-</file>
-
 <file path=docMetadata/LabelInfo.xml><?xml version="1.0" encoding="utf-8"?>
 <clbl:labelList xmlns:clbl="http://schemas.microsoft.com/office/2020/mipLabelMetadata">
   <clbl:label id="{28bcace8-4ce7-4949-868f-170f67122379}" enabled="0" method="" siteId="{28bcace8-4ce7-4949-868f-170f67122379}" removed="1"/>

--- a/presentation/intelligente_robotik.pptx
+++ b/presentation/intelligente_robotik.pptx
@@ -6,7 +6,7 @@
     <p:sldMasterId id="2147483668" r:id="rId5"/>
   </p:sldMasterIdLst>
   <p:notesMasterIdLst>
-    <p:notesMasterId r:id="rId20"/>
+    <p:notesMasterId r:id="rId18"/>
   </p:notesMasterIdLst>
   <p:sldIdLst>
     <p:sldId id="256" r:id="rId6"/>
@@ -20,9 +20,7 @@
     <p:sldId id="291" r:id="rId14"/>
     <p:sldId id="292" r:id="rId15"/>
     <p:sldId id="293" r:id="rId16"/>
-    <p:sldId id="294" r:id="rId17"/>
-    <p:sldId id="295" r:id="rId18"/>
-    <p:sldId id="286" r:id="rId19"/>
+    <p:sldId id="286" r:id="rId17"/>
   </p:sldIdLst>
   <p:sldSz cx="12192000" cy="6858000"/>
   <p:notesSz cx="6858000" cy="9144000"/>
@@ -4929,14 +4927,14 @@
           </a:ln>
           <a:extLst>
             <a:ext uri="{909E8E84-426E-40dd-AFC4-6F175D3DCCD1}">
-              <a14:hiddenFill xmlns:a14="http://schemas.microsoft.com/office/drawing/2010/main" xmlns="">
+              <a14:hiddenFill xmlns="" xmlns:a14="http://schemas.microsoft.com/office/drawing/2010/main">
                 <a:solidFill>
                   <a:srgbClr val="FFFFFF"/>
                 </a:solidFill>
               </a14:hiddenFill>
             </a:ext>
             <a:ext uri="{91240B29-F687-4f45-9708-019B960494DF}">
-              <a14:hiddenLine xmlns:a14="http://schemas.microsoft.com/office/drawing/2010/main" xmlns="" w="9525">
+              <a14:hiddenLine xmlns="" xmlns:a14="http://schemas.microsoft.com/office/drawing/2010/main" w="9525">
                 <a:solidFill>
                   <a:srgbClr val="000000"/>
                 </a:solidFill>
@@ -4946,7 +4944,7 @@
               </a14:hiddenLine>
             </a:ext>
             <a:ext uri="{FAA26D3D-D897-4be2-8F04-BA451C77F1D7}">
-              <ma14:placeholderFlag xmlns:ma14="http://schemas.microsoft.com/office/mac/drawingml/2011/main" xmlns="" val="1"/>
+              <ma14:placeholderFlag xmlns="" xmlns:ma14="http://schemas.microsoft.com/office/mac/drawingml/2011/main" val="1"/>
             </a:ext>
           </a:extLst>
         </p:spPr>
@@ -4990,14 +4988,14 @@
           </a:ln>
           <a:extLst>
             <a:ext uri="{909E8E84-426E-40dd-AFC4-6F175D3DCCD1}">
-              <a14:hiddenFill xmlns:a14="http://schemas.microsoft.com/office/drawing/2010/main" xmlns="">
+              <a14:hiddenFill xmlns="" xmlns:a14="http://schemas.microsoft.com/office/drawing/2010/main">
                 <a:solidFill>
                   <a:srgbClr val="FFFFFF"/>
                 </a:solidFill>
               </a14:hiddenFill>
             </a:ext>
             <a:ext uri="{91240B29-F687-4f45-9708-019B960494DF}">
-              <a14:hiddenLine xmlns:a14="http://schemas.microsoft.com/office/drawing/2010/main" xmlns="" w="9525">
+              <a14:hiddenLine xmlns="" xmlns:a14="http://schemas.microsoft.com/office/drawing/2010/main" w="9525">
                 <a:solidFill>
                   <a:srgbClr val="000000"/>
                 </a:solidFill>
@@ -5007,7 +5005,7 @@
               </a14:hiddenLine>
             </a:ext>
             <a:ext uri="{FAA26D3D-D897-4be2-8F04-BA451C77F1D7}">
-              <ma14:placeholderFlag xmlns:ma14="http://schemas.microsoft.com/office/mac/drawingml/2011/main" xmlns="" val="1"/>
+              <ma14:placeholderFlag xmlns="" xmlns:ma14="http://schemas.microsoft.com/office/mac/drawingml/2011/main" val="1"/>
             </a:ext>
           </a:extLst>
         </p:spPr>
@@ -5131,14 +5129,14 @@
           </a:ln>
           <a:extLst>
             <a:ext uri="{909E8E84-426E-40dd-AFC4-6F175D3DCCD1}">
-              <a14:hiddenFill xmlns:a14="http://schemas.microsoft.com/office/drawing/2010/main" xmlns="">
+              <a14:hiddenFill xmlns="" xmlns:a14="http://schemas.microsoft.com/office/drawing/2010/main">
                 <a:solidFill>
                   <a:srgbClr val="FFFFFF"/>
                 </a:solidFill>
               </a14:hiddenFill>
             </a:ext>
             <a:ext uri="{91240B29-F687-4f45-9708-019B960494DF}">
-              <a14:hiddenLine xmlns:a14="http://schemas.microsoft.com/office/drawing/2010/main" xmlns="" w="9525">
+              <a14:hiddenLine xmlns="" xmlns:a14="http://schemas.microsoft.com/office/drawing/2010/main" w="9525">
                 <a:solidFill>
                   <a:srgbClr val="000000"/>
                 </a:solidFill>
@@ -6356,14 +6354,14 @@
           </a:ln>
           <a:extLst>
             <a:ext uri="{909E8E84-426E-40dd-AFC4-6F175D3DCCD1}">
-              <a14:hiddenFill xmlns="" xmlns:a14="http://schemas.microsoft.com/office/drawing/2010/main">
+              <a14:hiddenFill xmlns:a14="http://schemas.microsoft.com/office/drawing/2010/main" xmlns="">
                 <a:solidFill>
                   <a:srgbClr val="FFFFFF"/>
                 </a:solidFill>
               </a14:hiddenFill>
             </a:ext>
             <a:ext uri="{91240B29-F687-4f45-9708-019B960494DF}">
-              <a14:hiddenLine xmlns="" xmlns:a14="http://schemas.microsoft.com/office/drawing/2010/main" w="9525">
+              <a14:hiddenLine xmlns:a14="http://schemas.microsoft.com/office/drawing/2010/main" xmlns="" w="9525">
                 <a:solidFill>
                   <a:srgbClr val="000000"/>
                 </a:solidFill>
@@ -6373,7 +6371,7 @@
               </a14:hiddenLine>
             </a:ext>
             <a:ext uri="{FAA26D3D-D897-4be2-8F04-BA451C77F1D7}">
-              <ma14:placeholderFlag xmlns="" xmlns:ma14="http://schemas.microsoft.com/office/mac/drawingml/2011/main" val="1"/>
+              <ma14:placeholderFlag xmlns:ma14="http://schemas.microsoft.com/office/mac/drawingml/2011/main" xmlns="" val="1"/>
             </a:ext>
           </a:extLst>
         </p:spPr>
@@ -6499,14 +6497,11 @@
               </a:buBlip>
             </a:pPr>
             <a:r>
-              <a:rPr lang="de-DE" sz="1600" b="1" kern="0" dirty="0" err="1">
+              <a:rPr lang="de-DE" sz="1600" b="1" kern="0" dirty="0">
                 <a:ea typeface="ＭＳ Ｐゴシック" charset="0"/>
               </a:rPr>
-              <a:t>Erkentnisse</a:t>
-            </a:r>
-            <a:endParaRPr lang="de-DE" sz="1600" b="1" kern="0" dirty="0">
-              <a:ea typeface="ＭＳ Ｐゴシック" charset="0"/>
-            </a:endParaRPr>
+              <a:t>Erkenntnisse</a:t>
+            </a:r>
           </a:p>
           <a:p>
             <a:pPr lvl="1" indent="360000" defTabSz="457200" fontAlgn="base">
@@ -6869,7 +6864,7 @@
         </p:blipFill>
         <p:spPr>
           <a:xfrm>
-            <a:off x="5412922" y="1957387"/>
+            <a:off x="5430284" y="2094910"/>
             <a:ext cx="5562600" cy="2943225"/>
           </a:xfrm>
           <a:prstGeom prst="rect">
@@ -7224,6 +7219,78 @@
           </a:p>
         </p:txBody>
       </p:sp>
+      <p:pic>
+        <p:nvPicPr>
+          <p:cNvPr id="3" name="Grafik 2" descr="Ein Bild, das Text, Screenshot, Karte Menü enthält.&#10;&#10;Automatisch generierte Beschreibung">
+            <a:extLst>
+              <a:ext uri="{FF2B5EF4-FFF2-40B4-BE49-F238E27FC236}">
+                <a16:creationId xmlns:a16="http://schemas.microsoft.com/office/drawing/2014/main" id="{14B13662-F140-D5F9-D69F-8C1A00093D97}"/>
+              </a:ext>
+            </a:extLst>
+          </p:cNvPr>
+          <p:cNvPicPr>
+            <a:picLocks noChangeAspect="1"/>
+          </p:cNvPicPr>
+          <p:nvPr/>
+        </p:nvPicPr>
+        <p:blipFill>
+          <a:blip r:embed="rId2">
+            <a:extLst>
+              <a:ext uri="{28A0092B-C50C-407E-A947-70E740481C1C}">
+                <a14:useLocalDpi xmlns:a14="http://schemas.microsoft.com/office/drawing/2010/main" val="0"/>
+              </a:ext>
+            </a:extLst>
+          </a:blip>
+          <a:stretch>
+            <a:fillRect/>
+          </a:stretch>
+        </p:blipFill>
+        <p:spPr>
+          <a:xfrm>
+            <a:off x="1683154" y="1429701"/>
+            <a:ext cx="2607237" cy="4683232"/>
+          </a:xfrm>
+          <a:prstGeom prst="rect">
+            <a:avLst/>
+          </a:prstGeom>
+        </p:spPr>
+      </p:pic>
+      <p:pic>
+        <p:nvPicPr>
+          <p:cNvPr id="9" name="Grafik 8" descr="Ein Bild, das Text, Screenshot, Diagramm, Schrift enthält.&#10;&#10;Automatisch generierte Beschreibung">
+            <a:extLst>
+              <a:ext uri="{FF2B5EF4-FFF2-40B4-BE49-F238E27FC236}">
+                <a16:creationId xmlns:a16="http://schemas.microsoft.com/office/drawing/2014/main" id="{976316CC-475B-4EC5-BB46-18055747E9CB}"/>
+              </a:ext>
+            </a:extLst>
+          </p:cNvPr>
+          <p:cNvPicPr>
+            <a:picLocks noChangeAspect="1"/>
+          </p:cNvPicPr>
+          <p:nvPr/>
+        </p:nvPicPr>
+        <p:blipFill>
+          <a:blip r:embed="rId3">
+            <a:extLst>
+              <a:ext uri="{28A0092B-C50C-407E-A947-70E740481C1C}">
+                <a14:useLocalDpi xmlns:a14="http://schemas.microsoft.com/office/drawing/2010/main" val="0"/>
+              </a:ext>
+            </a:extLst>
+          </a:blip>
+          <a:stretch>
+            <a:fillRect/>
+          </a:stretch>
+        </p:blipFill>
+        <p:spPr>
+          <a:xfrm>
+            <a:off x="4678039" y="1308571"/>
+            <a:ext cx="6447144" cy="4804362"/>
+          </a:xfrm>
+          <a:prstGeom prst="rect">
+            <a:avLst/>
+          </a:prstGeom>
+        </p:spPr>
+      </p:pic>
     </p:spTree>
     <p:extLst>
       <p:ext uri="{BB962C8B-B14F-4D97-AF65-F5344CB8AC3E}">
@@ -7238,700 +7305,6 @@
 </file>
 
 <file path=ppt/slides/slide12.xml><?xml version="1.0" encoding="utf-8"?>
-<p:sld xmlns:a="http://schemas.openxmlformats.org/drawingml/2006/main" xmlns:r="http://schemas.openxmlformats.org/officeDocument/2006/relationships" xmlns:p="http://schemas.openxmlformats.org/presentationml/2006/main">
-  <p:cSld>
-    <p:spTree>
-      <p:nvGrpSpPr>
-        <p:cNvPr id="1" name="">
-          <a:extLst>
-            <a:ext uri="{FF2B5EF4-FFF2-40B4-BE49-F238E27FC236}">
-              <a16:creationId xmlns:a16="http://schemas.microsoft.com/office/drawing/2014/main" id="{B51140CD-7740-B90F-7592-E9447B0C47D4}"/>
-            </a:ext>
-          </a:extLst>
-        </p:cNvPr>
-        <p:cNvGrpSpPr/>
-        <p:nvPr/>
-      </p:nvGrpSpPr>
-      <p:grpSpPr>
-        <a:xfrm>
-          <a:off x="0" y="0"/>
-          <a:ext cx="0" cy="0"/>
-          <a:chOff x="0" y="0"/>
-          <a:chExt cx="0" cy="0"/>
-        </a:xfrm>
-      </p:grpSpPr>
-      <p:sp>
-        <p:nvSpPr>
-          <p:cNvPr id="5" name="Titel 4">
-            <a:extLst>
-              <a:ext uri="{FF2B5EF4-FFF2-40B4-BE49-F238E27FC236}">
-                <a16:creationId xmlns:a16="http://schemas.microsoft.com/office/drawing/2014/main" id="{8A110F1E-FAAB-50BF-D814-2C478584F770}"/>
-              </a:ext>
-            </a:extLst>
-          </p:cNvPr>
-          <p:cNvSpPr>
-            <a:spLocks noGrp="1"/>
-          </p:cNvSpPr>
-          <p:nvPr>
-            <p:ph type="title"/>
-          </p:nvPr>
-        </p:nvSpPr>
-        <p:spPr>
-          <a:xfrm>
-            <a:off x="393600" y="406800"/>
-            <a:ext cx="9753600" cy="327600"/>
-          </a:xfrm>
-        </p:spPr>
-        <p:txBody>
-          <a:bodyPr vert="horz" wrap="square" lIns="0" tIns="0" rIns="0" bIns="0" numCol="1" rtlCol="0" anchor="ctr" anchorCtr="0" compatLnSpc="1">
-            <a:prstTxWarp prst="textNoShape">
-              <a:avLst/>
-            </a:prstTxWarp>
-            <a:normAutofit/>
-          </a:bodyPr>
-          <a:lstStyle/>
-          <a:p>
-            <a:pPr>
-              <a:lnSpc>
-                <a:spcPct val="90000"/>
-              </a:lnSpc>
-            </a:pPr>
-            <a:r>
-              <a:rPr lang="de-DE" i="1" dirty="0">
-                <a:latin typeface="+mj-lt"/>
-                <a:ea typeface="ＭＳ Ｐゴシック" charset="0"/>
-                <a:cs typeface="ＭＳ Ｐゴシック" charset="0"/>
-              </a:rPr>
-              <a:t>Auswertung</a:t>
-            </a:r>
-          </a:p>
-        </p:txBody>
-      </p:sp>
-      <p:sp>
-        <p:nvSpPr>
-          <p:cNvPr id="1080" name="Subtitle 4">
-            <a:extLst>
-              <a:ext uri="{FF2B5EF4-FFF2-40B4-BE49-F238E27FC236}">
-                <a16:creationId xmlns:a16="http://schemas.microsoft.com/office/drawing/2014/main" id="{632BA357-532A-CDEF-0EAD-ADA7EEE02321}"/>
-              </a:ext>
-            </a:extLst>
-          </p:cNvPr>
-          <p:cNvSpPr>
-            <a:spLocks noGrp="1"/>
-          </p:cNvSpPr>
-          <p:nvPr>
-            <p:ph type="subTitle" idx="1"/>
-          </p:nvPr>
-        </p:nvSpPr>
-        <p:spPr>
-          <a:xfrm>
-            <a:off x="393600" y="745067"/>
-            <a:ext cx="9753600" cy="342054"/>
-          </a:xfrm>
-        </p:spPr>
-        <p:txBody>
-          <a:bodyPr vert="horz" wrap="square" lIns="0" tIns="0" rIns="0" bIns="0" numCol="1" anchor="t" anchorCtr="0" compatLnSpc="1">
-            <a:prstTxWarp prst="textNoShape">
-              <a:avLst/>
-            </a:prstTxWarp>
-            <a:normAutofit/>
-          </a:bodyPr>
-          <a:lstStyle/>
-          <a:p>
-            <a:pPr>
-              <a:spcAft>
-                <a:spcPts val="600"/>
-              </a:spcAft>
-            </a:pPr>
-            <a:r>
-              <a:rPr lang="en-US" dirty="0"/>
-              <a:t>Truong &amp; Saad </a:t>
-            </a:r>
-          </a:p>
-        </p:txBody>
-      </p:sp>
-      <p:sp>
-        <p:nvSpPr>
-          <p:cNvPr id="1087" name="Text Placeholder 5">
-            <a:extLst>
-              <a:ext uri="{FF2B5EF4-FFF2-40B4-BE49-F238E27FC236}">
-                <a16:creationId xmlns:a16="http://schemas.microsoft.com/office/drawing/2014/main" id="{55D128A2-40D1-F30C-E316-145D579F95A4}"/>
-              </a:ext>
-            </a:extLst>
-          </p:cNvPr>
-          <p:cNvSpPr>
-            <a:spLocks noGrp="1"/>
-          </p:cNvSpPr>
-          <p:nvPr>
-            <p:ph type="body" sz="quarter" idx="17"/>
-          </p:nvPr>
-        </p:nvSpPr>
-        <p:spPr>
-          <a:xfrm>
-            <a:off x="6308422" y="6398644"/>
-            <a:ext cx="5380801" cy="112766"/>
-          </a:xfrm>
-        </p:spPr>
-        <p:txBody>
-          <a:bodyPr/>
-          <a:lstStyle/>
-          <a:p>
-            <a:endParaRPr lang="en-US"/>
-          </a:p>
-        </p:txBody>
-      </p:sp>
-      <p:sp>
-        <p:nvSpPr>
-          <p:cNvPr id="7" name="Foliennummernplatzhalter 6">
-            <a:extLst>
-              <a:ext uri="{FF2B5EF4-FFF2-40B4-BE49-F238E27FC236}">
-                <a16:creationId xmlns:a16="http://schemas.microsoft.com/office/drawing/2014/main" id="{5C16826C-C64A-C12A-F8CA-C2897FF435BC}"/>
-              </a:ext>
-            </a:extLst>
-          </p:cNvPr>
-          <p:cNvSpPr>
-            <a:spLocks noGrp="1"/>
-          </p:cNvSpPr>
-          <p:nvPr>
-            <p:ph type="sldNum" sz="quarter" idx="21"/>
-          </p:nvPr>
-        </p:nvSpPr>
-        <p:spPr>
-          <a:xfrm>
-            <a:off x="393700" y="6627813"/>
-            <a:ext cx="255588" cy="207962"/>
-          </a:xfrm>
-        </p:spPr>
-        <p:txBody>
-          <a:bodyPr vert="horz" lIns="0" tIns="0" rIns="0" bIns="0" rtlCol="0" anchor="t" anchorCtr="0">
-            <a:normAutofit/>
-          </a:bodyPr>
-          <a:lstStyle/>
-          <a:p>
-            <a:pPr>
-              <a:spcAft>
-                <a:spcPts val="600"/>
-              </a:spcAft>
-              <a:defRPr/>
-            </a:pPr>
-            <a:fld id="{20549947-ECEE-CD4E-8E00-25DB9EFCD1C0}" type="slidenum">
-              <a:rPr lang="de-DE" kern="1200" baseline="0">
-                <a:latin typeface="Arial"/>
-                <a:ea typeface="+mn-ea"/>
-                <a:cs typeface="+mn-cs"/>
-              </a:rPr>
-              <a:pPr>
-                <a:spcAft>
-                  <a:spcPts val="600"/>
-                </a:spcAft>
-                <a:defRPr/>
-              </a:pPr>
-              <a:t>12</a:t>
-            </a:fld>
-            <a:endParaRPr lang="de-DE" kern="1200" baseline="0">
-              <a:latin typeface="Arial"/>
-              <a:ea typeface="+mn-ea"/>
-              <a:cs typeface="+mn-cs"/>
-            </a:endParaRPr>
-          </a:p>
-        </p:txBody>
-      </p:sp>
-      <p:sp>
-        <p:nvSpPr>
-          <p:cNvPr id="6" name="AutoShape 2" descr="An Introduction to Q-Learning: A Tutorial For Beginners | DataCamp">
-            <a:extLst>
-              <a:ext uri="{FF2B5EF4-FFF2-40B4-BE49-F238E27FC236}">
-                <a16:creationId xmlns:a16="http://schemas.microsoft.com/office/drawing/2014/main" id="{4EB48F45-94DD-F427-C5E2-748007934679}"/>
-              </a:ext>
-            </a:extLst>
-          </p:cNvPr>
-          <p:cNvSpPr>
-            <a:spLocks noChangeAspect="1" noChangeArrowheads="1"/>
-          </p:cNvSpPr>
-          <p:nvPr/>
-        </p:nvSpPr>
-        <p:spPr bwMode="auto">
-          <a:xfrm>
-            <a:off x="5943600" y="3276600"/>
-            <a:ext cx="304800" cy="304800"/>
-          </a:xfrm>
-          <a:prstGeom prst="rect">
-            <a:avLst/>
-          </a:prstGeom>
-          <a:noFill/>
-          <a:extLst>
-            <a:ext uri="{909E8E84-426E-40DD-AFC4-6F175D3DCCD1}">
-              <a14:hiddenFill xmlns:a14="http://schemas.microsoft.com/office/drawing/2010/main">
-                <a:solidFill>
-                  <a:srgbClr val="FFFFFF"/>
-                </a:solidFill>
-              </a14:hiddenFill>
-            </a:ext>
-          </a:extLst>
-        </p:spPr>
-        <p:txBody>
-          <a:bodyPr vert="horz" wrap="square" lIns="91440" tIns="45720" rIns="91440" bIns="45720" numCol="1" anchor="t" anchorCtr="0" compatLnSpc="1">
-            <a:prstTxWarp prst="textNoShape">
-              <a:avLst/>
-            </a:prstTxWarp>
-          </a:bodyPr>
-          <a:lstStyle/>
-          <a:p>
-            <a:endParaRPr lang="de-DE"/>
-          </a:p>
-        </p:txBody>
-      </p:sp>
-      <p:sp>
-        <p:nvSpPr>
-          <p:cNvPr id="8" name="AutoShape 4" descr="An Introduction to Q-Learning: A Tutorial For Beginners | DataCamp">
-            <a:extLst>
-              <a:ext uri="{FF2B5EF4-FFF2-40B4-BE49-F238E27FC236}">
-                <a16:creationId xmlns:a16="http://schemas.microsoft.com/office/drawing/2014/main" id="{9D8094B5-B2C4-208F-715F-DF11D632C8DA}"/>
-              </a:ext>
-            </a:extLst>
-          </p:cNvPr>
-          <p:cNvSpPr>
-            <a:spLocks noChangeAspect="1" noChangeArrowheads="1"/>
-          </p:cNvSpPr>
-          <p:nvPr/>
-        </p:nvSpPr>
-        <p:spPr bwMode="auto">
-          <a:xfrm>
-            <a:off x="6096000" y="3429000"/>
-            <a:ext cx="304800" cy="304800"/>
-          </a:xfrm>
-          <a:prstGeom prst="rect">
-            <a:avLst/>
-          </a:prstGeom>
-          <a:noFill/>
-          <a:extLst>
-            <a:ext uri="{909E8E84-426E-40DD-AFC4-6F175D3DCCD1}">
-              <a14:hiddenFill xmlns:a14="http://schemas.microsoft.com/office/drawing/2010/main">
-                <a:solidFill>
-                  <a:srgbClr val="FFFFFF"/>
-                </a:solidFill>
-              </a14:hiddenFill>
-            </a:ext>
-          </a:extLst>
-        </p:spPr>
-        <p:txBody>
-          <a:bodyPr vert="horz" wrap="square" lIns="91440" tIns="45720" rIns="91440" bIns="45720" numCol="1" anchor="t" anchorCtr="0" compatLnSpc="1">
-            <a:prstTxWarp prst="textNoShape">
-              <a:avLst/>
-            </a:prstTxWarp>
-          </a:bodyPr>
-          <a:lstStyle/>
-          <a:p>
-            <a:endParaRPr lang="de-DE"/>
-          </a:p>
-        </p:txBody>
-      </p:sp>
-      <p:sp>
-        <p:nvSpPr>
-          <p:cNvPr id="10" name="AutoShape 6" descr="Q Learning Header">
-            <a:extLst>
-              <a:ext uri="{FF2B5EF4-FFF2-40B4-BE49-F238E27FC236}">
-                <a16:creationId xmlns:a16="http://schemas.microsoft.com/office/drawing/2014/main" id="{2DECD8E3-5A21-65D7-871C-B07144BC532F}"/>
-              </a:ext>
-            </a:extLst>
-          </p:cNvPr>
-          <p:cNvSpPr>
-            <a:spLocks noChangeAspect="1" noChangeArrowheads="1"/>
-          </p:cNvSpPr>
-          <p:nvPr/>
-        </p:nvSpPr>
-        <p:spPr bwMode="auto">
-          <a:xfrm>
-            <a:off x="6248400" y="3581400"/>
-            <a:ext cx="304800" cy="304800"/>
-          </a:xfrm>
-          <a:prstGeom prst="rect">
-            <a:avLst/>
-          </a:prstGeom>
-          <a:noFill/>
-          <a:extLst>
-            <a:ext uri="{909E8E84-426E-40DD-AFC4-6F175D3DCCD1}">
-              <a14:hiddenFill xmlns:a14="http://schemas.microsoft.com/office/drawing/2010/main">
-                <a:solidFill>
-                  <a:srgbClr val="FFFFFF"/>
-                </a:solidFill>
-              </a14:hiddenFill>
-            </a:ext>
-          </a:extLst>
-        </p:spPr>
-        <p:txBody>
-          <a:bodyPr vert="horz" wrap="square" lIns="91440" tIns="45720" rIns="91440" bIns="45720" numCol="1" anchor="t" anchorCtr="0" compatLnSpc="1">
-            <a:prstTxWarp prst="textNoShape">
-              <a:avLst/>
-            </a:prstTxWarp>
-          </a:bodyPr>
-          <a:lstStyle/>
-          <a:p>
-            <a:endParaRPr lang="de-DE" dirty="0"/>
-          </a:p>
-        </p:txBody>
-      </p:sp>
-    </p:spTree>
-    <p:extLst>
-      <p:ext uri="{BB962C8B-B14F-4D97-AF65-F5344CB8AC3E}">
-        <p14:creationId xmlns:p14="http://schemas.microsoft.com/office/powerpoint/2010/main" val="680803865"/>
-      </p:ext>
-    </p:extLst>
-  </p:cSld>
-  <p:clrMapOvr>
-    <a:masterClrMapping/>
-  </p:clrMapOvr>
-</p:sld>
-</file>
-
-<file path=ppt/slides/slide13.xml><?xml version="1.0" encoding="utf-8"?>
-<p:sld xmlns:a="http://schemas.openxmlformats.org/drawingml/2006/main" xmlns:r="http://schemas.openxmlformats.org/officeDocument/2006/relationships" xmlns:p="http://schemas.openxmlformats.org/presentationml/2006/main">
-  <p:cSld>
-    <p:spTree>
-      <p:nvGrpSpPr>
-        <p:cNvPr id="1" name="">
-          <a:extLst>
-            <a:ext uri="{FF2B5EF4-FFF2-40B4-BE49-F238E27FC236}">
-              <a16:creationId xmlns:a16="http://schemas.microsoft.com/office/drawing/2014/main" id="{9A17431A-DA90-7D94-BC14-DBFC1FDD91B4}"/>
-            </a:ext>
-          </a:extLst>
-        </p:cNvPr>
-        <p:cNvGrpSpPr/>
-        <p:nvPr/>
-      </p:nvGrpSpPr>
-      <p:grpSpPr>
-        <a:xfrm>
-          <a:off x="0" y="0"/>
-          <a:ext cx="0" cy="0"/>
-          <a:chOff x="0" y="0"/>
-          <a:chExt cx="0" cy="0"/>
-        </a:xfrm>
-      </p:grpSpPr>
-      <p:sp>
-        <p:nvSpPr>
-          <p:cNvPr id="5" name="Titel 4">
-            <a:extLst>
-              <a:ext uri="{FF2B5EF4-FFF2-40B4-BE49-F238E27FC236}">
-                <a16:creationId xmlns:a16="http://schemas.microsoft.com/office/drawing/2014/main" id="{C1D6B5EA-5DBC-00F7-C61C-7EC597DF5A4C}"/>
-              </a:ext>
-            </a:extLst>
-          </p:cNvPr>
-          <p:cNvSpPr>
-            <a:spLocks noGrp="1"/>
-          </p:cNvSpPr>
-          <p:nvPr>
-            <p:ph type="title"/>
-          </p:nvPr>
-        </p:nvSpPr>
-        <p:spPr>
-          <a:xfrm>
-            <a:off x="393600" y="406800"/>
-            <a:ext cx="9753600" cy="327600"/>
-          </a:xfrm>
-        </p:spPr>
-        <p:txBody>
-          <a:bodyPr vert="horz" wrap="square" lIns="0" tIns="0" rIns="0" bIns="0" numCol="1" rtlCol="0" anchor="ctr" anchorCtr="0" compatLnSpc="1">
-            <a:prstTxWarp prst="textNoShape">
-              <a:avLst/>
-            </a:prstTxWarp>
-            <a:normAutofit/>
-          </a:bodyPr>
-          <a:lstStyle/>
-          <a:p>
-            <a:pPr>
-              <a:lnSpc>
-                <a:spcPct val="90000"/>
-              </a:lnSpc>
-            </a:pPr>
-            <a:r>
-              <a:rPr lang="de-DE" i="1" dirty="0">
-                <a:latin typeface="+mj-lt"/>
-                <a:ea typeface="ＭＳ Ｐゴシック" charset="0"/>
-                <a:cs typeface="ＭＳ Ｐゴシック" charset="0"/>
-              </a:rPr>
-              <a:t>Auswertung</a:t>
-            </a:r>
-          </a:p>
-        </p:txBody>
-      </p:sp>
-      <p:sp>
-        <p:nvSpPr>
-          <p:cNvPr id="1080" name="Subtitle 4">
-            <a:extLst>
-              <a:ext uri="{FF2B5EF4-FFF2-40B4-BE49-F238E27FC236}">
-                <a16:creationId xmlns:a16="http://schemas.microsoft.com/office/drawing/2014/main" id="{6299E935-E5E6-8358-7073-8E1348828792}"/>
-              </a:ext>
-            </a:extLst>
-          </p:cNvPr>
-          <p:cNvSpPr>
-            <a:spLocks noGrp="1"/>
-          </p:cNvSpPr>
-          <p:nvPr>
-            <p:ph type="subTitle" idx="1"/>
-          </p:nvPr>
-        </p:nvSpPr>
-        <p:spPr>
-          <a:xfrm>
-            <a:off x="393600" y="745067"/>
-            <a:ext cx="9753600" cy="342054"/>
-          </a:xfrm>
-        </p:spPr>
-        <p:txBody>
-          <a:bodyPr vert="horz" wrap="square" lIns="0" tIns="0" rIns="0" bIns="0" numCol="1" anchor="t" anchorCtr="0" compatLnSpc="1">
-            <a:prstTxWarp prst="textNoShape">
-              <a:avLst/>
-            </a:prstTxWarp>
-            <a:normAutofit/>
-          </a:bodyPr>
-          <a:lstStyle/>
-          <a:p>
-            <a:pPr>
-              <a:spcAft>
-                <a:spcPts val="600"/>
-              </a:spcAft>
-            </a:pPr>
-            <a:r>
-              <a:rPr lang="en-US" dirty="0"/>
-              <a:t>Truong &amp; Saad </a:t>
-            </a:r>
-          </a:p>
-        </p:txBody>
-      </p:sp>
-      <p:sp>
-        <p:nvSpPr>
-          <p:cNvPr id="1087" name="Text Placeholder 5">
-            <a:extLst>
-              <a:ext uri="{FF2B5EF4-FFF2-40B4-BE49-F238E27FC236}">
-                <a16:creationId xmlns:a16="http://schemas.microsoft.com/office/drawing/2014/main" id="{EFE7F236-2515-9842-671C-8CB8108F1F9A}"/>
-              </a:ext>
-            </a:extLst>
-          </p:cNvPr>
-          <p:cNvSpPr>
-            <a:spLocks noGrp="1"/>
-          </p:cNvSpPr>
-          <p:nvPr>
-            <p:ph type="body" sz="quarter" idx="17"/>
-          </p:nvPr>
-        </p:nvSpPr>
-        <p:spPr>
-          <a:xfrm>
-            <a:off x="6308422" y="6398644"/>
-            <a:ext cx="5380801" cy="112766"/>
-          </a:xfrm>
-        </p:spPr>
-        <p:txBody>
-          <a:bodyPr/>
-          <a:lstStyle/>
-          <a:p>
-            <a:endParaRPr lang="en-US"/>
-          </a:p>
-        </p:txBody>
-      </p:sp>
-      <p:sp>
-        <p:nvSpPr>
-          <p:cNvPr id="7" name="Foliennummernplatzhalter 6">
-            <a:extLst>
-              <a:ext uri="{FF2B5EF4-FFF2-40B4-BE49-F238E27FC236}">
-                <a16:creationId xmlns:a16="http://schemas.microsoft.com/office/drawing/2014/main" id="{7E091574-91CA-6B88-C234-319C414F8BB5}"/>
-              </a:ext>
-            </a:extLst>
-          </p:cNvPr>
-          <p:cNvSpPr>
-            <a:spLocks noGrp="1"/>
-          </p:cNvSpPr>
-          <p:nvPr>
-            <p:ph type="sldNum" sz="quarter" idx="21"/>
-          </p:nvPr>
-        </p:nvSpPr>
-        <p:spPr>
-          <a:xfrm>
-            <a:off x="393700" y="6627813"/>
-            <a:ext cx="255588" cy="207962"/>
-          </a:xfrm>
-        </p:spPr>
-        <p:txBody>
-          <a:bodyPr vert="horz" lIns="0" tIns="0" rIns="0" bIns="0" rtlCol="0" anchor="t" anchorCtr="0">
-            <a:normAutofit/>
-          </a:bodyPr>
-          <a:lstStyle/>
-          <a:p>
-            <a:pPr>
-              <a:spcAft>
-                <a:spcPts val="600"/>
-              </a:spcAft>
-              <a:defRPr/>
-            </a:pPr>
-            <a:fld id="{20549947-ECEE-CD4E-8E00-25DB9EFCD1C0}" type="slidenum">
-              <a:rPr lang="de-DE" kern="1200" baseline="0">
-                <a:latin typeface="Arial"/>
-                <a:ea typeface="+mn-ea"/>
-                <a:cs typeface="+mn-cs"/>
-              </a:rPr>
-              <a:pPr>
-                <a:spcAft>
-                  <a:spcPts val="600"/>
-                </a:spcAft>
-                <a:defRPr/>
-              </a:pPr>
-              <a:t>13</a:t>
-            </a:fld>
-            <a:endParaRPr lang="de-DE" kern="1200" baseline="0">
-              <a:latin typeface="Arial"/>
-              <a:ea typeface="+mn-ea"/>
-              <a:cs typeface="+mn-cs"/>
-            </a:endParaRPr>
-          </a:p>
-        </p:txBody>
-      </p:sp>
-      <p:sp>
-        <p:nvSpPr>
-          <p:cNvPr id="6" name="AutoShape 2" descr="An Introduction to Q-Learning: A Tutorial For Beginners | DataCamp">
-            <a:extLst>
-              <a:ext uri="{FF2B5EF4-FFF2-40B4-BE49-F238E27FC236}">
-                <a16:creationId xmlns:a16="http://schemas.microsoft.com/office/drawing/2014/main" id="{F1FB5A3F-F350-AECD-A551-1F6DFC861591}"/>
-              </a:ext>
-            </a:extLst>
-          </p:cNvPr>
-          <p:cNvSpPr>
-            <a:spLocks noChangeAspect="1" noChangeArrowheads="1"/>
-          </p:cNvSpPr>
-          <p:nvPr/>
-        </p:nvSpPr>
-        <p:spPr bwMode="auto">
-          <a:xfrm>
-            <a:off x="5943600" y="3276600"/>
-            <a:ext cx="304800" cy="304800"/>
-          </a:xfrm>
-          <a:prstGeom prst="rect">
-            <a:avLst/>
-          </a:prstGeom>
-          <a:noFill/>
-          <a:extLst>
-            <a:ext uri="{909E8E84-426E-40DD-AFC4-6F175D3DCCD1}">
-              <a14:hiddenFill xmlns:a14="http://schemas.microsoft.com/office/drawing/2010/main">
-                <a:solidFill>
-                  <a:srgbClr val="FFFFFF"/>
-                </a:solidFill>
-              </a14:hiddenFill>
-            </a:ext>
-          </a:extLst>
-        </p:spPr>
-        <p:txBody>
-          <a:bodyPr vert="horz" wrap="square" lIns="91440" tIns="45720" rIns="91440" bIns="45720" numCol="1" anchor="t" anchorCtr="0" compatLnSpc="1">
-            <a:prstTxWarp prst="textNoShape">
-              <a:avLst/>
-            </a:prstTxWarp>
-          </a:bodyPr>
-          <a:lstStyle/>
-          <a:p>
-            <a:endParaRPr lang="de-DE"/>
-          </a:p>
-        </p:txBody>
-      </p:sp>
-      <p:sp>
-        <p:nvSpPr>
-          <p:cNvPr id="8" name="AutoShape 4" descr="An Introduction to Q-Learning: A Tutorial For Beginners | DataCamp">
-            <a:extLst>
-              <a:ext uri="{FF2B5EF4-FFF2-40B4-BE49-F238E27FC236}">
-                <a16:creationId xmlns:a16="http://schemas.microsoft.com/office/drawing/2014/main" id="{6CC0B889-107F-7311-8217-4891994BB8AD}"/>
-              </a:ext>
-            </a:extLst>
-          </p:cNvPr>
-          <p:cNvSpPr>
-            <a:spLocks noChangeAspect="1" noChangeArrowheads="1"/>
-          </p:cNvSpPr>
-          <p:nvPr/>
-        </p:nvSpPr>
-        <p:spPr bwMode="auto">
-          <a:xfrm>
-            <a:off x="6096000" y="3429000"/>
-            <a:ext cx="304800" cy="304800"/>
-          </a:xfrm>
-          <a:prstGeom prst="rect">
-            <a:avLst/>
-          </a:prstGeom>
-          <a:noFill/>
-          <a:extLst>
-            <a:ext uri="{909E8E84-426E-40DD-AFC4-6F175D3DCCD1}">
-              <a14:hiddenFill xmlns:a14="http://schemas.microsoft.com/office/drawing/2010/main">
-                <a:solidFill>
-                  <a:srgbClr val="FFFFFF"/>
-                </a:solidFill>
-              </a14:hiddenFill>
-            </a:ext>
-          </a:extLst>
-        </p:spPr>
-        <p:txBody>
-          <a:bodyPr vert="horz" wrap="square" lIns="91440" tIns="45720" rIns="91440" bIns="45720" numCol="1" anchor="t" anchorCtr="0" compatLnSpc="1">
-            <a:prstTxWarp prst="textNoShape">
-              <a:avLst/>
-            </a:prstTxWarp>
-          </a:bodyPr>
-          <a:lstStyle/>
-          <a:p>
-            <a:endParaRPr lang="de-DE"/>
-          </a:p>
-        </p:txBody>
-      </p:sp>
-      <p:sp>
-        <p:nvSpPr>
-          <p:cNvPr id="10" name="AutoShape 6" descr="Q Learning Header">
-            <a:extLst>
-              <a:ext uri="{FF2B5EF4-FFF2-40B4-BE49-F238E27FC236}">
-                <a16:creationId xmlns:a16="http://schemas.microsoft.com/office/drawing/2014/main" id="{A7EF4060-2B66-FA5D-3594-1EF759F304E8}"/>
-              </a:ext>
-            </a:extLst>
-          </p:cNvPr>
-          <p:cNvSpPr>
-            <a:spLocks noChangeAspect="1" noChangeArrowheads="1"/>
-          </p:cNvSpPr>
-          <p:nvPr/>
-        </p:nvSpPr>
-        <p:spPr bwMode="auto">
-          <a:xfrm>
-            <a:off x="6248400" y="3581400"/>
-            <a:ext cx="304800" cy="304800"/>
-          </a:xfrm>
-          <a:prstGeom prst="rect">
-            <a:avLst/>
-          </a:prstGeom>
-          <a:noFill/>
-          <a:extLst>
-            <a:ext uri="{909E8E84-426E-40DD-AFC4-6F175D3DCCD1}">
-              <a14:hiddenFill xmlns:a14="http://schemas.microsoft.com/office/drawing/2010/main">
-                <a:solidFill>
-                  <a:srgbClr val="FFFFFF"/>
-                </a:solidFill>
-              </a14:hiddenFill>
-            </a:ext>
-          </a:extLst>
-        </p:spPr>
-        <p:txBody>
-          <a:bodyPr vert="horz" wrap="square" lIns="91440" tIns="45720" rIns="91440" bIns="45720" numCol="1" anchor="t" anchorCtr="0" compatLnSpc="1">
-            <a:prstTxWarp prst="textNoShape">
-              <a:avLst/>
-            </a:prstTxWarp>
-          </a:bodyPr>
-          <a:lstStyle/>
-          <a:p>
-            <a:endParaRPr lang="de-DE" dirty="0"/>
-          </a:p>
-        </p:txBody>
-      </p:sp>
-    </p:spTree>
-    <p:extLst>
-      <p:ext uri="{BB962C8B-B14F-4D97-AF65-F5344CB8AC3E}">
-        <p14:creationId xmlns:p14="http://schemas.microsoft.com/office/powerpoint/2010/main" val="3909464728"/>
-      </p:ext>
-    </p:extLst>
-  </p:cSld>
-  <p:clrMapOvr>
-    <a:masterClrMapping/>
-  </p:clrMapOvr>
-</p:sld>
-</file>
-
-<file path=ppt/slides/slide14.xml><?xml version="1.0" encoding="utf-8"?>
 <p:sld xmlns:a="http://schemas.openxmlformats.org/drawingml/2006/main" xmlns:r="http://schemas.openxmlformats.org/officeDocument/2006/relationships" xmlns:p="http://schemas.openxmlformats.org/presentationml/2006/main">
   <p:cSld>
     <p:spTree>
@@ -8111,7 +7484,7 @@
                 </a:spcAft>
                 <a:defRPr/>
               </a:pPr>
-              <a:t>14</a:t>
+              <a:t>12</a:t>
             </a:fld>
             <a:endParaRPr lang="de-DE" kern="1200" baseline="0">
               <a:latin typeface="Arial"/>
@@ -8301,14 +7674,14 @@
           </a:ln>
           <a:extLst>
             <a:ext uri="{909E8E84-426E-40dd-AFC4-6F175D3DCCD1}">
-              <a14:hiddenFill xmlns="" xmlns:a14="http://schemas.microsoft.com/office/drawing/2010/main">
+              <a14:hiddenFill xmlns:a14="http://schemas.microsoft.com/office/drawing/2010/main" xmlns="">
                 <a:solidFill>
                   <a:srgbClr val="FFFFFF"/>
                 </a:solidFill>
               </a14:hiddenFill>
             </a:ext>
             <a:ext uri="{91240B29-F687-4f45-9708-019B960494DF}">
-              <a14:hiddenLine xmlns="" xmlns:a14="http://schemas.microsoft.com/office/drawing/2010/main" w="9525">
+              <a14:hiddenLine xmlns:a14="http://schemas.microsoft.com/office/drawing/2010/main" xmlns="" w="9525">
                 <a:solidFill>
                   <a:srgbClr val="000000"/>
                 </a:solidFill>
@@ -8318,7 +7691,7 @@
               </a14:hiddenLine>
             </a:ext>
             <a:ext uri="{FAA26D3D-D897-4be2-8F04-BA451C77F1D7}">
-              <ma14:placeholderFlag xmlns="" xmlns:ma14="http://schemas.microsoft.com/office/mac/drawingml/2011/main" val="1"/>
+              <ma14:placeholderFlag xmlns:ma14="http://schemas.microsoft.com/office/mac/drawingml/2011/main" xmlns="" val="1"/>
             </a:ext>
           </a:extLst>
         </p:spPr>
@@ -8706,14 +8079,14 @@
           </a:ln>
           <a:extLst>
             <a:ext uri="{909E8E84-426E-40dd-AFC4-6F175D3DCCD1}">
-              <a14:hiddenFill xmlns="" xmlns:a14="http://schemas.microsoft.com/office/drawing/2010/main">
+              <a14:hiddenFill xmlns:a14="http://schemas.microsoft.com/office/drawing/2010/main" xmlns="">
                 <a:solidFill>
                   <a:srgbClr val="FFFFFF"/>
                 </a:solidFill>
               </a14:hiddenFill>
             </a:ext>
             <a:ext uri="{91240B29-F687-4f45-9708-019B960494DF}">
-              <a14:hiddenLine xmlns="" xmlns:a14="http://schemas.microsoft.com/office/drawing/2010/main" w="9525">
+              <a14:hiddenLine xmlns:a14="http://schemas.microsoft.com/office/drawing/2010/main" xmlns="" w="9525">
                 <a:solidFill>
                   <a:srgbClr val="000000"/>
                 </a:solidFill>
@@ -8723,7 +8096,7 @@
               </a14:hiddenLine>
             </a:ext>
             <a:ext uri="{FAA26D3D-D897-4be2-8F04-BA451C77F1D7}">
-              <ma14:placeholderFlag xmlns="" xmlns:ma14="http://schemas.microsoft.com/office/mac/drawingml/2011/main" val="1"/>
+              <ma14:placeholderFlag xmlns:ma14="http://schemas.microsoft.com/office/mac/drawingml/2011/main" xmlns="" val="1"/>
             </a:ext>
           </a:extLst>
         </p:spPr>
@@ -9191,14 +8564,14 @@
           </a:ln>
           <a:extLst>
             <a:ext uri="{909E8E84-426E-40dd-AFC4-6F175D3DCCD1}">
-              <a14:hiddenFill xmlns="" xmlns:a14="http://schemas.microsoft.com/office/drawing/2010/main">
+              <a14:hiddenFill xmlns:a14="http://schemas.microsoft.com/office/drawing/2010/main" xmlns="">
                 <a:solidFill>
                   <a:srgbClr val="FFFFFF"/>
                 </a:solidFill>
               </a14:hiddenFill>
             </a:ext>
             <a:ext uri="{91240B29-F687-4f45-9708-019B960494DF}">
-              <a14:hiddenLine xmlns="" xmlns:a14="http://schemas.microsoft.com/office/drawing/2010/main" w="9525">
+              <a14:hiddenLine xmlns:a14="http://schemas.microsoft.com/office/drawing/2010/main" xmlns="" w="9525">
                 <a:solidFill>
                   <a:srgbClr val="000000"/>
                 </a:solidFill>
@@ -9208,7 +8581,7 @@
               </a14:hiddenLine>
             </a:ext>
             <a:ext uri="{FAA26D3D-D897-4be2-8F04-BA451C77F1D7}">
-              <ma14:placeholderFlag xmlns="" xmlns:ma14="http://schemas.microsoft.com/office/mac/drawingml/2011/main" val="1"/>
+              <ma14:placeholderFlag xmlns:ma14="http://schemas.microsoft.com/office/mac/drawingml/2011/main" xmlns="" val="1"/>
             </a:ext>
           </a:extLst>
         </p:spPr>
@@ -9756,14 +9129,14 @@
           </a:ln>
           <a:extLst>
             <a:ext uri="{909E8E84-426E-40dd-AFC4-6F175D3DCCD1}">
-              <a14:hiddenFill xmlns="" xmlns:a14="http://schemas.microsoft.com/office/drawing/2010/main">
+              <a14:hiddenFill xmlns:a14="http://schemas.microsoft.com/office/drawing/2010/main" xmlns="">
                 <a:solidFill>
                   <a:srgbClr val="FFFFFF"/>
                 </a:solidFill>
               </a14:hiddenFill>
             </a:ext>
             <a:ext uri="{91240B29-F687-4f45-9708-019B960494DF}">
-              <a14:hiddenLine xmlns="" xmlns:a14="http://schemas.microsoft.com/office/drawing/2010/main" w="9525">
+              <a14:hiddenLine xmlns:a14="http://schemas.microsoft.com/office/drawing/2010/main" xmlns="" w="9525">
                 <a:solidFill>
                   <a:srgbClr val="000000"/>
                 </a:solidFill>
@@ -9773,7 +9146,7 @@
               </a14:hiddenLine>
             </a:ext>
             <a:ext uri="{FAA26D3D-D897-4be2-8F04-BA451C77F1D7}">
-              <ma14:placeholderFlag xmlns="" xmlns:ma14="http://schemas.microsoft.com/office/mac/drawingml/2011/main" val="1"/>
+              <ma14:placeholderFlag xmlns:ma14="http://schemas.microsoft.com/office/mac/drawingml/2011/main" xmlns="" val="1"/>
             </a:ext>
           </a:extLst>
         </p:spPr>
@@ -10284,7 +9657,7 @@
         </p:nvSpPr>
         <p:spPr bwMode="auto">
           <a:xfrm>
-            <a:off x="393601" y="1992036"/>
+            <a:off x="649288" y="2100659"/>
             <a:ext cx="4366178" cy="3513616"/>
           </a:xfrm>
           <a:prstGeom prst="rect">
@@ -10296,14 +9669,14 @@
           </a:ln>
           <a:extLst>
             <a:ext uri="{909E8E84-426E-40dd-AFC4-6F175D3DCCD1}">
-              <a14:hiddenFill xmlns="" xmlns:a14="http://schemas.microsoft.com/office/drawing/2010/main">
+              <a14:hiddenFill xmlns:a14="http://schemas.microsoft.com/office/drawing/2010/main" xmlns="">
                 <a:solidFill>
                   <a:srgbClr val="FFFFFF"/>
                 </a:solidFill>
               </a14:hiddenFill>
             </a:ext>
             <a:ext uri="{91240B29-F687-4f45-9708-019B960494DF}">
-              <a14:hiddenLine xmlns="" xmlns:a14="http://schemas.microsoft.com/office/drawing/2010/main" w="9525">
+              <a14:hiddenLine xmlns:a14="http://schemas.microsoft.com/office/drawing/2010/main" xmlns="" w="9525">
                 <a:solidFill>
                   <a:srgbClr val="000000"/>
                 </a:solidFill>
@@ -10313,7 +9686,7 @@
               </a14:hiddenLine>
             </a:ext>
             <a:ext uri="{FAA26D3D-D897-4be2-8F04-BA451C77F1D7}">
-              <ma14:placeholderFlag xmlns="" xmlns:ma14="http://schemas.microsoft.com/office/mac/drawingml/2011/main" val="1"/>
+              <ma14:placeholderFlag xmlns:ma14="http://schemas.microsoft.com/office/mac/drawingml/2011/main" xmlns="" val="1"/>
             </a:ext>
           </a:extLst>
         </p:spPr>
@@ -10409,7 +9782,7 @@
               <a:rPr lang="de-DE" sz="1600" b="1" kern="0" dirty="0" err="1">
                 <a:ea typeface="ＭＳ Ｐゴシック" charset="0"/>
               </a:rPr>
-              <a:t>Algo</a:t>
+              <a:t>Algorithm</a:t>
             </a:r>
             <a:endParaRPr lang="de-DE" sz="1600" b="1" kern="0" dirty="0">
               <a:ea typeface="ＭＳ Ｐゴシック" charset="0"/>
@@ -10777,6 +10150,123 @@
           </a:p>
         </p:txBody>
       </p:sp>
+      <p:pic>
+        <p:nvPicPr>
+          <p:cNvPr id="4" name="Grafik 3" descr="Ein Bild, das Reihe, Diagramm, Kreis enthält.&#10;&#10;Automatisch generierte Beschreibung">
+            <a:extLst>
+              <a:ext uri="{FF2B5EF4-FFF2-40B4-BE49-F238E27FC236}">
+                <a16:creationId xmlns:a16="http://schemas.microsoft.com/office/drawing/2014/main" id="{D641CDBF-AABD-7E1C-3631-473C3E15AA72}"/>
+              </a:ext>
+            </a:extLst>
+          </p:cNvPr>
+          <p:cNvPicPr>
+            <a:picLocks noChangeAspect="1"/>
+          </p:cNvPicPr>
+          <p:nvPr/>
+        </p:nvPicPr>
+        <p:blipFill>
+          <a:blip r:embed="rId3">
+            <a:extLst>
+              <a:ext uri="{28A0092B-C50C-407E-A947-70E740481C1C}">
+                <a14:useLocalDpi xmlns:a14="http://schemas.microsoft.com/office/drawing/2010/main" val="0"/>
+              </a:ext>
+            </a:extLst>
+          </a:blip>
+          <a:stretch>
+            <a:fillRect/>
+          </a:stretch>
+        </p:blipFill>
+        <p:spPr>
+          <a:xfrm>
+            <a:off x="6641649" y="1573342"/>
+            <a:ext cx="2730583" cy="2079740"/>
+          </a:xfrm>
+          <a:prstGeom prst="rect">
+            <a:avLst/>
+          </a:prstGeom>
+        </p:spPr>
+      </p:pic>
+      <p:sp>
+        <p:nvSpPr>
+          <p:cNvPr id="12" name="AutoShape 6">
+            <a:extLst>
+              <a:ext uri="{FF2B5EF4-FFF2-40B4-BE49-F238E27FC236}">
+                <a16:creationId xmlns:a16="http://schemas.microsoft.com/office/drawing/2014/main" id="{224C6E13-8B68-D92F-A233-7BBBDD4F6B19}"/>
+              </a:ext>
+            </a:extLst>
+          </p:cNvPr>
+          <p:cNvSpPr>
+            <a:spLocks noChangeAspect="1" noChangeArrowheads="1"/>
+          </p:cNvSpPr>
+          <p:nvPr/>
+        </p:nvSpPr>
+        <p:spPr bwMode="auto">
+          <a:xfrm>
+            <a:off x="6553200" y="3886200"/>
+            <a:ext cx="304800" cy="304800"/>
+          </a:xfrm>
+          <a:prstGeom prst="rect">
+            <a:avLst/>
+          </a:prstGeom>
+          <a:noFill/>
+          <a:extLst>
+            <a:ext uri="{909E8E84-426E-40DD-AFC4-6F175D3DCCD1}">
+              <a14:hiddenFill xmlns:a14="http://schemas.microsoft.com/office/drawing/2010/main">
+                <a:solidFill>
+                  <a:srgbClr val="FFFFFF"/>
+                </a:solidFill>
+              </a14:hiddenFill>
+            </a:ext>
+          </a:extLst>
+        </p:spPr>
+        <p:txBody>
+          <a:bodyPr vert="horz" wrap="square" lIns="91440" tIns="45720" rIns="91440" bIns="45720" numCol="1" anchor="t" anchorCtr="0" compatLnSpc="1">
+            <a:prstTxWarp prst="textNoShape">
+              <a:avLst/>
+            </a:prstTxWarp>
+          </a:bodyPr>
+          <a:lstStyle/>
+          <a:p>
+            <a:endParaRPr lang="de-DE"/>
+          </a:p>
+        </p:txBody>
+      </p:sp>
+      <p:pic>
+        <p:nvPicPr>
+          <p:cNvPr id="14" name="Grafik 13" descr="Ein Bild, das Diagramm, Reihe, Kreis enthält.&#10;&#10;Automatisch generierte Beschreibung">
+            <a:extLst>
+              <a:ext uri="{FF2B5EF4-FFF2-40B4-BE49-F238E27FC236}">
+                <a16:creationId xmlns:a16="http://schemas.microsoft.com/office/drawing/2014/main" id="{A3A5DA1F-D52E-1E61-27D2-C05BADA1BA1D}"/>
+              </a:ext>
+            </a:extLst>
+          </p:cNvPr>
+          <p:cNvPicPr>
+            <a:picLocks noChangeAspect="1"/>
+          </p:cNvPicPr>
+          <p:nvPr/>
+        </p:nvPicPr>
+        <p:blipFill>
+          <a:blip r:embed="rId4">
+            <a:extLst>
+              <a:ext uri="{28A0092B-C50C-407E-A947-70E740481C1C}">
+                <a14:useLocalDpi xmlns:a14="http://schemas.microsoft.com/office/drawing/2010/main" val="0"/>
+              </a:ext>
+            </a:extLst>
+          </a:blip>
+          <a:stretch>
+            <a:fillRect/>
+          </a:stretch>
+        </p:blipFill>
+        <p:spPr>
+          <a:xfrm>
+            <a:off x="6256645" y="3733800"/>
+            <a:ext cx="3501198" cy="1750599"/>
+          </a:xfrm>
+          <a:prstGeom prst="rect">
+            <a:avLst/>
+          </a:prstGeom>
+        </p:spPr>
+      </p:pic>
     </p:spTree>
     <p:extLst>
       <p:ext uri="{BB962C8B-B14F-4D97-AF65-F5344CB8AC3E}">
@@ -10827,7 +10317,7 @@
         </p:nvSpPr>
         <p:spPr bwMode="auto">
           <a:xfrm>
-            <a:off x="393601" y="1992036"/>
+            <a:off x="904222" y="2129392"/>
             <a:ext cx="4366178" cy="3513616"/>
           </a:xfrm>
           <a:prstGeom prst="rect">
@@ -10839,14 +10329,14 @@
           </a:ln>
           <a:extLst>
             <a:ext uri="{909E8E84-426E-40dd-AFC4-6F175D3DCCD1}">
-              <a14:hiddenFill xmlns="" xmlns:a14="http://schemas.microsoft.com/office/drawing/2010/main">
+              <a14:hiddenFill xmlns:a14="http://schemas.microsoft.com/office/drawing/2010/main" xmlns="">
                 <a:solidFill>
                   <a:srgbClr val="FFFFFF"/>
                 </a:solidFill>
               </a14:hiddenFill>
             </a:ext>
             <a:ext uri="{91240B29-F687-4f45-9708-019B960494DF}">
-              <a14:hiddenLine xmlns="" xmlns:a14="http://schemas.microsoft.com/office/drawing/2010/main" w="9525">
+              <a14:hiddenLine xmlns:a14="http://schemas.microsoft.com/office/drawing/2010/main" xmlns="" w="9525">
                 <a:solidFill>
                   <a:srgbClr val="000000"/>
                 </a:solidFill>
@@ -10856,7 +10346,7 @@
               </a14:hiddenLine>
             </a:ext>
             <a:ext uri="{FAA26D3D-D897-4be2-8F04-BA451C77F1D7}">
-              <ma14:placeholderFlag xmlns="" xmlns:ma14="http://schemas.microsoft.com/office/mac/drawingml/2011/main" val="1"/>
+              <ma14:placeholderFlag xmlns:ma14="http://schemas.microsoft.com/office/mac/drawingml/2011/main" xmlns="" val="1"/>
             </a:ext>
           </a:extLst>
         </p:spPr>
@@ -11360,14 +10850,14 @@
           </a:ln>
           <a:extLst>
             <a:ext uri="{909E8E84-426E-40dd-AFC4-6F175D3DCCD1}">
-              <a14:hiddenFill xmlns="" xmlns:a14="http://schemas.microsoft.com/office/drawing/2010/main">
+              <a14:hiddenFill xmlns:a14="http://schemas.microsoft.com/office/drawing/2010/main" xmlns="">
                 <a:solidFill>
                   <a:srgbClr val="FFFFFF"/>
                 </a:solidFill>
               </a14:hiddenFill>
             </a:ext>
             <a:ext uri="{91240B29-F687-4f45-9708-019B960494DF}">
-              <a14:hiddenLine xmlns="" xmlns:a14="http://schemas.microsoft.com/office/drawing/2010/main" w="9525">
+              <a14:hiddenLine xmlns:a14="http://schemas.microsoft.com/office/drawing/2010/main" xmlns="" w="9525">
                 <a:solidFill>
                   <a:srgbClr val="000000"/>
                 </a:solidFill>
@@ -11377,7 +10867,7 @@
               </a14:hiddenLine>
             </a:ext>
             <a:ext uri="{FAA26D3D-D897-4be2-8F04-BA451C77F1D7}">
-              <ma14:placeholderFlag xmlns="" xmlns:ma14="http://schemas.microsoft.com/office/mac/drawingml/2011/main" val="1"/>
+              <ma14:placeholderFlag xmlns:ma14="http://schemas.microsoft.com/office/mac/drawingml/2011/main" xmlns="" val="1"/>
             </a:ext>
           </a:extLst>
         </p:spPr>
@@ -11386,7 +10876,7 @@
             <a:prstTxWarp prst="textNoShape">
               <a:avLst/>
             </a:prstTxWarp>
-            <a:normAutofit fontScale="92500" lnSpcReduction="20000"/>
+            <a:normAutofit fontScale="85000" lnSpcReduction="20000"/>
           </a:bodyPr>
           <a:lstStyle/>
           <a:p>
@@ -11734,6 +11224,26 @@
                 <a:ea typeface="ＭＳ Ｐゴシック" charset="0"/>
               </a:rPr>
               <a:t>)</a:t>
+            </a:r>
+          </a:p>
+          <a:p>
+            <a:pPr lvl="2" indent="360000" defTabSz="457200" fontAlgn="base">
+              <a:lnSpc>
+                <a:spcPct val="150000"/>
+              </a:lnSpc>
+              <a:spcAft>
+                <a:spcPts val="600"/>
+              </a:spcAft>
+              <a:buSzPct val="100000"/>
+              <a:buBlip>
+                <a:blip r:embed="rId2"/>
+              </a:buBlip>
+            </a:pPr>
+            <a:r>
+              <a:rPr lang="de-DE" sz="1600" b="1" kern="0" dirty="0">
+                <a:ea typeface="ＭＳ Ｐゴシック" charset="0"/>
+              </a:rPr>
+              <a:t>Metriken tracken</a:t>
             </a:r>
           </a:p>
           <a:p>
@@ -12236,14 +11746,14 @@
           </a:ln>
           <a:extLst>
             <a:ext uri="{909E8E84-426E-40dd-AFC4-6F175D3DCCD1}">
-              <a14:hiddenFill xmlns="" xmlns:a14="http://schemas.microsoft.com/office/drawing/2010/main">
+              <a14:hiddenFill xmlns:a14="http://schemas.microsoft.com/office/drawing/2010/main" xmlns="">
                 <a:solidFill>
                   <a:srgbClr val="FFFFFF"/>
                 </a:solidFill>
               </a14:hiddenFill>
             </a:ext>
             <a:ext uri="{91240B29-F687-4f45-9708-019B960494DF}">
-              <a14:hiddenLine xmlns="" xmlns:a14="http://schemas.microsoft.com/office/drawing/2010/main" w="9525">
+              <a14:hiddenLine xmlns:a14="http://schemas.microsoft.com/office/drawing/2010/main" xmlns="" w="9525">
                 <a:solidFill>
                   <a:srgbClr val="000000"/>
                 </a:solidFill>
@@ -12253,7 +11763,7 @@
               </a14:hiddenLine>
             </a:ext>
             <a:ext uri="{FAA26D3D-D897-4be2-8F04-BA451C77F1D7}">
-              <ma14:placeholderFlag xmlns="" xmlns:ma14="http://schemas.microsoft.com/office/mac/drawingml/2011/main" val="1"/>
+              <ma14:placeholderFlag xmlns:ma14="http://schemas.microsoft.com/office/mac/drawingml/2011/main" xmlns="" val="1"/>
             </a:ext>
           </a:extLst>
         </p:spPr>
@@ -12338,6 +11848,26 @@
             </a:r>
           </a:p>
           <a:p>
+            <a:pPr lvl="1" indent="360000" defTabSz="457200" fontAlgn="base">
+              <a:lnSpc>
+                <a:spcPct val="150000"/>
+              </a:lnSpc>
+              <a:spcAft>
+                <a:spcPts val="600"/>
+              </a:spcAft>
+              <a:buSzPct val="100000"/>
+              <a:buBlip>
+                <a:blip r:embed="rId2"/>
+              </a:buBlip>
+            </a:pPr>
+            <a:r>
+              <a:rPr lang="de-DE" sz="1600" b="1" kern="0" dirty="0">
+                <a:ea typeface="ＭＳ Ｐゴシック" charset="0"/>
+              </a:rPr>
+              <a:t>Metriken tracken pro Run gefixt</a:t>
+            </a:r>
+          </a:p>
+          <a:p>
             <a:pPr indent="360000" defTabSz="457200" fontAlgn="base">
               <a:lnSpc>
                 <a:spcPct val="150000"/>
@@ -12354,11 +11884,11 @@
               <a:rPr lang="de-DE" sz="1600" b="1" kern="0" dirty="0">
                 <a:ea typeface="ＭＳ Ｐゴシック" charset="0"/>
               </a:rPr>
-              <a:t>Erste Analyse und Visualisierung der Ergebnisse</a:t>
-            </a:r>
-          </a:p>
-          <a:p>
-            <a:pPr indent="360000" defTabSz="457200" fontAlgn="base">
+              <a:t>Implementierung</a:t>
+            </a:r>
+          </a:p>
+          <a:p>
+            <a:pPr lvl="1" indent="360000" defTabSz="457200" fontAlgn="base">
               <a:lnSpc>
                 <a:spcPct val="150000"/>
               </a:lnSpc>
@@ -12374,11 +11904,31 @@
               <a:rPr lang="de-DE" sz="1600" b="1" kern="0" dirty="0">
                 <a:ea typeface="ＭＳ Ｐゴシック" charset="0"/>
               </a:rPr>
+              <a:t>Erste Analyse und Visualisierung der Ergebnisse</a:t>
+            </a:r>
+          </a:p>
+          <a:p>
+            <a:pPr lvl="1" indent="360000" defTabSz="457200" fontAlgn="base">
+              <a:lnSpc>
+                <a:spcPct val="150000"/>
+              </a:lnSpc>
+              <a:spcAft>
+                <a:spcPts val="600"/>
+              </a:spcAft>
+              <a:buSzPct val="100000"/>
+              <a:buBlip>
+                <a:blip r:embed="rId2"/>
+              </a:buBlip>
+            </a:pPr>
+            <a:r>
+              <a:rPr lang="de-DE" sz="1600" b="1" kern="0" dirty="0">
+                <a:ea typeface="ＭＳ Ｐゴシック" charset="0"/>
+              </a:rPr>
               <a:t>Scoring angepasst</a:t>
             </a:r>
           </a:p>
           <a:p>
-            <a:pPr indent="360000" defTabSz="457200" fontAlgn="base">
+            <a:pPr lvl="1" indent="360000" defTabSz="457200" fontAlgn="base">
               <a:lnSpc>
                 <a:spcPct val="150000"/>
               </a:lnSpc>
@@ -13617,18 +13167,18 @@
 </file>
 
 <file path=customXml/item1.xml><?xml version="1.0" encoding="utf-8"?>
-<p:properties xmlns:p="http://schemas.microsoft.com/office/2006/metadata/properties" xmlns:xsi="http://www.w3.org/2001/XMLSchema-instance" xmlns:pc="http://schemas.microsoft.com/office/infopath/2007/PartnerControls">
-  <documentManagement/>
-</p:properties>
-</file>
-
-<file path=customXml/item2.xml><?xml version="1.0" encoding="utf-8"?>
 <?mso-contentType ?>
 <FormTemplates xmlns="http://schemas.microsoft.com/sharepoint/v3/contenttype/forms">
   <Display>DocumentLibraryForm</Display>
   <Edit>DocumentLibraryForm</Edit>
   <New>DocumentLibraryForm</New>
 </FormTemplates>
+</file>
+
+<file path=customXml/item2.xml><?xml version="1.0" encoding="utf-8"?>
+<p:properties xmlns:p="http://schemas.microsoft.com/office/2006/metadata/properties" xmlns:xsi="http://www.w3.org/2001/XMLSchema-instance" xmlns:pc="http://schemas.microsoft.com/office/infopath/2007/PartnerControls">
+  <documentManagement/>
+</p:properties>
 </file>
 
 <file path=customXml/item3.xml><?xml version="1.0" encoding="utf-8"?>
@@ -13770,6 +13320,14 @@
 </file>
 
 <file path=customXml/itemProps1.xml><?xml version="1.0" encoding="utf-8"?>
+<ds:datastoreItem xmlns:ds="http://schemas.openxmlformats.org/officeDocument/2006/customXml" ds:itemID="{ACE7C72F-ED79-494F-A7ED-1F0FF5B91FF5}">
+  <ds:schemaRefs>
+    <ds:schemaRef ds:uri="http://schemas.microsoft.com/sharepoint/v3/contenttype/forms"/>
+  </ds:schemaRefs>
+</ds:datastoreItem>
+</file>
+
+<file path=customXml/itemProps2.xml><?xml version="1.0" encoding="utf-8"?>
 <ds:datastoreItem xmlns:ds="http://schemas.openxmlformats.org/officeDocument/2006/customXml" ds:itemID="{5B5802FD-0FE5-40B9-964E-26CF6C896D54}">
   <ds:schemaRefs>
     <ds:schemaRef ds:uri="http://purl.org/dc/terms/"/>
@@ -13781,14 +13339,6 @@
     <ds:schemaRef ds:uri="http://schemas.microsoft.com/office/infopath/2007/PartnerControls"/>
     <ds:schemaRef ds:uri="http://schemas.microsoft.com/office/2006/metadata/properties"/>
     <ds:schemaRef ds:uri="http://purl.org/dc/dcmitype/"/>
-  </ds:schemaRefs>
-</ds:datastoreItem>
-</file>
-
-<file path=customXml/itemProps2.xml><?xml version="1.0" encoding="utf-8"?>
-<ds:datastoreItem xmlns:ds="http://schemas.openxmlformats.org/officeDocument/2006/customXml" ds:itemID="{ACE7C72F-ED79-494F-A7ED-1F0FF5B91FF5}">
-  <ds:schemaRefs>
-    <ds:schemaRef ds:uri="http://schemas.microsoft.com/sharepoint/v3/contenttype/forms"/>
   </ds:schemaRefs>
 </ds:datastoreItem>
 </file>
